--- a/2021년 6월 24일 용접자동화로봇.pptx
+++ b/2021년 6월 24일 용접자동화로봇.pptx
@@ -5,10 +5,10 @@
     <p:sldMasterId id="2147483660" r:id="rId1"/>
   </p:sldMasterIdLst>
   <p:notesMasterIdLst>
-    <p:notesMasterId r:id="rId18"/>
+    <p:notesMasterId r:id="rId26"/>
   </p:notesMasterIdLst>
   <p:handoutMasterIdLst>
-    <p:handoutMasterId r:id="rId19"/>
+    <p:handoutMasterId r:id="rId27"/>
   </p:handoutMasterIdLst>
   <p:sldIdLst>
     <p:sldId id="257" r:id="rId2"/>
@@ -26,24 +26,28 @@
     <p:sldId id="352" r:id="rId14"/>
     <p:sldId id="353" r:id="rId15"/>
     <p:sldId id="334" r:id="rId16"/>
-    <p:sldId id="278" r:id="rId17"/>
+    <p:sldId id="354" r:id="rId17"/>
+    <p:sldId id="358" r:id="rId18"/>
+    <p:sldId id="362" r:id="rId19"/>
+    <p:sldId id="363" r:id="rId20"/>
+    <p:sldId id="355" r:id="rId21"/>
+    <p:sldId id="356" r:id="rId22"/>
+    <p:sldId id="360" r:id="rId23"/>
+    <p:sldId id="359" r:id="rId24"/>
+    <p:sldId id="278" r:id="rId25"/>
   </p:sldIdLst>
   <p:sldSz cx="9144000" cy="6858000" type="screen4x3"/>
   <p:notesSz cx="6805613" cy="9939338"/>
   <p:embeddedFontLst>
     <p:embeddedFont>
-      <p:font typeface="210 옴니고딕 030" panose="02020603020101020101" pitchFamily="18" charset="-127"/>
-      <p:regular r:id="rId20"/>
+      <p:font typeface="나눔고딕" charset="-127"/>
+      <p:regular r:id="rId28"/>
+      <p:bold r:id="rId29"/>
     </p:embeddedFont>
     <p:embeddedFont>
-      <p:font typeface="나눔고딕" panose="020D0604000000000000" pitchFamily="50" charset="-127"/>
-      <p:regular r:id="rId21"/>
-      <p:bold r:id="rId22"/>
-    </p:embeddedFont>
-    <p:embeddedFont>
-      <p:font typeface="맑은 고딕" panose="020B0503020000020004" pitchFamily="50" charset="-127"/>
-      <p:regular r:id="rId23"/>
-      <p:bold r:id="rId24"/>
+      <p:font typeface="맑은 고딕" pitchFamily="50" charset="-127"/>
+      <p:regular r:id="rId30"/>
+      <p:bold r:id="rId31"/>
     </p:embeddedFont>
   </p:embeddedFontLst>
   <p:defaultTextStyle>
@@ -143,7 +147,7 @@
   </p:defaultTextStyle>
   <p:extLst>
     <p:ext uri="{EFAFB233-063F-42B5-8137-9DF3F51BA10A}">
-      <p15:sldGuideLst xmlns:p15="http://schemas.microsoft.com/office/powerpoint/2012/main">
+      <p15:sldGuideLst xmlns:p15="http://schemas.microsoft.com/office/powerpoint/2012/main" xmlns="">
         <p15:guide id="1" orient="horz" pos="2166">
           <p15:clr>
             <a:srgbClr val="A4A3A4"/>
@@ -227,7 +231,7 @@
       </p15:sldGuideLst>
     </p:ext>
     <p:ext uri="{2D200454-40CA-4A62-9FC3-DE9A4176ACB9}">
-      <p15:notesGuideLst xmlns:p15="http://schemas.microsoft.com/office/powerpoint/2012/main">
+      <p15:notesGuideLst xmlns:p15="http://schemas.microsoft.com/office/powerpoint/2012/main" xmlns="">
         <p15:guide id="1" orient="horz" pos="3131">
           <p15:clr>
             <a:srgbClr val="A4A3A4"/>
@@ -327,7 +331,7 @@
             <a:fld id="{207F23D9-DF40-4811-9C78-A2E2A32398DD}" type="datetimeFigureOut">
               <a:rPr lang="ko-KR" altLang="en-US" smtClean="0"/>
               <a:pPr/>
-              <a:t>2021-06-23</a:t>
+              <a:t>2021-06-24</a:t>
             </a:fld>
             <a:endParaRPr lang="ko-KR" altLang="en-US"/>
           </a:p>
@@ -403,7 +407,7 @@
     </p:spTree>
     <p:extLst>
       <p:ext uri="{BB962C8B-B14F-4D97-AF65-F5344CB8AC3E}">
-        <p14:creationId xmlns:p14="http://schemas.microsoft.com/office/powerpoint/2010/main" val="2891599686"/>
+        <p14:creationId xmlns:p14="http://schemas.microsoft.com/office/powerpoint/2010/main" xmlns="" val="2891599686"/>
       </p:ext>
     </p:extLst>
   </p:cSld>
@@ -495,7 +499,7 @@
             <a:fld id="{F3AF6795-A612-454E-AF7A-9192B1BEBB13}" type="datetimeFigureOut">
               <a:rPr lang="ko-KR" altLang="en-US" smtClean="0"/>
               <a:pPr/>
-              <a:t>2021-06-23</a:t>
+              <a:t>2021-06-24</a:t>
             </a:fld>
             <a:endParaRPr lang="ko-KR" altLang="en-US"/>
           </a:p>
@@ -665,7 +669,7 @@
     </p:spTree>
     <p:extLst>
       <p:ext uri="{BB962C8B-B14F-4D97-AF65-F5344CB8AC3E}">
-        <p14:creationId xmlns:p14="http://schemas.microsoft.com/office/powerpoint/2010/main" val="1587304990"/>
+        <p14:creationId xmlns:p14="http://schemas.microsoft.com/office/powerpoint/2010/main" xmlns="" val="1587304990"/>
       </p:ext>
     </p:extLst>
   </p:cSld>
@@ -875,7 +879,7 @@
     </p:spTree>
     <p:extLst>
       <p:ext uri="{BB962C8B-B14F-4D97-AF65-F5344CB8AC3E}">
-        <p14:creationId xmlns:p14="http://schemas.microsoft.com/office/powerpoint/2010/main" val="4003268119"/>
+        <p14:creationId xmlns:p14="http://schemas.microsoft.com/office/powerpoint/2010/main" xmlns="" val="4003268119"/>
       </p:ext>
     </p:extLst>
   </p:cSld>
@@ -936,7 +940,7 @@
     </p:spTree>
     <p:extLst>
       <p:ext uri="{BB962C8B-B14F-4D97-AF65-F5344CB8AC3E}">
-        <p14:creationId xmlns:p14="http://schemas.microsoft.com/office/powerpoint/2010/main" val="3364154112"/>
+        <p14:creationId xmlns:p14="http://schemas.microsoft.com/office/powerpoint/2010/main" xmlns="" val="3364154112"/>
       </p:ext>
     </p:extLst>
   </p:cSld>
@@ -997,7 +1001,7 @@
     </p:spTree>
     <p:extLst>
       <p:ext uri="{BB962C8B-B14F-4D97-AF65-F5344CB8AC3E}">
-        <p14:creationId xmlns:p14="http://schemas.microsoft.com/office/powerpoint/2010/main" val="3364154112"/>
+        <p14:creationId xmlns:p14="http://schemas.microsoft.com/office/powerpoint/2010/main" xmlns="" val="3364154112"/>
       </p:ext>
     </p:extLst>
   </p:cSld>
@@ -1058,7 +1062,7 @@
     </p:spTree>
     <p:extLst>
       <p:ext uri="{BB962C8B-B14F-4D97-AF65-F5344CB8AC3E}">
-        <p14:creationId xmlns:p14="http://schemas.microsoft.com/office/powerpoint/2010/main" val="3364154112"/>
+        <p14:creationId xmlns:p14="http://schemas.microsoft.com/office/powerpoint/2010/main" xmlns="" val="3364154112"/>
       </p:ext>
     </p:extLst>
   </p:cSld>
@@ -1119,7 +1123,7 @@
     </p:spTree>
     <p:extLst>
       <p:ext uri="{BB962C8B-B14F-4D97-AF65-F5344CB8AC3E}">
-        <p14:creationId xmlns:p14="http://schemas.microsoft.com/office/powerpoint/2010/main" val="3512755709"/>
+        <p14:creationId xmlns:p14="http://schemas.microsoft.com/office/powerpoint/2010/main" xmlns="" val="3512755709"/>
       </p:ext>
     </p:extLst>
   </p:cSld>
@@ -1170,6 +1174,67 @@
         </p:nvSpPr>
         <p:spPr/>
         <p:txBody>
+          <a:bodyPr/>
+          <a:lstStyle/>
+          <a:p>
+            <a:endParaRPr lang="ko-KR" altLang="en-US" dirty="0"/>
+          </a:p>
+        </p:txBody>
+      </p:sp>
+    </p:spTree>
+    <p:extLst>
+      <p:ext uri="{BB962C8B-B14F-4D97-AF65-F5344CB8AC3E}">
+        <p14:creationId xmlns:p14="http://schemas.microsoft.com/office/powerpoint/2010/main" xmlns="" val="3364154112"/>
+      </p:ext>
+    </p:extLst>
+  </p:cSld>
+  <p:clrMapOvr>
+    <a:masterClrMapping/>
+  </p:clrMapOvr>
+</p:notes>
+</file>
+
+<file path=ppt/notesSlides/notesSlide16.xml><?xml version="1.0" encoding="utf-8"?>
+<p:notes xmlns:a="http://schemas.openxmlformats.org/drawingml/2006/main" xmlns:r="http://schemas.openxmlformats.org/officeDocument/2006/relationships" xmlns:p="http://schemas.openxmlformats.org/presentationml/2006/main">
+  <p:cSld>
+    <p:spTree>
+      <p:nvGrpSpPr>
+        <p:cNvPr id="1" name=""/>
+        <p:cNvGrpSpPr/>
+        <p:nvPr/>
+      </p:nvGrpSpPr>
+      <p:grpSpPr>
+        <a:xfrm>
+          <a:off x="0" y="0"/>
+          <a:ext cx="0" cy="0"/>
+          <a:chOff x="0" y="0"/>
+          <a:chExt cx="0" cy="0"/>
+        </a:xfrm>
+      </p:grpSpPr>
+      <p:sp>
+        <p:nvSpPr>
+          <p:cNvPr id="2" name="슬라이드 이미지 개체 틀 1"/>
+          <p:cNvSpPr>
+            <a:spLocks noGrp="1" noRot="1" noChangeAspect="1"/>
+          </p:cNvSpPr>
+          <p:nvPr>
+            <p:ph type="sldImg"/>
+          </p:nvPr>
+        </p:nvSpPr>
+        <p:spPr/>
+      </p:sp>
+      <p:sp>
+        <p:nvSpPr>
+          <p:cNvPr id="3" name="슬라이드 노트 개체 틀 2"/>
+          <p:cNvSpPr>
+            <a:spLocks noGrp="1"/>
+          </p:cNvSpPr>
+          <p:nvPr>
+            <p:ph type="body" idx="1"/>
+          </p:nvPr>
+        </p:nvSpPr>
+        <p:spPr/>
+        <p:txBody>
           <a:bodyPr>
             <a:normAutofit/>
           </a:bodyPr>
@@ -1238,7 +1303,7 @@
     </p:spTree>
     <p:extLst>
       <p:ext uri="{BB962C8B-B14F-4D97-AF65-F5344CB8AC3E}">
-        <p14:creationId xmlns:p14="http://schemas.microsoft.com/office/powerpoint/2010/main" val="3341939384"/>
+        <p14:creationId xmlns:p14="http://schemas.microsoft.com/office/powerpoint/2010/main" xmlns="" val="3341939384"/>
       </p:ext>
     </p:extLst>
   </p:cSld>
@@ -1299,7 +1364,7 @@
     </p:spTree>
     <p:extLst>
       <p:ext uri="{BB962C8B-B14F-4D97-AF65-F5344CB8AC3E}">
-        <p14:creationId xmlns:p14="http://schemas.microsoft.com/office/powerpoint/2010/main" val="1158920028"/>
+        <p14:creationId xmlns:p14="http://schemas.microsoft.com/office/powerpoint/2010/main" xmlns="" val="1158920028"/>
       </p:ext>
     </p:extLst>
   </p:cSld>
@@ -1360,7 +1425,7 @@
     </p:spTree>
     <p:extLst>
       <p:ext uri="{BB962C8B-B14F-4D97-AF65-F5344CB8AC3E}">
-        <p14:creationId xmlns:p14="http://schemas.microsoft.com/office/powerpoint/2010/main" val="2539004426"/>
+        <p14:creationId xmlns:p14="http://schemas.microsoft.com/office/powerpoint/2010/main" xmlns="" val="2539004426"/>
       </p:ext>
     </p:extLst>
   </p:cSld>
@@ -1421,7 +1486,7 @@
     </p:spTree>
     <p:extLst>
       <p:ext uri="{BB962C8B-B14F-4D97-AF65-F5344CB8AC3E}">
-        <p14:creationId xmlns:p14="http://schemas.microsoft.com/office/powerpoint/2010/main" val="3585842481"/>
+        <p14:creationId xmlns:p14="http://schemas.microsoft.com/office/powerpoint/2010/main" xmlns="" val="3585842481"/>
       </p:ext>
     </p:extLst>
   </p:cSld>
@@ -1482,7 +1547,7 @@
     </p:spTree>
     <p:extLst>
       <p:ext uri="{BB962C8B-B14F-4D97-AF65-F5344CB8AC3E}">
-        <p14:creationId xmlns:p14="http://schemas.microsoft.com/office/powerpoint/2010/main" val="1766789414"/>
+        <p14:creationId xmlns:p14="http://schemas.microsoft.com/office/powerpoint/2010/main" xmlns="" val="1766789414"/>
       </p:ext>
     </p:extLst>
   </p:cSld>
@@ -1543,7 +1608,7 @@
     </p:spTree>
     <p:extLst>
       <p:ext uri="{BB962C8B-B14F-4D97-AF65-F5344CB8AC3E}">
-        <p14:creationId xmlns:p14="http://schemas.microsoft.com/office/powerpoint/2010/main" val="645819681"/>
+        <p14:creationId xmlns:p14="http://schemas.microsoft.com/office/powerpoint/2010/main" xmlns="" val="645819681"/>
       </p:ext>
     </p:extLst>
   </p:cSld>
@@ -1604,7 +1669,7 @@
     </p:spTree>
     <p:extLst>
       <p:ext uri="{BB962C8B-B14F-4D97-AF65-F5344CB8AC3E}">
-        <p14:creationId xmlns:p14="http://schemas.microsoft.com/office/powerpoint/2010/main" val="1327653944"/>
+        <p14:creationId xmlns:p14="http://schemas.microsoft.com/office/powerpoint/2010/main" xmlns="" val="1327653944"/>
       </p:ext>
     </p:extLst>
   </p:cSld>
@@ -1665,7 +1730,7 @@
     </p:spTree>
     <p:extLst>
       <p:ext uri="{BB962C8B-B14F-4D97-AF65-F5344CB8AC3E}">
-        <p14:creationId xmlns:p14="http://schemas.microsoft.com/office/powerpoint/2010/main" val="4187057695"/>
+        <p14:creationId xmlns:p14="http://schemas.microsoft.com/office/powerpoint/2010/main" xmlns="" val="4187057695"/>
       </p:ext>
     </p:extLst>
   </p:cSld>
@@ -2175,7 +2240,7 @@
             <a:fld id="{9AA08716-9E6A-4A24-8493-A72AA37BBD5C}" type="datetime1">
               <a:rPr lang="ko-KR" altLang="en-US" smtClean="0"/>
               <a:pPr/>
-              <a:t>2021-06-23</a:t>
+              <a:t>2021-06-24</a:t>
             </a:fld>
             <a:endParaRPr lang="ko-KR" altLang="en-US"/>
           </a:p>
@@ -2920,7 +2985,7 @@
             <a:fld id="{23ED893E-93B8-4B8A-8BD5-4FF00A5A9556}" type="datetime1">
               <a:rPr lang="ko-KR" altLang="en-US" smtClean="0"/>
               <a:pPr/>
-              <a:t>2021-06-23</a:t>
+              <a:t>2021-06-24</a:t>
             </a:fld>
             <a:endParaRPr lang="ko-KR" altLang="en-US"/>
           </a:p>
@@ -3232,7 +3297,7 @@
             <a:fld id="{AD83C14E-3BC2-4ABB-AFDC-03F6C50D0B8B}" type="datetime1">
               <a:rPr lang="ko-KR" altLang="en-US" smtClean="0"/>
               <a:pPr/>
-              <a:t>2021-06-23</a:t>
+              <a:t>2021-06-24</a:t>
             </a:fld>
             <a:endParaRPr lang="ko-KR" altLang="en-US"/>
           </a:p>
@@ -3485,7 +3550,7 @@
             <a:fld id="{BCFE353A-24AE-49E2-9FB4-53150C2D7D5F}" type="datetime1">
               <a:rPr lang="ko-KR" altLang="en-US" smtClean="0"/>
               <a:pPr/>
-              <a:t>2021-06-23</a:t>
+              <a:t>2021-06-24</a:t>
             </a:fld>
             <a:endParaRPr lang="ko-KR" altLang="en-US"/>
           </a:p>
@@ -3709,7 +3774,7 @@
             <a:fld id="{45647EB5-D19B-4F20-BDF9-0E9ED1B081AA}" type="datetime1">
               <a:rPr lang="ko-KR" altLang="en-US" smtClean="0"/>
               <a:pPr/>
-              <a:t>2021-06-23</a:t>
+              <a:t>2021-06-24</a:t>
             </a:fld>
             <a:endParaRPr lang="ko-KR" altLang="en-US"/>
           </a:p>
@@ -3773,6 +3838,103 @@
         </p:txBody>
       </p:sp>
     </p:spTree>
+  </p:cSld>
+  <p:clrMapOvr>
+    <a:masterClrMapping/>
+  </p:clrMapOvr>
+</p:sldLayout>
+</file>
+
+<file path=ppt/slideLayouts/slideLayout8.xml><?xml version="1.0" encoding="utf-8"?>
+<p:sldLayout xmlns:a="http://schemas.openxmlformats.org/drawingml/2006/main" xmlns:r="http://schemas.openxmlformats.org/officeDocument/2006/relationships" xmlns:p="http://schemas.openxmlformats.org/presentationml/2006/main" type="blank">
+  <p:cSld name="빈 화면">
+    <p:spTree>
+      <p:nvGrpSpPr>
+        <p:cNvPr id="1" name=""/>
+        <p:cNvGrpSpPr/>
+        <p:nvPr/>
+      </p:nvGrpSpPr>
+      <p:grpSpPr>
+        <a:xfrm>
+          <a:off x="0" y="0"/>
+          <a:ext cx="0" cy="0"/>
+          <a:chOff x="0" y="0"/>
+          <a:chExt cx="0" cy="0"/>
+        </a:xfrm>
+      </p:grpSpPr>
+      <p:sp>
+        <p:nvSpPr>
+          <p:cNvPr id="2" name="Date Placeholder 1"/>
+          <p:cNvSpPr>
+            <a:spLocks noGrp="1"/>
+          </p:cNvSpPr>
+          <p:nvPr>
+            <p:ph type="dt" sz="half" idx="10"/>
+          </p:nvPr>
+        </p:nvSpPr>
+        <p:spPr/>
+        <p:txBody>
+          <a:bodyPr/>
+          <a:lstStyle/>
+          <a:p>
+            <a:fld id="{4C30C719-07C0-4DB3-9571-426E598331E3}" type="datetimeFigureOut">
+              <a:rPr lang="ko-KR" altLang="en-US" smtClean="0"/>
+              <a:pPr/>
+              <a:t>2021-06-24</a:t>
+            </a:fld>
+            <a:endParaRPr lang="ko-KR" altLang="en-US"/>
+          </a:p>
+        </p:txBody>
+      </p:sp>
+      <p:sp>
+        <p:nvSpPr>
+          <p:cNvPr id="3" name="Footer Placeholder 2"/>
+          <p:cNvSpPr>
+            <a:spLocks noGrp="1"/>
+          </p:cNvSpPr>
+          <p:nvPr>
+            <p:ph type="ftr" sz="quarter" idx="11"/>
+          </p:nvPr>
+        </p:nvSpPr>
+        <p:spPr/>
+        <p:txBody>
+          <a:bodyPr/>
+          <a:lstStyle/>
+          <a:p>
+            <a:endParaRPr lang="ko-KR" altLang="en-US"/>
+          </a:p>
+        </p:txBody>
+      </p:sp>
+      <p:sp>
+        <p:nvSpPr>
+          <p:cNvPr id="4" name="Slide Number Placeholder 3"/>
+          <p:cNvSpPr>
+            <a:spLocks noGrp="1"/>
+          </p:cNvSpPr>
+          <p:nvPr>
+            <p:ph type="sldNum" sz="quarter" idx="12"/>
+          </p:nvPr>
+        </p:nvSpPr>
+        <p:spPr/>
+        <p:txBody>
+          <a:bodyPr/>
+          <a:lstStyle/>
+          <a:p>
+            <a:fld id="{39B84CC0-25E4-44D5-911E-383EBC4D9E62}" type="slidenum">
+              <a:rPr lang="ko-KR" altLang="en-US" smtClean="0"/>
+              <a:pPr/>
+              <a:t>‹#›</a:t>
+            </a:fld>
+            <a:endParaRPr lang="ko-KR" altLang="en-US"/>
+          </a:p>
+        </p:txBody>
+      </p:sp>
+    </p:spTree>
+    <p:extLst>
+      <p:ext uri="{BB962C8B-B14F-4D97-AF65-F5344CB8AC3E}">
+        <p14:creationId xmlns:p14="http://schemas.microsoft.com/office/powerpoint/2010/main" xmlns="" val="849679372"/>
+      </p:ext>
+    </p:extLst>
   </p:cSld>
   <p:clrMapOvr>
     <a:masterClrMapping/>
@@ -3933,7 +4095,7 @@
             <a:fld id="{0C02E562-3E81-4222-A4D4-0743A1730EDA}" type="datetime1">
               <a:rPr lang="ko-KR" altLang="en-US" smtClean="0"/>
               <a:pPr/>
-              <a:t>2021-06-23</a:t>
+              <a:t>2021-06-24</a:t>
             </a:fld>
             <a:endParaRPr lang="ko-KR" altLang="en-US"/>
           </a:p>
@@ -4033,6 +4195,7 @@
     <p:sldLayoutId id="2147483676" r:id="rId5"/>
     <p:sldLayoutId id="2147483661" r:id="rId6"/>
     <p:sldLayoutId id="2147483662" r:id="rId7"/>
+    <p:sldLayoutId id="2147483677" r:id="rId8"/>
   </p:sldLayoutIdLst>
   <p:hf hdr="0" ftr="0" dt="0"/>
   <p:txStyles>
@@ -4695,7 +4858,7 @@
           <p:cNvPr id="8" name="그림 7">
             <a:extLst>
               <a:ext uri="{FF2B5EF4-FFF2-40B4-BE49-F238E27FC236}">
-                <a16:creationId xmlns:a16="http://schemas.microsoft.com/office/drawing/2014/main" id="{62BD32CB-DFBB-4974-8112-0120D9E81DC6}"/>
+                <a16:creationId xmlns:a16="http://schemas.microsoft.com/office/drawing/2014/main" xmlns="" id="{62BD32CB-DFBB-4974-8112-0120D9E81DC6}"/>
               </a:ext>
             </a:extLst>
           </p:cNvPr>
@@ -4708,7 +4871,7 @@
           <a:blip r:embed="rId3" cstate="print">
             <a:extLst>
               <a:ext uri="{28A0092B-C50C-407E-A947-70E740481C1C}">
-                <a14:useLocalDpi xmlns:a14="http://schemas.microsoft.com/office/drawing/2010/main" val="0"/>
+                <a14:useLocalDpi xmlns:a14="http://schemas.microsoft.com/office/drawing/2010/main" xmlns="" val="0"/>
               </a:ext>
             </a:extLst>
           </a:blip>
@@ -4731,7 +4894,7 @@
           <p:cNvPr id="4" name="슬라이드 번호 개체 틀 3">
             <a:extLst>
               <a:ext uri="{FF2B5EF4-FFF2-40B4-BE49-F238E27FC236}">
-                <a16:creationId xmlns:a16="http://schemas.microsoft.com/office/drawing/2014/main" id="{01DE573C-8BAB-4114-8888-F2A5A62451CA}"/>
+                <a16:creationId xmlns:a16="http://schemas.microsoft.com/office/drawing/2014/main" xmlns="" id="{01DE573C-8BAB-4114-8888-F2A5A62451CA}"/>
               </a:ext>
             </a:extLst>
           </p:cNvPr>
@@ -5118,7 +5281,7 @@
           <p:cNvPr id="10" name="그림 9">
             <a:extLst>
               <a:ext uri="{FF2B5EF4-FFF2-40B4-BE49-F238E27FC236}">
-                <a16:creationId xmlns:a16="http://schemas.microsoft.com/office/drawing/2014/main" id="{FD2D1CC6-6C7E-4A42-AEE4-FA9DE60AC81D}"/>
+                <a16:creationId xmlns:a16="http://schemas.microsoft.com/office/drawing/2014/main" xmlns="" id="{FD2D1CC6-6C7E-4A42-AEE4-FA9DE60AC81D}"/>
               </a:ext>
             </a:extLst>
           </p:cNvPr>
@@ -5131,7 +5294,7 @@
           <a:blip r:embed="rId3" cstate="print">
             <a:extLst>
               <a:ext uri="{28A0092B-C50C-407E-A947-70E740481C1C}">
-                <a14:useLocalDpi xmlns:a14="http://schemas.microsoft.com/office/drawing/2010/main" val="0"/>
+                <a14:useLocalDpi xmlns:a14="http://schemas.microsoft.com/office/drawing/2010/main" xmlns="" val="0"/>
               </a:ext>
             </a:extLst>
           </a:blip>
@@ -5154,7 +5317,7 @@
           <p:cNvPr id="6" name="슬라이드 번호 개체 틀 5">
             <a:extLst>
               <a:ext uri="{FF2B5EF4-FFF2-40B4-BE49-F238E27FC236}">
-                <a16:creationId xmlns:a16="http://schemas.microsoft.com/office/drawing/2014/main" id="{6C1F68C3-167E-451C-8815-76D6C10B9C4C}"/>
+                <a16:creationId xmlns:a16="http://schemas.microsoft.com/office/drawing/2014/main" xmlns="" id="{6C1F68C3-167E-451C-8815-76D6C10B9C4C}"/>
               </a:ext>
             </a:extLst>
           </p:cNvPr>
@@ -5182,7 +5345,7 @@
     </p:spTree>
     <p:extLst>
       <p:ext uri="{BB962C8B-B14F-4D97-AF65-F5344CB8AC3E}">
-        <p14:creationId xmlns:p14="http://schemas.microsoft.com/office/powerpoint/2010/main" val="3892656040"/>
+        <p14:creationId xmlns:p14="http://schemas.microsoft.com/office/powerpoint/2010/main" xmlns="" val="3892656040"/>
       </p:ext>
     </p:extLst>
   </p:cSld>
@@ -5214,7 +5377,7 @@
           <p:cNvPr id="2" name="그룹 1">
             <a:extLst>
               <a:ext uri="{FF2B5EF4-FFF2-40B4-BE49-F238E27FC236}">
-                <a16:creationId xmlns:a16="http://schemas.microsoft.com/office/drawing/2014/main" id="{5257EF0A-2959-4F41-A0D7-5FED493DDF9F}"/>
+                <a16:creationId xmlns:a16="http://schemas.microsoft.com/office/drawing/2014/main" xmlns="" id="{5257EF0A-2959-4F41-A0D7-5FED493DDF9F}"/>
               </a:ext>
             </a:extLst>
           </p:cNvPr>
@@ -5234,7 +5397,7 @@
             <p:cNvPr id="9" name="TextBox 8">
               <a:extLst>
                 <a:ext uri="{FF2B5EF4-FFF2-40B4-BE49-F238E27FC236}">
-                  <a16:creationId xmlns:a16="http://schemas.microsoft.com/office/drawing/2014/main" id="{D3947105-6879-445D-B76B-D5EFC8256F29}"/>
+                  <a16:creationId xmlns:a16="http://schemas.microsoft.com/office/drawing/2014/main" xmlns="" id="{D3947105-6879-445D-B76B-D5EFC8256F29}"/>
                 </a:ext>
               </a:extLst>
             </p:cNvPr>
@@ -5309,7 +5472,7 @@
             <p:cNvPr id="14" name="TextBox 13">
               <a:extLst>
                 <a:ext uri="{FF2B5EF4-FFF2-40B4-BE49-F238E27FC236}">
-                  <a16:creationId xmlns:a16="http://schemas.microsoft.com/office/drawing/2014/main" id="{7A9521EC-3235-494C-93F6-585BC9C3B43E}"/>
+                  <a16:creationId xmlns:a16="http://schemas.microsoft.com/office/drawing/2014/main" xmlns="" id="{7A9521EC-3235-494C-93F6-585BC9C3B43E}"/>
                 </a:ext>
               </a:extLst>
             </p:cNvPr>
@@ -5355,7 +5518,7 @@
             <p:cNvPr id="25" name="그룹 24">
               <a:extLst>
                 <a:ext uri="{FF2B5EF4-FFF2-40B4-BE49-F238E27FC236}">
-                  <a16:creationId xmlns:a16="http://schemas.microsoft.com/office/drawing/2014/main" id="{1D2D99A6-C3A5-455C-8184-43DACE6D4904}"/>
+                  <a16:creationId xmlns:a16="http://schemas.microsoft.com/office/drawing/2014/main" xmlns="" id="{1D2D99A6-C3A5-455C-8184-43DACE6D4904}"/>
                 </a:ext>
               </a:extLst>
             </p:cNvPr>
@@ -5375,7 +5538,7 @@
               <p:cNvPr id="5" name="직선 연결선 4">
                 <a:extLst>
                   <a:ext uri="{FF2B5EF4-FFF2-40B4-BE49-F238E27FC236}">
-                    <a16:creationId xmlns:a16="http://schemas.microsoft.com/office/drawing/2014/main" id="{F3920279-48F9-42E9-8322-AE444CC499BF}"/>
+                    <a16:creationId xmlns:a16="http://schemas.microsoft.com/office/drawing/2014/main" xmlns="" id="{F3920279-48F9-42E9-8322-AE444CC499BF}"/>
                   </a:ext>
                 </a:extLst>
               </p:cNvPr>
@@ -5424,7 +5587,7 @@
               <p:cNvPr id="7" name="직사각형 6">
                 <a:extLst>
                   <a:ext uri="{FF2B5EF4-FFF2-40B4-BE49-F238E27FC236}">
-                    <a16:creationId xmlns:a16="http://schemas.microsoft.com/office/drawing/2014/main" id="{54FF5575-BD81-49D6-BF4F-81749C4C22BA}"/>
+                    <a16:creationId xmlns:a16="http://schemas.microsoft.com/office/drawing/2014/main" xmlns="" id="{54FF5575-BD81-49D6-BF4F-81749C4C22BA}"/>
                   </a:ext>
                 </a:extLst>
               </p:cNvPr>
@@ -5483,7 +5646,7 @@
           <p:cNvPr id="11" name="그림 10">
             <a:extLst>
               <a:ext uri="{FF2B5EF4-FFF2-40B4-BE49-F238E27FC236}">
-                <a16:creationId xmlns:a16="http://schemas.microsoft.com/office/drawing/2014/main" id="{63FA9DA7-248E-41A7-8482-CB899B3407EF}"/>
+                <a16:creationId xmlns:a16="http://schemas.microsoft.com/office/drawing/2014/main" xmlns="" id="{63FA9DA7-248E-41A7-8482-CB899B3407EF}"/>
               </a:ext>
             </a:extLst>
           </p:cNvPr>
@@ -5496,7 +5659,7 @@
           <a:blip r:embed="rId3" cstate="print">
             <a:extLst>
               <a:ext uri="{28A0092B-C50C-407E-A947-70E740481C1C}">
-                <a14:useLocalDpi xmlns:a14="http://schemas.microsoft.com/office/drawing/2010/main" val="0"/>
+                <a14:useLocalDpi xmlns:a14="http://schemas.microsoft.com/office/drawing/2010/main" xmlns="" val="0"/>
               </a:ext>
             </a:extLst>
           </a:blip>
@@ -5519,7 +5682,7 @@
           <p:cNvPr id="4" name="슬라이드 번호 개체 틀 3">
             <a:extLst>
               <a:ext uri="{FF2B5EF4-FFF2-40B4-BE49-F238E27FC236}">
-                <a16:creationId xmlns:a16="http://schemas.microsoft.com/office/drawing/2014/main" id="{FB59B2E2-F81E-40F9-BBEB-890FC880B656}"/>
+                <a16:creationId xmlns:a16="http://schemas.microsoft.com/office/drawing/2014/main" xmlns="" id="{FB59B2E2-F81E-40F9-BBEB-890FC880B656}"/>
               </a:ext>
             </a:extLst>
           </p:cNvPr>
@@ -5547,7 +5710,7 @@
     </p:spTree>
     <p:extLst>
       <p:ext uri="{BB962C8B-B14F-4D97-AF65-F5344CB8AC3E}">
-        <p14:creationId xmlns:p14="http://schemas.microsoft.com/office/powerpoint/2010/main" val="1654412879"/>
+        <p14:creationId xmlns:p14="http://schemas.microsoft.com/office/powerpoint/2010/main" xmlns="" val="1654412879"/>
       </p:ext>
     </p:extLst>
   </p:cSld>
@@ -5675,7 +5838,7 @@
           <p:cNvPr id="18" name="슬라이드 번호 개체 틀 17">
             <a:extLst>
               <a:ext uri="{FF2B5EF4-FFF2-40B4-BE49-F238E27FC236}">
-                <a16:creationId xmlns:a16="http://schemas.microsoft.com/office/drawing/2014/main" id="{80E74BDD-2288-4955-BCED-8609EFDE5904}"/>
+                <a16:creationId xmlns:a16="http://schemas.microsoft.com/office/drawing/2014/main" xmlns="" id="{80E74BDD-2288-4955-BCED-8609EFDE5904}"/>
               </a:ext>
             </a:extLst>
           </p:cNvPr>
@@ -5705,7 +5868,7 @@
           <p:cNvPr id="17" name="내용 개체 틀 2">
             <a:extLst>
               <a:ext uri="{FF2B5EF4-FFF2-40B4-BE49-F238E27FC236}">
-                <a16:creationId xmlns:a16="http://schemas.microsoft.com/office/drawing/2014/main" id="{13D30B6A-3884-4EF5-8CB1-6EEB784CF809}"/>
+                <a16:creationId xmlns:a16="http://schemas.microsoft.com/office/drawing/2014/main" xmlns="" id="{13D30B6A-3884-4EF5-8CB1-6EEB784CF809}"/>
               </a:ext>
             </a:extLst>
           </p:cNvPr>
@@ -6199,7 +6362,7 @@
     </p:spTree>
     <p:extLst>
       <p:ext uri="{BB962C8B-B14F-4D97-AF65-F5344CB8AC3E}">
-        <p14:creationId xmlns:p14="http://schemas.microsoft.com/office/powerpoint/2010/main" val="1441521147"/>
+        <p14:creationId xmlns:p14="http://schemas.microsoft.com/office/powerpoint/2010/main" xmlns="" val="1441521147"/>
       </p:ext>
     </p:extLst>
   </p:cSld>
@@ -6327,7 +6490,7 @@
           <p:cNvPr id="18" name="슬라이드 번호 개체 틀 17">
             <a:extLst>
               <a:ext uri="{FF2B5EF4-FFF2-40B4-BE49-F238E27FC236}">
-                <a16:creationId xmlns:a16="http://schemas.microsoft.com/office/drawing/2014/main" id="{80E74BDD-2288-4955-BCED-8609EFDE5904}"/>
+                <a16:creationId xmlns:a16="http://schemas.microsoft.com/office/drawing/2014/main" xmlns="" id="{80E74BDD-2288-4955-BCED-8609EFDE5904}"/>
               </a:ext>
             </a:extLst>
           </p:cNvPr>
@@ -6357,7 +6520,7 @@
           <p:cNvPr id="17" name="내용 개체 틀 2">
             <a:extLst>
               <a:ext uri="{FF2B5EF4-FFF2-40B4-BE49-F238E27FC236}">
-                <a16:creationId xmlns:a16="http://schemas.microsoft.com/office/drawing/2014/main" id="{13D30B6A-3884-4EF5-8CB1-6EEB784CF809}"/>
+                <a16:creationId xmlns:a16="http://schemas.microsoft.com/office/drawing/2014/main" xmlns="" id="{13D30B6A-3884-4EF5-8CB1-6EEB784CF809}"/>
               </a:ext>
             </a:extLst>
           </p:cNvPr>
@@ -6911,7 +7074,7 @@
     </p:spTree>
     <p:extLst>
       <p:ext uri="{BB962C8B-B14F-4D97-AF65-F5344CB8AC3E}">
-        <p14:creationId xmlns:p14="http://schemas.microsoft.com/office/powerpoint/2010/main" val="3884278868"/>
+        <p14:creationId xmlns:p14="http://schemas.microsoft.com/office/powerpoint/2010/main" xmlns="" val="3884278868"/>
       </p:ext>
     </p:extLst>
   </p:cSld>
@@ -7039,7 +7202,7 @@
           <p:cNvPr id="18" name="슬라이드 번호 개체 틀 17">
             <a:extLst>
               <a:ext uri="{FF2B5EF4-FFF2-40B4-BE49-F238E27FC236}">
-                <a16:creationId xmlns:a16="http://schemas.microsoft.com/office/drawing/2014/main" id="{80E74BDD-2288-4955-BCED-8609EFDE5904}"/>
+                <a16:creationId xmlns:a16="http://schemas.microsoft.com/office/drawing/2014/main" xmlns="" id="{80E74BDD-2288-4955-BCED-8609EFDE5904}"/>
               </a:ext>
             </a:extLst>
           </p:cNvPr>
@@ -8256,7 +8419,7 @@
     </p:spTree>
     <p:extLst>
       <p:ext uri="{BB962C8B-B14F-4D97-AF65-F5344CB8AC3E}">
-        <p14:creationId xmlns:p14="http://schemas.microsoft.com/office/powerpoint/2010/main" val="1406047384"/>
+        <p14:creationId xmlns:p14="http://schemas.microsoft.com/office/powerpoint/2010/main" xmlns="" val="1406047384"/>
       </p:ext>
     </p:extLst>
   </p:cSld>
@@ -8384,7 +8547,7 @@
           <p:cNvPr id="18" name="슬라이드 번호 개체 틀 17">
             <a:extLst>
               <a:ext uri="{FF2B5EF4-FFF2-40B4-BE49-F238E27FC236}">
-                <a16:creationId xmlns:a16="http://schemas.microsoft.com/office/drawing/2014/main" id="{80E74BDD-2288-4955-BCED-8609EFDE5904}"/>
+                <a16:creationId xmlns:a16="http://schemas.microsoft.com/office/drawing/2014/main" xmlns="" id="{80E74BDD-2288-4955-BCED-8609EFDE5904}"/>
               </a:ext>
             </a:extLst>
           </p:cNvPr>
@@ -8414,7 +8577,7 @@
           <p:cNvPr id="10" name="내용 개체 틀 2">
             <a:extLst>
               <a:ext uri="{FF2B5EF4-FFF2-40B4-BE49-F238E27FC236}">
-                <a16:creationId xmlns:a16="http://schemas.microsoft.com/office/drawing/2014/main" id="{13D30B6A-3884-4EF5-8CB1-6EEB784CF809}"/>
+                <a16:creationId xmlns:a16="http://schemas.microsoft.com/office/drawing/2014/main" xmlns="" id="{13D30B6A-3884-4EF5-8CB1-6EEB784CF809}"/>
               </a:ext>
             </a:extLst>
           </p:cNvPr>
@@ -8853,7 +9016,7 @@
           <p:cNvPr id="6" name="그림 5">
             <a:extLst>
               <a:ext uri="{FF2B5EF4-FFF2-40B4-BE49-F238E27FC236}">
-                <a16:creationId xmlns:a16="http://schemas.microsoft.com/office/drawing/2014/main" id="{389A2DA3-1E19-4FE9-B835-98AEDFC77F8F}"/>
+                <a16:creationId xmlns:a16="http://schemas.microsoft.com/office/drawing/2014/main" xmlns="" id="{389A2DA3-1E19-4FE9-B835-98AEDFC77F8F}"/>
               </a:ext>
             </a:extLst>
           </p:cNvPr>
@@ -8866,7 +9029,7 @@
           <a:blip r:embed="rId3" cstate="print">
             <a:extLst>
               <a:ext uri="{28A0092B-C50C-407E-A947-70E740481C1C}">
-                <a14:useLocalDpi xmlns:a14="http://schemas.microsoft.com/office/drawing/2010/main" val="0"/>
+                <a14:useLocalDpi xmlns:a14="http://schemas.microsoft.com/office/drawing/2010/main" xmlns="" val="0"/>
               </a:ext>
             </a:extLst>
           </a:blip>
@@ -8887,7 +9050,7 @@
     </p:spTree>
     <p:extLst>
       <p:ext uri="{BB962C8B-B14F-4D97-AF65-F5344CB8AC3E}">
-        <p14:creationId xmlns:p14="http://schemas.microsoft.com/office/powerpoint/2010/main" val="3476691972"/>
+        <p14:creationId xmlns:p14="http://schemas.microsoft.com/office/powerpoint/2010/main" xmlns="" val="3476691972"/>
       </p:ext>
     </p:extLst>
   </p:cSld>
@@ -8916,38 +9079,277 @@
       </p:grpSpPr>
       <p:sp>
         <p:nvSpPr>
-          <p:cNvPr id="2" name="제목 1"/>
-          <p:cNvSpPr>
-            <a:spLocks noGrp="1"/>
-          </p:cNvSpPr>
-          <p:nvPr>
-            <p:ph type="ctrTitle"/>
-          </p:nvPr>
+          <p:cNvPr id="12" name="직사각형 11"/>
+          <p:cNvSpPr/>
+          <p:nvPr/>
         </p:nvSpPr>
         <p:spPr>
           <a:xfrm>
-            <a:off x="231054" y="2425349"/>
-            <a:ext cx="3474171" cy="1041751"/>
-          </a:xfrm>
-        </p:spPr>
+            <a:off x="332509" y="0"/>
+            <a:ext cx="2022764" cy="6858000"/>
+          </a:xfrm>
+          <a:prstGeom prst="rect">
+            <a:avLst/>
+          </a:prstGeom>
+          <a:solidFill>
+            <a:schemeClr val="bg1">
+              <a:lumMod val="75000"/>
+            </a:schemeClr>
+          </a:solidFill>
+          <a:ln>
+            <a:solidFill>
+              <a:schemeClr val="tx2">
+                <a:lumMod val="40000"/>
+                <a:lumOff val="60000"/>
+              </a:schemeClr>
+            </a:solidFill>
+          </a:ln>
+        </p:spPr>
+        <p:style>
+          <a:lnRef idx="2">
+            <a:schemeClr val="accent1">
+              <a:shade val="50000"/>
+            </a:schemeClr>
+          </a:lnRef>
+          <a:fillRef idx="1">
+            <a:schemeClr val="accent1"/>
+          </a:fillRef>
+          <a:effectRef idx="0">
+            <a:schemeClr val="accent1"/>
+          </a:effectRef>
+          <a:fontRef idx="minor">
+            <a:schemeClr val="lt1"/>
+          </a:fontRef>
+        </p:style>
         <p:txBody>
-          <a:bodyPr anchor="t">
-            <a:normAutofit/>
+          <a:bodyPr rtlCol="0" anchor="ctr"/>
+          <a:lstStyle/>
+          <a:p>
+            <a:pPr algn="ctr"/>
+            <a:endParaRPr lang="ko-KR" altLang="en-US"/>
+          </a:p>
+        </p:txBody>
+      </p:sp>
+      <p:sp>
+        <p:nvSpPr>
+          <p:cNvPr id="4" name="순서도: 수동 연산 3">
+            <a:extLst>
+              <a:ext uri="{FF2B5EF4-FFF2-40B4-BE49-F238E27FC236}">
+                <a16:creationId xmlns:a16="http://schemas.microsoft.com/office/drawing/2014/main" xmlns="" id="{D96AED85-C938-4947-AE9E-D4F7B696B016}"/>
+              </a:ext>
+            </a:extLst>
+          </p:cNvPr>
+          <p:cNvSpPr/>
+          <p:nvPr/>
+        </p:nvSpPr>
+        <p:spPr>
+          <a:xfrm flipV="1">
+            <a:off x="3338310" y="251670"/>
+            <a:ext cx="2508308" cy="6253992"/>
+          </a:xfrm>
+          <a:prstGeom prst="flowChartManualOperation">
+            <a:avLst/>
+          </a:prstGeom>
+        </p:spPr>
+        <p:style>
+          <a:lnRef idx="2">
+            <a:schemeClr val="accent1">
+              <a:shade val="50000"/>
+            </a:schemeClr>
+          </a:lnRef>
+          <a:fillRef idx="1">
+            <a:schemeClr val="accent1"/>
+          </a:fillRef>
+          <a:effectRef idx="0">
+            <a:schemeClr val="accent1"/>
+          </a:effectRef>
+          <a:fontRef idx="minor">
+            <a:schemeClr val="lt1"/>
+          </a:fontRef>
+        </p:style>
+        <p:txBody>
+          <a:bodyPr rtlCol="0" anchor="ctr"/>
+          <a:lstStyle/>
+          <a:p>
+            <a:pPr algn="ctr"/>
+            <a:endParaRPr lang="ko-KR" altLang="en-US"/>
+          </a:p>
+        </p:txBody>
+      </p:sp>
+      <p:sp>
+        <p:nvSpPr>
+          <p:cNvPr id="5" name="사각형: 둥근 모서리 4">
+            <a:extLst>
+              <a:ext uri="{FF2B5EF4-FFF2-40B4-BE49-F238E27FC236}">
+                <a16:creationId xmlns:a16="http://schemas.microsoft.com/office/drawing/2014/main" xmlns="" id="{4B73E27F-FDC7-47E1-9CAF-9A05CFEC8AD7}"/>
+              </a:ext>
+            </a:extLst>
+          </p:cNvPr>
+          <p:cNvSpPr/>
+          <p:nvPr/>
+        </p:nvSpPr>
+        <p:spPr>
+          <a:xfrm>
+            <a:off x="3556424" y="0"/>
+            <a:ext cx="2072080" cy="620785"/>
+          </a:xfrm>
+          <a:prstGeom prst="roundRect">
+            <a:avLst/>
+          </a:prstGeom>
+          <a:noFill/>
+          <a:ln>
+            <a:solidFill>
+              <a:srgbClr val="FF0000"/>
+            </a:solidFill>
+          </a:ln>
+        </p:spPr>
+        <p:style>
+          <a:lnRef idx="2">
+            <a:schemeClr val="accent1">
+              <a:shade val="50000"/>
+            </a:schemeClr>
+          </a:lnRef>
+          <a:fillRef idx="1">
+            <a:schemeClr val="accent1"/>
+          </a:fillRef>
+          <a:effectRef idx="0">
+            <a:schemeClr val="accent1"/>
+          </a:effectRef>
+          <a:fontRef idx="minor">
+            <a:schemeClr val="lt1"/>
+          </a:fontRef>
+        </p:style>
+        <p:txBody>
+          <a:bodyPr rtlCol="0" anchor="ctr"/>
+          <a:lstStyle/>
+          <a:p>
+            <a:pPr algn="ctr"/>
+            <a:endParaRPr lang="ko-KR" altLang="en-US"/>
+          </a:p>
+        </p:txBody>
+      </p:sp>
+      <p:sp>
+        <p:nvSpPr>
+          <p:cNvPr id="6" name="사각형: 둥근 모서리 5">
+            <a:extLst>
+              <a:ext uri="{FF2B5EF4-FFF2-40B4-BE49-F238E27FC236}">
+                <a16:creationId xmlns:a16="http://schemas.microsoft.com/office/drawing/2014/main" xmlns="" id="{F2A883FB-23B0-4EF6-9566-7F06578EEA01}"/>
+              </a:ext>
+            </a:extLst>
+          </p:cNvPr>
+          <p:cNvSpPr/>
+          <p:nvPr/>
+        </p:nvSpPr>
+        <p:spPr>
+          <a:xfrm>
+            <a:off x="2878314" y="6035879"/>
+            <a:ext cx="3203196" cy="620785"/>
+          </a:xfrm>
+          <a:prstGeom prst="roundRect">
+            <a:avLst/>
+          </a:prstGeom>
+          <a:noFill/>
+          <a:ln>
+            <a:solidFill>
+              <a:srgbClr val="FF0000"/>
+            </a:solidFill>
+          </a:ln>
+        </p:spPr>
+        <p:style>
+          <a:lnRef idx="2">
+            <a:schemeClr val="accent1">
+              <a:shade val="50000"/>
+            </a:schemeClr>
+          </a:lnRef>
+          <a:fillRef idx="1">
+            <a:schemeClr val="accent1"/>
+          </a:fillRef>
+          <a:effectRef idx="0">
+            <a:schemeClr val="accent1"/>
+          </a:effectRef>
+          <a:fontRef idx="minor">
+            <a:schemeClr val="lt1"/>
+          </a:fontRef>
+        </p:style>
+        <p:txBody>
+          <a:bodyPr rtlCol="0" anchor="ctr"/>
+          <a:lstStyle/>
+          <a:p>
+            <a:pPr algn="ctr"/>
+            <a:endParaRPr lang="ko-KR" altLang="en-US"/>
+          </a:p>
+        </p:txBody>
+      </p:sp>
+      <p:cxnSp>
+        <p:nvCxnSpPr>
+          <p:cNvPr id="8" name="직선 화살표 연결선 7">
+            <a:extLst>
+              <a:ext uri="{FF2B5EF4-FFF2-40B4-BE49-F238E27FC236}">
+                <a16:creationId xmlns:a16="http://schemas.microsoft.com/office/drawing/2014/main" xmlns="" id="{059EC991-DE08-4B38-8597-FF3677442236}"/>
+              </a:ext>
+            </a:extLst>
+          </p:cNvPr>
+          <p:cNvCxnSpPr/>
+          <p:nvPr/>
+        </p:nvCxnSpPr>
+        <p:spPr>
+          <a:xfrm flipV="1">
+            <a:off x="6120913" y="3643109"/>
+            <a:ext cx="0" cy="1510018"/>
+          </a:xfrm>
+          <a:prstGeom prst="straightConnector1">
+            <a:avLst/>
+          </a:prstGeom>
+          <a:ln>
+            <a:tailEnd type="triangle"/>
+          </a:ln>
+        </p:spPr>
+        <p:style>
+          <a:lnRef idx="1">
+            <a:schemeClr val="dk1"/>
+          </a:lnRef>
+          <a:fillRef idx="0">
+            <a:schemeClr val="dk1"/>
+          </a:fillRef>
+          <a:effectRef idx="0">
+            <a:schemeClr val="dk1"/>
+          </a:effectRef>
+          <a:fontRef idx="minor">
+            <a:schemeClr val="tx1"/>
+          </a:fontRef>
+        </p:style>
+      </p:cxnSp>
+      <p:sp>
+        <p:nvSpPr>
+          <p:cNvPr id="9" name="TextBox 8">
+            <a:extLst>
+              <a:ext uri="{FF2B5EF4-FFF2-40B4-BE49-F238E27FC236}">
+                <a16:creationId xmlns:a16="http://schemas.microsoft.com/office/drawing/2014/main" xmlns="" id="{3B3A1154-C0CD-47FF-9CD8-5506FBE4EC19}"/>
+              </a:ext>
+            </a:extLst>
+          </p:cNvPr>
+          <p:cNvSpPr txBox="1"/>
+          <p:nvPr/>
+        </p:nvSpPr>
+        <p:spPr>
+          <a:xfrm rot="5400000">
+            <a:off x="5642574" y="4281439"/>
+            <a:ext cx="1434517" cy="369332"/>
+          </a:xfrm>
+          <a:prstGeom prst="rect">
+            <a:avLst/>
+          </a:prstGeom>
+          <a:noFill/>
+        </p:spPr>
+        <p:txBody>
+          <a:bodyPr wrap="square" rtlCol="0">
+            <a:spAutoFit/>
           </a:bodyPr>
           <a:lstStyle/>
           <a:p>
-            <a:pPr algn="l"/>
-            <a:r>
-              <a:rPr lang="ko-KR" altLang="en-US" sz="4000" b="1" spc="-250" dirty="0">
-                <a:solidFill>
-                  <a:schemeClr val="accent4">
-                    <a:lumMod val="50000"/>
-                  </a:schemeClr>
-                </a:solidFill>
-                <a:latin typeface="210 옴니고딕 030" panose="02020603020101020101" pitchFamily="18" charset="-127"/>
-                <a:ea typeface="210 옴니고딕 030" panose="02020603020101020101" pitchFamily="18" charset="-127"/>
-              </a:rPr>
-              <a:t>감사합니다</a:t>
+            <a:r>
+              <a:rPr lang="ko-KR" altLang="en-US" dirty="0"/>
+              <a:t>용접방향</a:t>
             </a:r>
           </a:p>
         </p:txBody>
@@ -8960,17 +9362,15 @@
         </p:nvCxnSpPr>
         <p:spPr>
           <a:xfrm>
-            <a:off x="364803" y="3434686"/>
-            <a:ext cx="8406000" cy="0"/>
+            <a:off x="720436" y="0"/>
+            <a:ext cx="0" cy="6858000"/>
           </a:xfrm>
           <a:prstGeom prst="line">
             <a:avLst/>
           </a:prstGeom>
-          <a:ln w="12700">
+          <a:ln>
             <a:solidFill>
-              <a:schemeClr val="accent4">
-                <a:lumMod val="50000"/>
-              </a:schemeClr>
+              <a:schemeClr val="tx1"/>
             </a:solidFill>
           </a:ln>
         </p:spPr>
@@ -8989,73 +9389,766 @@
           </a:fontRef>
         </p:style>
       </p:cxnSp>
+      <p:cxnSp>
+        <p:nvCxnSpPr>
+          <p:cNvPr id="11" name="직선 연결선 10"/>
+          <p:cNvCxnSpPr/>
+          <p:nvPr/>
+        </p:nvCxnSpPr>
+        <p:spPr>
+          <a:xfrm>
+            <a:off x="1898073" y="0"/>
+            <a:ext cx="0" cy="6858000"/>
+          </a:xfrm>
+          <a:prstGeom prst="line">
+            <a:avLst/>
+          </a:prstGeom>
+          <a:ln>
+            <a:solidFill>
+              <a:schemeClr val="tx1"/>
+            </a:solidFill>
+          </a:ln>
+        </p:spPr>
+        <p:style>
+          <a:lnRef idx="1">
+            <a:schemeClr val="accent1"/>
+          </a:lnRef>
+          <a:fillRef idx="0">
+            <a:schemeClr val="accent1"/>
+          </a:fillRef>
+          <a:effectRef idx="0">
+            <a:schemeClr val="accent1"/>
+          </a:effectRef>
+          <a:fontRef idx="minor">
+            <a:schemeClr val="tx1"/>
+          </a:fontRef>
+        </p:style>
+      </p:cxnSp>
+      <p:sp>
+        <p:nvSpPr>
+          <p:cNvPr id="13" name="직사각형 12"/>
+          <p:cNvSpPr/>
+          <p:nvPr/>
+        </p:nvSpPr>
+        <p:spPr>
+          <a:xfrm>
+            <a:off x="7121236" y="0"/>
+            <a:ext cx="2022764" cy="6858000"/>
+          </a:xfrm>
+          <a:prstGeom prst="rect">
+            <a:avLst/>
+          </a:prstGeom>
+          <a:solidFill>
+            <a:schemeClr val="bg1">
+              <a:lumMod val="75000"/>
+            </a:schemeClr>
+          </a:solidFill>
+          <a:ln>
+            <a:solidFill>
+              <a:schemeClr val="tx2">
+                <a:lumMod val="40000"/>
+                <a:lumOff val="60000"/>
+              </a:schemeClr>
+            </a:solidFill>
+          </a:ln>
+        </p:spPr>
+        <p:style>
+          <a:lnRef idx="2">
+            <a:schemeClr val="accent1">
+              <a:shade val="50000"/>
+            </a:schemeClr>
+          </a:lnRef>
+          <a:fillRef idx="1">
+            <a:schemeClr val="accent1"/>
+          </a:fillRef>
+          <a:effectRef idx="0">
+            <a:schemeClr val="accent1"/>
+          </a:effectRef>
+          <a:fontRef idx="minor">
+            <a:schemeClr val="lt1"/>
+          </a:fontRef>
+        </p:style>
+        <p:txBody>
+          <a:bodyPr rtlCol="0" anchor="ctr"/>
+          <a:lstStyle/>
+          <a:p>
+            <a:pPr algn="ctr"/>
+            <a:endParaRPr lang="ko-KR" altLang="en-US"/>
+          </a:p>
+        </p:txBody>
+      </p:sp>
+      <p:cxnSp>
+        <p:nvCxnSpPr>
+          <p:cNvPr id="14" name="직선 연결선 13"/>
+          <p:cNvCxnSpPr/>
+          <p:nvPr/>
+        </p:nvCxnSpPr>
+        <p:spPr>
+          <a:xfrm>
+            <a:off x="7509163" y="0"/>
+            <a:ext cx="0" cy="6858000"/>
+          </a:xfrm>
+          <a:prstGeom prst="line">
+            <a:avLst/>
+          </a:prstGeom>
+          <a:ln>
+            <a:solidFill>
+              <a:schemeClr val="tx1"/>
+            </a:solidFill>
+          </a:ln>
+        </p:spPr>
+        <p:style>
+          <a:lnRef idx="1">
+            <a:schemeClr val="accent1"/>
+          </a:lnRef>
+          <a:fillRef idx="0">
+            <a:schemeClr val="accent1"/>
+          </a:fillRef>
+          <a:effectRef idx="0">
+            <a:schemeClr val="accent1"/>
+          </a:effectRef>
+          <a:fontRef idx="minor">
+            <a:schemeClr val="tx1"/>
+          </a:fontRef>
+        </p:style>
+      </p:cxnSp>
+      <p:cxnSp>
+        <p:nvCxnSpPr>
+          <p:cNvPr id="15" name="직선 연결선 14"/>
+          <p:cNvCxnSpPr/>
+          <p:nvPr/>
+        </p:nvCxnSpPr>
+        <p:spPr>
+          <a:xfrm>
+            <a:off x="8686800" y="0"/>
+            <a:ext cx="0" cy="6858000"/>
+          </a:xfrm>
+          <a:prstGeom prst="line">
+            <a:avLst/>
+          </a:prstGeom>
+          <a:ln>
+            <a:solidFill>
+              <a:schemeClr val="tx1"/>
+            </a:solidFill>
+          </a:ln>
+        </p:spPr>
+        <p:style>
+          <a:lnRef idx="1">
+            <a:schemeClr val="accent1"/>
+          </a:lnRef>
+          <a:fillRef idx="0">
+            <a:schemeClr val="accent1"/>
+          </a:fillRef>
+          <a:effectRef idx="0">
+            <a:schemeClr val="accent1"/>
+          </a:effectRef>
+          <a:fontRef idx="minor">
+            <a:schemeClr val="tx1"/>
+          </a:fontRef>
+        </p:style>
+      </p:cxnSp>
+      <p:sp>
+        <p:nvSpPr>
+          <p:cNvPr id="16" name="직사각형 15"/>
+          <p:cNvSpPr/>
+          <p:nvPr/>
+        </p:nvSpPr>
+        <p:spPr>
+          <a:xfrm>
+            <a:off x="609600" y="2549236"/>
+            <a:ext cx="1413164" cy="1413164"/>
+          </a:xfrm>
+          <a:prstGeom prst="rect">
+            <a:avLst/>
+          </a:prstGeom>
+          <a:solidFill>
+            <a:schemeClr val="bg1">
+              <a:lumMod val="95000"/>
+            </a:schemeClr>
+          </a:solidFill>
+          <a:ln>
+            <a:solidFill>
+              <a:schemeClr val="tx1"/>
+            </a:solidFill>
+          </a:ln>
+        </p:spPr>
+        <p:style>
+          <a:lnRef idx="2">
+            <a:schemeClr val="accent1">
+              <a:shade val="50000"/>
+            </a:schemeClr>
+          </a:lnRef>
+          <a:fillRef idx="1">
+            <a:schemeClr val="accent1"/>
+          </a:fillRef>
+          <a:effectRef idx="0">
+            <a:schemeClr val="accent1"/>
+          </a:effectRef>
+          <a:fontRef idx="minor">
+            <a:schemeClr val="lt1"/>
+          </a:fontRef>
+        </p:style>
+        <p:txBody>
+          <a:bodyPr rtlCol="0" anchor="ctr"/>
+          <a:lstStyle/>
+          <a:p>
+            <a:pPr algn="ctr"/>
+            <a:endParaRPr lang="ko-KR" altLang="en-US"/>
+          </a:p>
+        </p:txBody>
+      </p:sp>
+      <p:sp>
+        <p:nvSpPr>
+          <p:cNvPr id="17" name="직사각형 16"/>
+          <p:cNvSpPr/>
+          <p:nvPr/>
+        </p:nvSpPr>
+        <p:spPr>
+          <a:xfrm>
+            <a:off x="7384473" y="2618508"/>
+            <a:ext cx="1413164" cy="1413164"/>
+          </a:xfrm>
+          <a:prstGeom prst="rect">
+            <a:avLst/>
+          </a:prstGeom>
+          <a:solidFill>
+            <a:schemeClr val="bg1">
+              <a:lumMod val="95000"/>
+            </a:schemeClr>
+          </a:solidFill>
+          <a:ln>
+            <a:solidFill>
+              <a:schemeClr val="tx1"/>
+            </a:solidFill>
+          </a:ln>
+        </p:spPr>
+        <p:style>
+          <a:lnRef idx="2">
+            <a:schemeClr val="accent1">
+              <a:shade val="50000"/>
+            </a:schemeClr>
+          </a:lnRef>
+          <a:fillRef idx="1">
+            <a:schemeClr val="accent1"/>
+          </a:fillRef>
+          <a:effectRef idx="0">
+            <a:schemeClr val="accent1"/>
+          </a:effectRef>
+          <a:fontRef idx="minor">
+            <a:schemeClr val="lt1"/>
+          </a:fontRef>
+        </p:style>
+        <p:txBody>
+          <a:bodyPr rtlCol="0" anchor="ctr"/>
+          <a:lstStyle/>
+          <a:p>
+            <a:pPr algn="ctr"/>
+            <a:endParaRPr lang="ko-KR" altLang="en-US"/>
+          </a:p>
+        </p:txBody>
+      </p:sp>
+      <p:sp>
+        <p:nvSpPr>
+          <p:cNvPr id="18" name="직사각형 17"/>
+          <p:cNvSpPr/>
+          <p:nvPr/>
+        </p:nvSpPr>
+        <p:spPr>
+          <a:xfrm>
+            <a:off x="955964" y="3131127"/>
+            <a:ext cx="1413164" cy="263237"/>
+          </a:xfrm>
+          <a:prstGeom prst="rect">
+            <a:avLst/>
+          </a:prstGeom>
+          <a:solidFill>
+            <a:schemeClr val="bg1">
+              <a:lumMod val="95000"/>
+            </a:schemeClr>
+          </a:solidFill>
+          <a:ln>
+            <a:solidFill>
+              <a:schemeClr val="tx1"/>
+            </a:solidFill>
+          </a:ln>
+        </p:spPr>
+        <p:style>
+          <a:lnRef idx="2">
+            <a:schemeClr val="accent1">
+              <a:shade val="50000"/>
+            </a:schemeClr>
+          </a:lnRef>
+          <a:fillRef idx="1">
+            <a:schemeClr val="accent1"/>
+          </a:fillRef>
+          <a:effectRef idx="0">
+            <a:schemeClr val="accent1"/>
+          </a:effectRef>
+          <a:fontRef idx="minor">
+            <a:schemeClr val="lt1"/>
+          </a:fontRef>
+        </p:style>
+        <p:txBody>
+          <a:bodyPr rtlCol="0" anchor="ctr"/>
+          <a:lstStyle/>
+          <a:p>
+            <a:pPr algn="ctr"/>
+            <a:endParaRPr lang="ko-KR" altLang="en-US"/>
+          </a:p>
+        </p:txBody>
+      </p:sp>
+      <p:sp>
+        <p:nvSpPr>
+          <p:cNvPr id="19" name="직사각형 18"/>
+          <p:cNvSpPr/>
+          <p:nvPr/>
+        </p:nvSpPr>
+        <p:spPr>
+          <a:xfrm>
+            <a:off x="6844147" y="3200400"/>
+            <a:ext cx="1413164" cy="263237"/>
+          </a:xfrm>
+          <a:prstGeom prst="rect">
+            <a:avLst/>
+          </a:prstGeom>
+          <a:solidFill>
+            <a:schemeClr val="bg1">
+              <a:lumMod val="95000"/>
+            </a:schemeClr>
+          </a:solidFill>
+          <a:ln>
+            <a:solidFill>
+              <a:schemeClr val="tx1"/>
+            </a:solidFill>
+          </a:ln>
+        </p:spPr>
+        <p:style>
+          <a:lnRef idx="2">
+            <a:schemeClr val="accent1">
+              <a:shade val="50000"/>
+            </a:schemeClr>
+          </a:lnRef>
+          <a:fillRef idx="1">
+            <a:schemeClr val="accent1"/>
+          </a:fillRef>
+          <a:effectRef idx="0">
+            <a:schemeClr val="accent1"/>
+          </a:effectRef>
+          <a:fontRef idx="minor">
+            <a:schemeClr val="lt1"/>
+          </a:fontRef>
+        </p:style>
+        <p:txBody>
+          <a:bodyPr rtlCol="0" anchor="ctr"/>
+          <a:lstStyle/>
+          <a:p>
+            <a:pPr algn="ctr"/>
+            <a:endParaRPr lang="ko-KR" altLang="en-US"/>
+          </a:p>
+        </p:txBody>
+      </p:sp>
+      <p:sp>
+        <p:nvSpPr>
+          <p:cNvPr id="20" name="직사각형 19"/>
+          <p:cNvSpPr/>
+          <p:nvPr/>
+        </p:nvSpPr>
+        <p:spPr>
+          <a:xfrm>
+            <a:off x="2161310" y="3131127"/>
+            <a:ext cx="1413164" cy="263237"/>
+          </a:xfrm>
+          <a:prstGeom prst="rect">
+            <a:avLst/>
+          </a:prstGeom>
+          <a:solidFill>
+            <a:schemeClr val="bg1">
+              <a:lumMod val="95000"/>
+            </a:schemeClr>
+          </a:solidFill>
+          <a:ln>
+            <a:solidFill>
+              <a:schemeClr val="tx1"/>
+            </a:solidFill>
+          </a:ln>
+        </p:spPr>
+        <p:style>
+          <a:lnRef idx="2">
+            <a:schemeClr val="accent1">
+              <a:shade val="50000"/>
+            </a:schemeClr>
+          </a:lnRef>
+          <a:fillRef idx="1">
+            <a:schemeClr val="accent1"/>
+          </a:fillRef>
+          <a:effectRef idx="0">
+            <a:schemeClr val="accent1"/>
+          </a:effectRef>
+          <a:fontRef idx="minor">
+            <a:schemeClr val="lt1"/>
+          </a:fontRef>
+        </p:style>
+        <p:txBody>
+          <a:bodyPr rtlCol="0" anchor="ctr"/>
+          <a:lstStyle/>
+          <a:p>
+            <a:pPr algn="ctr"/>
+            <a:endParaRPr lang="ko-KR" altLang="en-US"/>
+          </a:p>
+        </p:txBody>
+      </p:sp>
+      <p:sp>
+        <p:nvSpPr>
+          <p:cNvPr id="21" name="직사각형 20"/>
+          <p:cNvSpPr/>
+          <p:nvPr/>
+        </p:nvSpPr>
+        <p:spPr>
+          <a:xfrm>
+            <a:off x="5652656" y="3200400"/>
+            <a:ext cx="1413164" cy="263237"/>
+          </a:xfrm>
+          <a:prstGeom prst="rect">
+            <a:avLst/>
+          </a:prstGeom>
+          <a:solidFill>
+            <a:schemeClr val="bg1">
+              <a:lumMod val="95000"/>
+            </a:schemeClr>
+          </a:solidFill>
+          <a:ln>
+            <a:solidFill>
+              <a:schemeClr val="tx1"/>
+            </a:solidFill>
+          </a:ln>
+        </p:spPr>
+        <p:style>
+          <a:lnRef idx="2">
+            <a:schemeClr val="accent1">
+              <a:shade val="50000"/>
+            </a:schemeClr>
+          </a:lnRef>
+          <a:fillRef idx="1">
+            <a:schemeClr val="accent1"/>
+          </a:fillRef>
+          <a:effectRef idx="0">
+            <a:schemeClr val="accent1"/>
+          </a:effectRef>
+          <a:fontRef idx="minor">
+            <a:schemeClr val="lt1"/>
+          </a:fontRef>
+        </p:style>
+        <p:txBody>
+          <a:bodyPr rtlCol="0" anchor="ctr"/>
+          <a:lstStyle/>
+          <a:p>
+            <a:pPr algn="ctr"/>
+            <a:endParaRPr lang="ko-KR" altLang="en-US"/>
+          </a:p>
+        </p:txBody>
+      </p:sp>
+    </p:spTree>
+    <p:extLst>
+      <p:ext uri="{BB962C8B-B14F-4D97-AF65-F5344CB8AC3E}">
+        <p14:creationId xmlns:p14="http://schemas.microsoft.com/office/powerpoint/2010/main" xmlns="" val="2972495675"/>
+      </p:ext>
+    </p:extLst>
+  </p:cSld>
+  <p:clrMapOvr>
+    <a:masterClrMapping/>
+  </p:clrMapOvr>
+</p:sld>
+</file>
+
+<file path=ppt/slides/slide17.xml><?xml version="1.0" encoding="utf-8"?>
+<p:sld xmlns:a="http://schemas.openxmlformats.org/drawingml/2006/main" xmlns:r="http://schemas.openxmlformats.org/officeDocument/2006/relationships" xmlns:p="http://schemas.openxmlformats.org/presentationml/2006/main">
+  <p:cSld>
+    <p:spTree>
+      <p:nvGrpSpPr>
+        <p:cNvPr id="1" name=""/>
+        <p:cNvGrpSpPr/>
+        <p:nvPr/>
+      </p:nvGrpSpPr>
+      <p:grpSpPr>
+        <a:xfrm>
+          <a:off x="0" y="0"/>
+          <a:ext cx="0" cy="0"/>
+          <a:chOff x="0" y="0"/>
+          <a:chExt cx="0" cy="0"/>
+        </a:xfrm>
+      </p:grpSpPr>
+      <p:sp>
+        <p:nvSpPr>
+          <p:cNvPr id="12" name="직사각형 11"/>
+          <p:cNvSpPr/>
+          <p:nvPr/>
+        </p:nvSpPr>
+        <p:spPr>
+          <a:xfrm rot="5400000">
+            <a:off x="3917374" y="-38098"/>
+            <a:ext cx="1309251" cy="9144000"/>
+          </a:xfrm>
+          <a:prstGeom prst="rect">
+            <a:avLst/>
+          </a:prstGeom>
+          <a:solidFill>
+            <a:schemeClr val="bg1">
+              <a:lumMod val="75000"/>
+            </a:schemeClr>
+          </a:solidFill>
+          <a:ln>
+            <a:solidFill>
+              <a:schemeClr val="tx2">
+                <a:lumMod val="40000"/>
+                <a:lumOff val="60000"/>
+              </a:schemeClr>
+            </a:solidFill>
+          </a:ln>
+        </p:spPr>
+        <p:style>
+          <a:lnRef idx="2">
+            <a:schemeClr val="accent1">
+              <a:shade val="50000"/>
+            </a:schemeClr>
+          </a:lnRef>
+          <a:fillRef idx="1">
+            <a:schemeClr val="accent1"/>
+          </a:fillRef>
+          <a:effectRef idx="0">
+            <a:schemeClr val="accent1"/>
+          </a:effectRef>
+          <a:fontRef idx="minor">
+            <a:schemeClr val="lt1"/>
+          </a:fontRef>
+        </p:style>
+        <p:txBody>
+          <a:bodyPr rtlCol="0" anchor="ctr"/>
+          <a:lstStyle/>
+          <a:p>
+            <a:pPr algn="ctr"/>
+            <a:endParaRPr lang="ko-KR" altLang="en-US"/>
+          </a:p>
+        </p:txBody>
+      </p:sp>
+      <p:sp>
+        <p:nvSpPr>
+          <p:cNvPr id="22" name="직사각형 21"/>
+          <p:cNvSpPr/>
+          <p:nvPr/>
+        </p:nvSpPr>
+        <p:spPr>
+          <a:xfrm rot="5400000">
+            <a:off x="3616035" y="4239490"/>
+            <a:ext cx="1731820" cy="3505200"/>
+          </a:xfrm>
+          <a:prstGeom prst="rect">
+            <a:avLst/>
+          </a:prstGeom>
+          <a:solidFill>
+            <a:schemeClr val="bg1">
+              <a:lumMod val="75000"/>
+            </a:schemeClr>
+          </a:solidFill>
+          <a:ln>
+            <a:solidFill>
+              <a:schemeClr val="tx2">
+                <a:lumMod val="40000"/>
+                <a:lumOff val="60000"/>
+              </a:schemeClr>
+            </a:solidFill>
+          </a:ln>
+        </p:spPr>
+        <p:style>
+          <a:lnRef idx="2">
+            <a:schemeClr val="accent1">
+              <a:shade val="50000"/>
+            </a:schemeClr>
+          </a:lnRef>
+          <a:fillRef idx="1">
+            <a:schemeClr val="accent1"/>
+          </a:fillRef>
+          <a:effectRef idx="0">
+            <a:schemeClr val="accent1"/>
+          </a:effectRef>
+          <a:fontRef idx="minor">
+            <a:schemeClr val="lt1"/>
+          </a:fontRef>
+        </p:style>
+        <p:txBody>
+          <a:bodyPr rtlCol="0" anchor="ctr"/>
+          <a:lstStyle/>
+          <a:p>
+            <a:pPr algn="ctr"/>
+            <a:endParaRPr lang="ko-KR" altLang="en-US"/>
+          </a:p>
+        </p:txBody>
+      </p:sp>
+      <p:sp>
+        <p:nvSpPr>
+          <p:cNvPr id="23" name="직사각형 22"/>
+          <p:cNvSpPr/>
+          <p:nvPr/>
+        </p:nvSpPr>
+        <p:spPr>
+          <a:xfrm rot="5400000">
+            <a:off x="4177144" y="3498272"/>
+            <a:ext cx="540328" cy="3796146"/>
+          </a:xfrm>
+          <a:prstGeom prst="rect">
+            <a:avLst/>
+          </a:prstGeom>
+          <a:solidFill>
+            <a:schemeClr val="tx2"/>
+          </a:solidFill>
+          <a:ln>
+            <a:solidFill>
+              <a:schemeClr val="tx2"/>
+            </a:solidFill>
+          </a:ln>
+        </p:spPr>
+        <p:style>
+          <a:lnRef idx="2">
+            <a:schemeClr val="accent1">
+              <a:shade val="50000"/>
+            </a:schemeClr>
+          </a:lnRef>
+          <a:fillRef idx="1">
+            <a:schemeClr val="accent1"/>
+          </a:fillRef>
+          <a:effectRef idx="0">
+            <a:schemeClr val="accent1"/>
+          </a:effectRef>
+          <a:fontRef idx="minor">
+            <a:schemeClr val="lt1"/>
+          </a:fontRef>
+        </p:style>
+        <p:txBody>
+          <a:bodyPr rtlCol="0" anchor="ctr"/>
+          <a:lstStyle/>
+          <a:p>
+            <a:pPr algn="ctr"/>
+            <a:endParaRPr lang="ko-KR" altLang="en-US"/>
+          </a:p>
+        </p:txBody>
+      </p:sp>
+    </p:spTree>
+    <p:extLst>
+      <p:ext uri="{BB962C8B-B14F-4D97-AF65-F5344CB8AC3E}">
+        <p14:creationId xmlns:p14="http://schemas.microsoft.com/office/powerpoint/2010/main" xmlns="" val="2972495675"/>
+      </p:ext>
+    </p:extLst>
+  </p:cSld>
+  <p:clrMapOvr>
+    <a:masterClrMapping/>
+  </p:clrMapOvr>
+</p:sld>
+</file>
+
+<file path=ppt/slides/slide18.xml><?xml version="1.0" encoding="utf-8"?>
+<p:sld xmlns:a="http://schemas.openxmlformats.org/drawingml/2006/main" xmlns:r="http://schemas.openxmlformats.org/officeDocument/2006/relationships" xmlns:p="http://schemas.openxmlformats.org/presentationml/2006/main">
+  <p:cSld>
+    <p:spTree>
+      <p:nvGrpSpPr>
+        <p:cNvPr id="1" name=""/>
+        <p:cNvGrpSpPr/>
+        <p:nvPr/>
+      </p:nvGrpSpPr>
+      <p:grpSpPr>
+        <a:xfrm>
+          <a:off x="0" y="0"/>
+          <a:ext cx="0" cy="0"/>
+          <a:chOff x="0" y="0"/>
+          <a:chExt cx="0" cy="0"/>
+        </a:xfrm>
+      </p:grpSpPr>
       <p:pic>
         <p:nvPicPr>
-          <p:cNvPr id="9" name="그림 8">
-            <a:extLst>
-              <a:ext uri="{FF2B5EF4-FFF2-40B4-BE49-F238E27FC236}">
-                <a16:creationId xmlns:a16="http://schemas.microsoft.com/office/drawing/2014/main" id="{572F4400-072C-4B3D-9BAD-9DA70D8AB449}"/>
-              </a:ext>
-            </a:extLst>
-          </p:cNvPr>
+          <p:cNvPr id="3074" name="Picture 2" descr="C:\Users\user\Desktop\aeff.JPG"/>
           <p:cNvPicPr>
-            <a:picLocks noChangeAspect="1"/>
+            <a:picLocks noChangeAspect="1" noChangeArrowheads="1"/>
           </p:cNvPicPr>
           <p:nvPr/>
         </p:nvPicPr>
         <p:blipFill>
-          <a:blip r:embed="rId3" cstate="print">
-            <a:extLst>
-              <a:ext uri="{28A0092B-C50C-407E-A947-70E740481C1C}">
-                <a14:useLocalDpi xmlns:a14="http://schemas.microsoft.com/office/drawing/2010/main" val="0"/>
-              </a:ext>
-            </a:extLst>
-          </a:blip>
+          <a:blip r:embed="rId2" cstate="print"/>
+          <a:srcRect/>
           <a:stretch>
             <a:fillRect/>
           </a:stretch>
         </p:blipFill>
-        <p:spPr>
+        <p:spPr bwMode="auto">
           <a:xfrm>
-            <a:off x="5743183" y="5266733"/>
-            <a:ext cx="3136353" cy="1522163"/>
+            <a:off x="842838" y="1114112"/>
+            <a:ext cx="7212516" cy="5383669"/>
           </a:xfrm>
           <a:prstGeom prst="rect">
             <a:avLst/>
           </a:prstGeom>
+          <a:noFill/>
         </p:spPr>
       </p:pic>
-      <p:sp>
-        <p:nvSpPr>
-          <p:cNvPr id="3" name="슬라이드 번호 개체 틀 2">
-            <a:extLst>
-              <a:ext uri="{FF2B5EF4-FFF2-40B4-BE49-F238E27FC236}">
-                <a16:creationId xmlns:a16="http://schemas.microsoft.com/office/drawing/2014/main" id="{FABADD19-C0F6-4381-8CB8-B7CBCD7EE44B}"/>
-              </a:ext>
-            </a:extLst>
-          </p:cNvPr>
-          <p:cNvSpPr>
-            <a:spLocks noGrp="1"/>
-          </p:cNvSpPr>
-          <p:nvPr>
-            <p:ph type="sldNum" sz="quarter" idx="12"/>
-          </p:nvPr>
-        </p:nvSpPr>
-        <p:spPr/>
-        <p:txBody>
-          <a:bodyPr/>
-          <a:lstStyle/>
-          <a:p>
-            <a:fld id="{97D217C8-C1B9-4E84-BCEB-D9195FCD889E}" type="slidenum">
-              <a:rPr lang="ko-KR" altLang="en-US" smtClean="0"/>
-              <a:pPr/>
-              <a:t>16</a:t>
-            </a:fld>
-            <a:endParaRPr lang="ko-KR" altLang="en-US"/>
-          </a:p>
-        </p:txBody>
-      </p:sp>
     </p:spTree>
+    <p:extLst>
+      <p:ext uri="{BB962C8B-B14F-4D97-AF65-F5344CB8AC3E}">
+        <p14:creationId xmlns:p14="http://schemas.microsoft.com/office/powerpoint/2010/main" xmlns="" val="2972495675"/>
+      </p:ext>
+    </p:extLst>
+  </p:cSld>
+  <p:clrMapOvr>
+    <a:masterClrMapping/>
+  </p:clrMapOvr>
+</p:sld>
+</file>
+
+<file path=ppt/slides/slide19.xml><?xml version="1.0" encoding="utf-8"?>
+<p:sld xmlns:a="http://schemas.openxmlformats.org/drawingml/2006/main" xmlns:r="http://schemas.openxmlformats.org/officeDocument/2006/relationships" xmlns:p="http://schemas.openxmlformats.org/presentationml/2006/main">
+  <p:cSld>
+    <p:spTree>
+      <p:nvGrpSpPr>
+        <p:cNvPr id="1" name=""/>
+        <p:cNvGrpSpPr/>
+        <p:nvPr/>
+      </p:nvGrpSpPr>
+      <p:grpSpPr>
+        <a:xfrm>
+          <a:off x="0" y="0"/>
+          <a:ext cx="0" cy="0"/>
+          <a:chOff x="0" y="0"/>
+          <a:chExt cx="0" cy="0"/>
+        </a:xfrm>
+      </p:grpSpPr>
+      <p:pic>
+        <p:nvPicPr>
+          <p:cNvPr id="4099" name="Picture 3" descr="C:\Users\user\Desktop\fsfesfa.JPG"/>
+          <p:cNvPicPr>
+            <a:picLocks noChangeAspect="1" noChangeArrowheads="1"/>
+          </p:cNvPicPr>
+          <p:nvPr/>
+        </p:nvPicPr>
+        <p:blipFill>
+          <a:blip r:embed="rId2" cstate="print"/>
+          <a:srcRect/>
+          <a:stretch>
+            <a:fillRect/>
+          </a:stretch>
+        </p:blipFill>
+        <p:spPr bwMode="auto">
+          <a:xfrm>
+            <a:off x="1119844" y="699869"/>
+            <a:ext cx="6713508" cy="5227966"/>
+          </a:xfrm>
+          <a:prstGeom prst="rect">
+            <a:avLst/>
+          </a:prstGeom>
+          <a:noFill/>
+        </p:spPr>
+      </p:pic>
+    </p:spTree>
+    <p:extLst>
+      <p:ext uri="{BB962C8B-B14F-4D97-AF65-F5344CB8AC3E}">
+        <p14:creationId xmlns:p14="http://schemas.microsoft.com/office/powerpoint/2010/main" xmlns="" val="2972495675"/>
+      </p:ext>
+    </p:extLst>
   </p:cSld>
   <p:clrMapOvr>
     <a:masterClrMapping/>
@@ -9085,7 +10178,7 @@
           <p:cNvPr id="2" name="그룹 1">
             <a:extLst>
               <a:ext uri="{FF2B5EF4-FFF2-40B4-BE49-F238E27FC236}">
-                <a16:creationId xmlns:a16="http://schemas.microsoft.com/office/drawing/2014/main" id="{5257EF0A-2959-4F41-A0D7-5FED493DDF9F}"/>
+                <a16:creationId xmlns:a16="http://schemas.microsoft.com/office/drawing/2014/main" xmlns="" id="{5257EF0A-2959-4F41-A0D7-5FED493DDF9F}"/>
               </a:ext>
             </a:extLst>
           </p:cNvPr>
@@ -9105,7 +10198,7 @@
             <p:cNvPr id="9" name="TextBox 8">
               <a:extLst>
                 <a:ext uri="{FF2B5EF4-FFF2-40B4-BE49-F238E27FC236}">
-                  <a16:creationId xmlns:a16="http://schemas.microsoft.com/office/drawing/2014/main" id="{D3947105-6879-445D-B76B-D5EFC8256F29}"/>
+                  <a16:creationId xmlns:a16="http://schemas.microsoft.com/office/drawing/2014/main" xmlns="" id="{D3947105-6879-445D-B76B-D5EFC8256F29}"/>
                 </a:ext>
               </a:extLst>
             </p:cNvPr>
@@ -9166,7 +10259,7 @@
             <p:cNvPr id="14" name="TextBox 13">
               <a:extLst>
                 <a:ext uri="{FF2B5EF4-FFF2-40B4-BE49-F238E27FC236}">
-                  <a16:creationId xmlns:a16="http://schemas.microsoft.com/office/drawing/2014/main" id="{7A9521EC-3235-494C-93F6-585BC9C3B43E}"/>
+                  <a16:creationId xmlns:a16="http://schemas.microsoft.com/office/drawing/2014/main" xmlns="" id="{7A9521EC-3235-494C-93F6-585BC9C3B43E}"/>
                 </a:ext>
               </a:extLst>
             </p:cNvPr>
@@ -9212,7 +10305,7 @@
             <p:cNvPr id="25" name="그룹 24">
               <a:extLst>
                 <a:ext uri="{FF2B5EF4-FFF2-40B4-BE49-F238E27FC236}">
-                  <a16:creationId xmlns:a16="http://schemas.microsoft.com/office/drawing/2014/main" id="{1D2D99A6-C3A5-455C-8184-43DACE6D4904}"/>
+                  <a16:creationId xmlns:a16="http://schemas.microsoft.com/office/drawing/2014/main" xmlns="" id="{1D2D99A6-C3A5-455C-8184-43DACE6D4904}"/>
                 </a:ext>
               </a:extLst>
             </p:cNvPr>
@@ -9232,7 +10325,7 @@
               <p:cNvPr id="5" name="직선 연결선 4">
                 <a:extLst>
                   <a:ext uri="{FF2B5EF4-FFF2-40B4-BE49-F238E27FC236}">
-                    <a16:creationId xmlns:a16="http://schemas.microsoft.com/office/drawing/2014/main" id="{F3920279-48F9-42E9-8322-AE444CC499BF}"/>
+                    <a16:creationId xmlns:a16="http://schemas.microsoft.com/office/drawing/2014/main" xmlns="" id="{F3920279-48F9-42E9-8322-AE444CC499BF}"/>
                   </a:ext>
                 </a:extLst>
               </p:cNvPr>
@@ -9281,7 +10374,7 @@
               <p:cNvPr id="7" name="직사각형 6">
                 <a:extLst>
                   <a:ext uri="{FF2B5EF4-FFF2-40B4-BE49-F238E27FC236}">
-                    <a16:creationId xmlns:a16="http://schemas.microsoft.com/office/drawing/2014/main" id="{54FF5575-BD81-49D6-BF4F-81749C4C22BA}"/>
+                    <a16:creationId xmlns:a16="http://schemas.microsoft.com/office/drawing/2014/main" xmlns="" id="{54FF5575-BD81-49D6-BF4F-81749C4C22BA}"/>
                   </a:ext>
                 </a:extLst>
               </p:cNvPr>
@@ -9340,7 +10433,7 @@
           <p:cNvPr id="11" name="그림 10">
             <a:extLst>
               <a:ext uri="{FF2B5EF4-FFF2-40B4-BE49-F238E27FC236}">
-                <a16:creationId xmlns:a16="http://schemas.microsoft.com/office/drawing/2014/main" id="{63FA9DA7-248E-41A7-8482-CB899B3407EF}"/>
+                <a16:creationId xmlns:a16="http://schemas.microsoft.com/office/drawing/2014/main" xmlns="" id="{63FA9DA7-248E-41A7-8482-CB899B3407EF}"/>
               </a:ext>
             </a:extLst>
           </p:cNvPr>
@@ -9353,7 +10446,7 @@
           <a:blip r:embed="rId3" cstate="print">
             <a:extLst>
               <a:ext uri="{28A0092B-C50C-407E-A947-70E740481C1C}">
-                <a14:useLocalDpi xmlns:a14="http://schemas.microsoft.com/office/drawing/2010/main" val="0"/>
+                <a14:useLocalDpi xmlns:a14="http://schemas.microsoft.com/office/drawing/2010/main" xmlns="" val="0"/>
               </a:ext>
             </a:extLst>
           </a:blip>
@@ -9376,7 +10469,7 @@
           <p:cNvPr id="4" name="슬라이드 번호 개체 틀 3">
             <a:extLst>
               <a:ext uri="{FF2B5EF4-FFF2-40B4-BE49-F238E27FC236}">
-                <a16:creationId xmlns:a16="http://schemas.microsoft.com/office/drawing/2014/main" id="{FB59B2E2-F81E-40F9-BBEB-890FC880B656}"/>
+                <a16:creationId xmlns:a16="http://schemas.microsoft.com/office/drawing/2014/main" xmlns="" id="{FB59B2E2-F81E-40F9-BBEB-890FC880B656}"/>
               </a:ext>
             </a:extLst>
           </p:cNvPr>
@@ -9404,9 +10497,2868 @@
     </p:spTree>
     <p:extLst>
       <p:ext uri="{BB962C8B-B14F-4D97-AF65-F5344CB8AC3E}">
-        <p14:creationId xmlns:p14="http://schemas.microsoft.com/office/powerpoint/2010/main" val="936368125"/>
+        <p14:creationId xmlns:p14="http://schemas.microsoft.com/office/powerpoint/2010/main" xmlns="" val="936368125"/>
       </p:ext>
     </p:extLst>
+  </p:cSld>
+  <p:clrMapOvr>
+    <a:masterClrMapping/>
+  </p:clrMapOvr>
+</p:sld>
+</file>
+
+<file path=ppt/slides/slide20.xml><?xml version="1.0" encoding="utf-8"?>
+<p:sld xmlns:a="http://schemas.openxmlformats.org/drawingml/2006/main" xmlns:r="http://schemas.openxmlformats.org/officeDocument/2006/relationships" xmlns:p="http://schemas.openxmlformats.org/presentationml/2006/main">
+  <p:cSld>
+    <p:spTree>
+      <p:nvGrpSpPr>
+        <p:cNvPr id="1" name=""/>
+        <p:cNvGrpSpPr/>
+        <p:nvPr/>
+      </p:nvGrpSpPr>
+      <p:grpSpPr>
+        <a:xfrm>
+          <a:off x="0" y="0"/>
+          <a:ext cx="0" cy="0"/>
+          <a:chOff x="0" y="0"/>
+          <a:chExt cx="0" cy="0"/>
+        </a:xfrm>
+      </p:grpSpPr>
+      <p:sp>
+        <p:nvSpPr>
+          <p:cNvPr id="38" name="직사각형 37"/>
+          <p:cNvSpPr/>
+          <p:nvPr/>
+        </p:nvSpPr>
+        <p:spPr>
+          <a:xfrm rot="5400000">
+            <a:off x="3758044" y="1229591"/>
+            <a:ext cx="1627910" cy="9144001"/>
+          </a:xfrm>
+          <a:prstGeom prst="rect">
+            <a:avLst/>
+          </a:prstGeom>
+          <a:solidFill>
+            <a:schemeClr val="bg1">
+              <a:lumMod val="75000"/>
+            </a:schemeClr>
+          </a:solidFill>
+          <a:ln>
+            <a:solidFill>
+              <a:schemeClr val="tx2">
+                <a:lumMod val="40000"/>
+                <a:lumOff val="60000"/>
+              </a:schemeClr>
+            </a:solidFill>
+          </a:ln>
+        </p:spPr>
+        <p:style>
+          <a:lnRef idx="2">
+            <a:schemeClr val="accent1">
+              <a:shade val="50000"/>
+            </a:schemeClr>
+          </a:lnRef>
+          <a:fillRef idx="1">
+            <a:schemeClr val="accent1"/>
+          </a:fillRef>
+          <a:effectRef idx="0">
+            <a:schemeClr val="accent1"/>
+          </a:effectRef>
+          <a:fontRef idx="minor">
+            <a:schemeClr val="lt1"/>
+          </a:fontRef>
+        </p:style>
+        <p:txBody>
+          <a:bodyPr rtlCol="0" anchor="ctr"/>
+          <a:lstStyle/>
+          <a:p>
+            <a:pPr algn="ctr"/>
+            <a:endParaRPr lang="ko-KR" altLang="en-US"/>
+          </a:p>
+        </p:txBody>
+      </p:sp>
+      <p:pic>
+        <p:nvPicPr>
+          <p:cNvPr id="1026" name="Picture 2" descr="C:\Users\user\Desktop\sefsef.JPG"/>
+          <p:cNvPicPr>
+            <a:picLocks noChangeAspect="1" noChangeArrowheads="1"/>
+          </p:cNvPicPr>
+          <p:nvPr/>
+        </p:nvPicPr>
+        <p:blipFill>
+          <a:blip r:embed="rId2" cstate="print"/>
+          <a:srcRect/>
+          <a:stretch>
+            <a:fillRect/>
+          </a:stretch>
+        </p:blipFill>
+        <p:spPr bwMode="auto">
+          <a:xfrm>
+            <a:off x="5555673" y="0"/>
+            <a:ext cx="3588327" cy="2367960"/>
+          </a:xfrm>
+          <a:prstGeom prst="rect">
+            <a:avLst/>
+          </a:prstGeom>
+          <a:noFill/>
+          <a:ln w="50800">
+            <a:solidFill>
+              <a:schemeClr val="tx1"/>
+            </a:solidFill>
+          </a:ln>
+        </p:spPr>
+      </p:pic>
+      <p:sp>
+        <p:nvSpPr>
+          <p:cNvPr id="37" name="직사각형 36"/>
+          <p:cNvSpPr/>
+          <p:nvPr/>
+        </p:nvSpPr>
+        <p:spPr>
+          <a:xfrm>
+            <a:off x="1302327" y="5306291"/>
+            <a:ext cx="6636327" cy="1343891"/>
+          </a:xfrm>
+          <a:prstGeom prst="rect">
+            <a:avLst/>
+          </a:prstGeom>
+        </p:spPr>
+        <p:style>
+          <a:lnRef idx="2">
+            <a:schemeClr val="accent1">
+              <a:shade val="50000"/>
+            </a:schemeClr>
+          </a:lnRef>
+          <a:fillRef idx="1">
+            <a:schemeClr val="accent1"/>
+          </a:fillRef>
+          <a:effectRef idx="0">
+            <a:schemeClr val="accent1"/>
+          </a:effectRef>
+          <a:fontRef idx="minor">
+            <a:schemeClr val="lt1"/>
+          </a:fontRef>
+        </p:style>
+        <p:txBody>
+          <a:bodyPr rtlCol="0" anchor="ctr"/>
+          <a:lstStyle/>
+          <a:p>
+            <a:pPr algn="ctr"/>
+            <a:endParaRPr lang="ko-KR" altLang="en-US"/>
+          </a:p>
+        </p:txBody>
+      </p:sp>
+      <p:sp>
+        <p:nvSpPr>
+          <p:cNvPr id="39" name="직사각형 38"/>
+          <p:cNvSpPr/>
+          <p:nvPr/>
+        </p:nvSpPr>
+        <p:spPr>
+          <a:xfrm>
+            <a:off x="3865418" y="1427019"/>
+            <a:ext cx="1149928" cy="581891"/>
+          </a:xfrm>
+          <a:prstGeom prst="rect">
+            <a:avLst/>
+          </a:prstGeom>
+          <a:solidFill>
+            <a:schemeClr val="tx2"/>
+          </a:solidFill>
+          <a:ln>
+            <a:solidFill>
+              <a:schemeClr val="tx2"/>
+            </a:solidFill>
+          </a:ln>
+        </p:spPr>
+        <p:style>
+          <a:lnRef idx="2">
+            <a:schemeClr val="accent1">
+              <a:shade val="50000"/>
+            </a:schemeClr>
+          </a:lnRef>
+          <a:fillRef idx="1">
+            <a:schemeClr val="accent1"/>
+          </a:fillRef>
+          <a:effectRef idx="0">
+            <a:schemeClr val="accent1"/>
+          </a:effectRef>
+          <a:fontRef idx="minor">
+            <a:schemeClr val="lt1"/>
+          </a:fontRef>
+        </p:style>
+        <p:txBody>
+          <a:bodyPr rtlCol="0" anchor="ctr"/>
+          <a:lstStyle/>
+          <a:p>
+            <a:pPr algn="ctr"/>
+            <a:endParaRPr lang="ko-KR" altLang="en-US"/>
+          </a:p>
+        </p:txBody>
+      </p:sp>
+      <p:sp>
+        <p:nvSpPr>
+          <p:cNvPr id="40" name="직사각형 39"/>
+          <p:cNvSpPr/>
+          <p:nvPr/>
+        </p:nvSpPr>
+        <p:spPr>
+          <a:xfrm>
+            <a:off x="4128654" y="1884219"/>
+            <a:ext cx="623455" cy="263236"/>
+          </a:xfrm>
+          <a:prstGeom prst="rect">
+            <a:avLst/>
+          </a:prstGeom>
+          <a:solidFill>
+            <a:schemeClr val="tx2"/>
+          </a:solidFill>
+          <a:ln>
+            <a:solidFill>
+              <a:schemeClr val="tx2"/>
+            </a:solidFill>
+          </a:ln>
+        </p:spPr>
+        <p:style>
+          <a:lnRef idx="2">
+            <a:schemeClr val="accent1">
+              <a:shade val="50000"/>
+            </a:schemeClr>
+          </a:lnRef>
+          <a:fillRef idx="1">
+            <a:schemeClr val="accent1"/>
+          </a:fillRef>
+          <a:effectRef idx="0">
+            <a:schemeClr val="accent1"/>
+          </a:effectRef>
+          <a:fontRef idx="minor">
+            <a:schemeClr val="lt1"/>
+          </a:fontRef>
+        </p:style>
+        <p:txBody>
+          <a:bodyPr rtlCol="0" anchor="ctr"/>
+          <a:lstStyle/>
+          <a:p>
+            <a:pPr algn="ctr"/>
+            <a:endParaRPr lang="ko-KR" altLang="en-US"/>
+          </a:p>
+        </p:txBody>
+      </p:sp>
+      <p:sp>
+        <p:nvSpPr>
+          <p:cNvPr id="41" name="직사각형 40"/>
+          <p:cNvSpPr/>
+          <p:nvPr/>
+        </p:nvSpPr>
+        <p:spPr>
+          <a:xfrm>
+            <a:off x="4073237" y="2008909"/>
+            <a:ext cx="748145" cy="124691"/>
+          </a:xfrm>
+          <a:prstGeom prst="rect">
+            <a:avLst/>
+          </a:prstGeom>
+          <a:solidFill>
+            <a:srgbClr val="8DBDF7"/>
+          </a:solidFill>
+          <a:ln>
+            <a:solidFill>
+              <a:schemeClr val="tx2"/>
+            </a:solidFill>
+          </a:ln>
+        </p:spPr>
+        <p:style>
+          <a:lnRef idx="2">
+            <a:schemeClr val="accent1">
+              <a:shade val="50000"/>
+            </a:schemeClr>
+          </a:lnRef>
+          <a:fillRef idx="1">
+            <a:schemeClr val="accent1"/>
+          </a:fillRef>
+          <a:effectRef idx="0">
+            <a:schemeClr val="accent1"/>
+          </a:effectRef>
+          <a:fontRef idx="minor">
+            <a:schemeClr val="lt1"/>
+          </a:fontRef>
+        </p:style>
+        <p:txBody>
+          <a:bodyPr rtlCol="0" anchor="ctr"/>
+          <a:lstStyle/>
+          <a:p>
+            <a:pPr algn="ctr"/>
+            <a:endParaRPr lang="ko-KR" altLang="en-US"/>
+          </a:p>
+        </p:txBody>
+      </p:sp>
+      <p:cxnSp>
+        <p:nvCxnSpPr>
+          <p:cNvPr id="43" name="직선 연결선 42"/>
+          <p:cNvCxnSpPr/>
+          <p:nvPr/>
+        </p:nvCxnSpPr>
+        <p:spPr>
+          <a:xfrm flipH="1">
+            <a:off x="0" y="2202873"/>
+            <a:ext cx="4003964" cy="2757054"/>
+          </a:xfrm>
+          <a:prstGeom prst="line">
+            <a:avLst/>
+          </a:prstGeom>
+          <a:ln>
+            <a:solidFill>
+              <a:schemeClr val="tx1"/>
+            </a:solidFill>
+            <a:prstDash val="dash"/>
+          </a:ln>
+        </p:spPr>
+        <p:style>
+          <a:lnRef idx="1">
+            <a:schemeClr val="accent1"/>
+          </a:lnRef>
+          <a:fillRef idx="0">
+            <a:schemeClr val="accent1"/>
+          </a:fillRef>
+          <a:effectRef idx="0">
+            <a:schemeClr val="accent1"/>
+          </a:effectRef>
+          <a:fontRef idx="minor">
+            <a:schemeClr val="tx1"/>
+          </a:fontRef>
+        </p:style>
+      </p:cxnSp>
+      <p:cxnSp>
+        <p:nvCxnSpPr>
+          <p:cNvPr id="44" name="직선 연결선 43"/>
+          <p:cNvCxnSpPr/>
+          <p:nvPr/>
+        </p:nvCxnSpPr>
+        <p:spPr>
+          <a:xfrm>
+            <a:off x="4890655" y="2216727"/>
+            <a:ext cx="4253345" cy="2729346"/>
+          </a:xfrm>
+          <a:prstGeom prst="line">
+            <a:avLst/>
+          </a:prstGeom>
+          <a:ln>
+            <a:solidFill>
+              <a:schemeClr val="tx1"/>
+            </a:solidFill>
+            <a:prstDash val="dash"/>
+          </a:ln>
+        </p:spPr>
+        <p:style>
+          <a:lnRef idx="1">
+            <a:schemeClr val="accent1"/>
+          </a:lnRef>
+          <a:fillRef idx="0">
+            <a:schemeClr val="accent1"/>
+          </a:fillRef>
+          <a:effectRef idx="0">
+            <a:schemeClr val="accent1"/>
+          </a:effectRef>
+          <a:fontRef idx="minor">
+            <a:schemeClr val="tx1"/>
+          </a:fontRef>
+        </p:style>
+      </p:cxnSp>
+      <p:cxnSp>
+        <p:nvCxnSpPr>
+          <p:cNvPr id="49" name="직선 연결선 48"/>
+          <p:cNvCxnSpPr/>
+          <p:nvPr/>
+        </p:nvCxnSpPr>
+        <p:spPr>
+          <a:xfrm flipV="1">
+            <a:off x="5555673" y="762000"/>
+            <a:ext cx="3588327" cy="491253"/>
+          </a:xfrm>
+          <a:prstGeom prst="line">
+            <a:avLst/>
+          </a:prstGeom>
+          <a:ln w="50800">
+            <a:solidFill>
+              <a:srgbClr val="FFFF00"/>
+            </a:solidFill>
+          </a:ln>
+        </p:spPr>
+        <p:style>
+          <a:lnRef idx="1">
+            <a:schemeClr val="accent1"/>
+          </a:lnRef>
+          <a:fillRef idx="0">
+            <a:schemeClr val="accent1"/>
+          </a:fillRef>
+          <a:effectRef idx="0">
+            <a:schemeClr val="accent1"/>
+          </a:effectRef>
+          <a:fontRef idx="minor">
+            <a:schemeClr val="tx1"/>
+          </a:fontRef>
+        </p:style>
+      </p:cxnSp>
+      <p:cxnSp>
+        <p:nvCxnSpPr>
+          <p:cNvPr id="51" name="직선 연결선 50"/>
+          <p:cNvCxnSpPr/>
+          <p:nvPr/>
+        </p:nvCxnSpPr>
+        <p:spPr>
+          <a:xfrm flipV="1">
+            <a:off x="5555673" y="1039091"/>
+            <a:ext cx="3588327" cy="491253"/>
+          </a:xfrm>
+          <a:prstGeom prst="line">
+            <a:avLst/>
+          </a:prstGeom>
+          <a:ln w="50800">
+            <a:solidFill>
+              <a:srgbClr val="FFFF00"/>
+            </a:solidFill>
+          </a:ln>
+        </p:spPr>
+        <p:style>
+          <a:lnRef idx="1">
+            <a:schemeClr val="accent1"/>
+          </a:lnRef>
+          <a:fillRef idx="0">
+            <a:schemeClr val="accent1"/>
+          </a:fillRef>
+          <a:effectRef idx="0">
+            <a:schemeClr val="accent1"/>
+          </a:effectRef>
+          <a:fontRef idx="minor">
+            <a:schemeClr val="tx1"/>
+          </a:fontRef>
+        </p:style>
+      </p:cxnSp>
+    </p:spTree>
+    <p:extLst>
+      <p:ext uri="{BB962C8B-B14F-4D97-AF65-F5344CB8AC3E}">
+        <p14:creationId xmlns:p14="http://schemas.microsoft.com/office/powerpoint/2010/main" xmlns="" val="2972495675"/>
+      </p:ext>
+    </p:extLst>
+  </p:cSld>
+  <p:clrMapOvr>
+    <a:masterClrMapping/>
+  </p:clrMapOvr>
+</p:sld>
+</file>
+
+<file path=ppt/slides/slide21.xml><?xml version="1.0" encoding="utf-8"?>
+<p:sld xmlns:a="http://schemas.openxmlformats.org/drawingml/2006/main" xmlns:r="http://schemas.openxmlformats.org/officeDocument/2006/relationships" xmlns:p="http://schemas.openxmlformats.org/presentationml/2006/main">
+  <p:cSld>
+    <p:spTree>
+      <p:nvGrpSpPr>
+        <p:cNvPr id="1" name=""/>
+        <p:cNvGrpSpPr/>
+        <p:nvPr/>
+      </p:nvGrpSpPr>
+      <p:grpSpPr>
+        <a:xfrm>
+          <a:off x="0" y="0"/>
+          <a:ext cx="0" cy="0"/>
+          <a:chOff x="0" y="0"/>
+          <a:chExt cx="0" cy="0"/>
+        </a:xfrm>
+      </p:grpSpPr>
+      <p:sp>
+        <p:nvSpPr>
+          <p:cNvPr id="38" name="직사각형 37"/>
+          <p:cNvSpPr/>
+          <p:nvPr/>
+        </p:nvSpPr>
+        <p:spPr>
+          <a:xfrm rot="5400000">
+            <a:off x="4028209" y="-841662"/>
+            <a:ext cx="1087582" cy="9144001"/>
+          </a:xfrm>
+          <a:prstGeom prst="rect">
+            <a:avLst/>
+          </a:prstGeom>
+          <a:solidFill>
+            <a:schemeClr val="bg1">
+              <a:lumMod val="75000"/>
+            </a:schemeClr>
+          </a:solidFill>
+          <a:ln>
+            <a:solidFill>
+              <a:schemeClr val="tx2">
+                <a:lumMod val="40000"/>
+                <a:lumOff val="60000"/>
+              </a:schemeClr>
+            </a:solidFill>
+          </a:ln>
+        </p:spPr>
+        <p:style>
+          <a:lnRef idx="2">
+            <a:schemeClr val="accent1">
+              <a:shade val="50000"/>
+            </a:schemeClr>
+          </a:lnRef>
+          <a:fillRef idx="1">
+            <a:schemeClr val="accent1"/>
+          </a:fillRef>
+          <a:effectRef idx="0">
+            <a:schemeClr val="accent1"/>
+          </a:effectRef>
+          <a:fontRef idx="minor">
+            <a:schemeClr val="lt1"/>
+          </a:fontRef>
+        </p:style>
+        <p:txBody>
+          <a:bodyPr rtlCol="0" anchor="ctr"/>
+          <a:lstStyle/>
+          <a:p>
+            <a:pPr algn="ctr"/>
+            <a:endParaRPr lang="ko-KR" altLang="en-US"/>
+          </a:p>
+        </p:txBody>
+      </p:sp>
+      <p:pic>
+        <p:nvPicPr>
+          <p:cNvPr id="1026" name="Picture 2" descr="C:\Users\user\Desktop\sefsef.JPG"/>
+          <p:cNvPicPr>
+            <a:picLocks noChangeAspect="1" noChangeArrowheads="1"/>
+          </p:cNvPicPr>
+          <p:nvPr/>
+        </p:nvPicPr>
+        <p:blipFill>
+          <a:blip r:embed="rId2" cstate="print"/>
+          <a:srcRect/>
+          <a:stretch>
+            <a:fillRect/>
+          </a:stretch>
+        </p:blipFill>
+        <p:spPr bwMode="auto">
+          <a:xfrm>
+            <a:off x="4525163" y="0"/>
+            <a:ext cx="4618837" cy="3048000"/>
+          </a:xfrm>
+          <a:prstGeom prst="rect">
+            <a:avLst/>
+          </a:prstGeom>
+          <a:noFill/>
+          <a:ln w="50800">
+            <a:solidFill>
+              <a:schemeClr val="tx1"/>
+            </a:solidFill>
+          </a:ln>
+        </p:spPr>
+      </p:pic>
+      <p:sp>
+        <p:nvSpPr>
+          <p:cNvPr id="17" name="타원 16"/>
+          <p:cNvSpPr/>
+          <p:nvPr/>
+        </p:nvSpPr>
+        <p:spPr>
+          <a:xfrm>
+            <a:off x="5541818" y="955965"/>
+            <a:ext cx="263237" cy="263237"/>
+          </a:xfrm>
+          <a:prstGeom prst="ellipse">
+            <a:avLst/>
+          </a:prstGeom>
+          <a:ln>
+            <a:solidFill>
+              <a:srgbClr val="7030A0"/>
+            </a:solidFill>
+          </a:ln>
+        </p:spPr>
+        <p:style>
+          <a:lnRef idx="2">
+            <a:schemeClr val="accent1">
+              <a:shade val="50000"/>
+            </a:schemeClr>
+          </a:lnRef>
+          <a:fillRef idx="1">
+            <a:schemeClr val="accent1"/>
+          </a:fillRef>
+          <a:effectRef idx="0">
+            <a:schemeClr val="accent1"/>
+          </a:effectRef>
+          <a:fontRef idx="minor">
+            <a:schemeClr val="lt1"/>
+          </a:fontRef>
+        </p:style>
+        <p:txBody>
+          <a:bodyPr rtlCol="0" anchor="ctr"/>
+          <a:lstStyle/>
+          <a:p>
+            <a:pPr algn="ctr"/>
+            <a:endParaRPr lang="ko-KR" altLang="en-US"/>
+          </a:p>
+        </p:txBody>
+      </p:sp>
+      <p:sp>
+        <p:nvSpPr>
+          <p:cNvPr id="18" name="타원 17"/>
+          <p:cNvSpPr/>
+          <p:nvPr/>
+        </p:nvSpPr>
+        <p:spPr>
+          <a:xfrm>
+            <a:off x="6664038" y="817419"/>
+            <a:ext cx="263237" cy="263237"/>
+          </a:xfrm>
+          <a:prstGeom prst="ellipse">
+            <a:avLst/>
+          </a:prstGeom>
+          <a:ln>
+            <a:solidFill>
+              <a:srgbClr val="7030A0"/>
+            </a:solidFill>
+          </a:ln>
+        </p:spPr>
+        <p:style>
+          <a:lnRef idx="2">
+            <a:schemeClr val="accent1">
+              <a:shade val="50000"/>
+            </a:schemeClr>
+          </a:lnRef>
+          <a:fillRef idx="1">
+            <a:schemeClr val="accent1"/>
+          </a:fillRef>
+          <a:effectRef idx="0">
+            <a:schemeClr val="accent1"/>
+          </a:effectRef>
+          <a:fontRef idx="minor">
+            <a:schemeClr val="lt1"/>
+          </a:fontRef>
+        </p:style>
+        <p:txBody>
+          <a:bodyPr rtlCol="0" anchor="ctr"/>
+          <a:lstStyle/>
+          <a:p>
+            <a:pPr algn="ctr"/>
+            <a:endParaRPr lang="ko-KR" altLang="en-US" dirty="0"/>
+          </a:p>
+        </p:txBody>
+      </p:sp>
+      <p:sp>
+        <p:nvSpPr>
+          <p:cNvPr id="19" name="타원 18"/>
+          <p:cNvSpPr/>
+          <p:nvPr/>
+        </p:nvSpPr>
+        <p:spPr>
+          <a:xfrm>
+            <a:off x="7966364" y="651164"/>
+            <a:ext cx="263237" cy="263237"/>
+          </a:xfrm>
+          <a:prstGeom prst="ellipse">
+            <a:avLst/>
+          </a:prstGeom>
+          <a:ln>
+            <a:solidFill>
+              <a:srgbClr val="7030A0"/>
+            </a:solidFill>
+          </a:ln>
+        </p:spPr>
+        <p:style>
+          <a:lnRef idx="2">
+            <a:schemeClr val="accent1">
+              <a:shade val="50000"/>
+            </a:schemeClr>
+          </a:lnRef>
+          <a:fillRef idx="1">
+            <a:schemeClr val="accent1"/>
+          </a:fillRef>
+          <a:effectRef idx="0">
+            <a:schemeClr val="accent1"/>
+          </a:effectRef>
+          <a:fontRef idx="minor">
+            <a:schemeClr val="lt1"/>
+          </a:fontRef>
+        </p:style>
+        <p:txBody>
+          <a:bodyPr rtlCol="0" anchor="ctr"/>
+          <a:lstStyle/>
+          <a:p>
+            <a:pPr algn="ctr"/>
+            <a:endParaRPr lang="ko-KR" altLang="en-US"/>
+          </a:p>
+        </p:txBody>
+      </p:sp>
+      <p:sp>
+        <p:nvSpPr>
+          <p:cNvPr id="20" name="타원 19"/>
+          <p:cNvSpPr/>
+          <p:nvPr/>
+        </p:nvSpPr>
+        <p:spPr>
+          <a:xfrm>
+            <a:off x="8880763" y="526473"/>
+            <a:ext cx="263237" cy="263237"/>
+          </a:xfrm>
+          <a:prstGeom prst="ellipse">
+            <a:avLst/>
+          </a:prstGeom>
+          <a:ln>
+            <a:solidFill>
+              <a:srgbClr val="7030A0"/>
+            </a:solidFill>
+          </a:ln>
+        </p:spPr>
+        <p:style>
+          <a:lnRef idx="2">
+            <a:schemeClr val="accent1">
+              <a:shade val="50000"/>
+            </a:schemeClr>
+          </a:lnRef>
+          <a:fillRef idx="1">
+            <a:schemeClr val="accent1"/>
+          </a:fillRef>
+          <a:effectRef idx="0">
+            <a:schemeClr val="accent1"/>
+          </a:effectRef>
+          <a:fontRef idx="minor">
+            <a:schemeClr val="lt1"/>
+          </a:fontRef>
+        </p:style>
+        <p:txBody>
+          <a:bodyPr rtlCol="0" anchor="ctr"/>
+          <a:lstStyle/>
+          <a:p>
+            <a:pPr algn="ctr"/>
+            <a:endParaRPr lang="ko-KR" altLang="en-US"/>
+          </a:p>
+        </p:txBody>
+      </p:sp>
+      <p:sp>
+        <p:nvSpPr>
+          <p:cNvPr id="21" name="타원 20"/>
+          <p:cNvSpPr/>
+          <p:nvPr/>
+        </p:nvSpPr>
+        <p:spPr>
+          <a:xfrm>
+            <a:off x="762001" y="3505202"/>
+            <a:ext cx="263237" cy="263237"/>
+          </a:xfrm>
+          <a:prstGeom prst="ellipse">
+            <a:avLst/>
+          </a:prstGeom>
+          <a:ln>
+            <a:solidFill>
+              <a:srgbClr val="7030A0"/>
+            </a:solidFill>
+          </a:ln>
+        </p:spPr>
+        <p:style>
+          <a:lnRef idx="2">
+            <a:schemeClr val="accent1">
+              <a:shade val="50000"/>
+            </a:schemeClr>
+          </a:lnRef>
+          <a:fillRef idx="1">
+            <a:schemeClr val="accent1"/>
+          </a:fillRef>
+          <a:effectRef idx="0">
+            <a:schemeClr val="accent1"/>
+          </a:effectRef>
+          <a:fontRef idx="minor">
+            <a:schemeClr val="lt1"/>
+          </a:fontRef>
+        </p:style>
+        <p:txBody>
+          <a:bodyPr rtlCol="0" anchor="ctr"/>
+          <a:lstStyle/>
+          <a:p>
+            <a:pPr algn="ctr"/>
+            <a:endParaRPr lang="ko-KR" altLang="en-US"/>
+          </a:p>
+        </p:txBody>
+      </p:sp>
+      <p:sp>
+        <p:nvSpPr>
+          <p:cNvPr id="22" name="타원 21"/>
+          <p:cNvSpPr/>
+          <p:nvPr/>
+        </p:nvSpPr>
+        <p:spPr>
+          <a:xfrm>
+            <a:off x="3020292" y="3505202"/>
+            <a:ext cx="263237" cy="263237"/>
+          </a:xfrm>
+          <a:prstGeom prst="ellipse">
+            <a:avLst/>
+          </a:prstGeom>
+          <a:ln>
+            <a:solidFill>
+              <a:srgbClr val="7030A0"/>
+            </a:solidFill>
+          </a:ln>
+        </p:spPr>
+        <p:style>
+          <a:lnRef idx="2">
+            <a:schemeClr val="accent1">
+              <a:shade val="50000"/>
+            </a:schemeClr>
+          </a:lnRef>
+          <a:fillRef idx="1">
+            <a:schemeClr val="accent1"/>
+          </a:fillRef>
+          <a:effectRef idx="0">
+            <a:schemeClr val="accent1"/>
+          </a:effectRef>
+          <a:fontRef idx="minor">
+            <a:schemeClr val="lt1"/>
+          </a:fontRef>
+        </p:style>
+        <p:txBody>
+          <a:bodyPr rtlCol="0" anchor="ctr"/>
+          <a:lstStyle/>
+          <a:p>
+            <a:pPr algn="ctr"/>
+            <a:endParaRPr lang="ko-KR" altLang="en-US"/>
+          </a:p>
+        </p:txBody>
+      </p:sp>
+      <p:sp>
+        <p:nvSpPr>
+          <p:cNvPr id="23" name="타원 22"/>
+          <p:cNvSpPr/>
+          <p:nvPr/>
+        </p:nvSpPr>
+        <p:spPr>
+          <a:xfrm>
+            <a:off x="5347856" y="3546766"/>
+            <a:ext cx="263237" cy="263237"/>
+          </a:xfrm>
+          <a:prstGeom prst="ellipse">
+            <a:avLst/>
+          </a:prstGeom>
+          <a:ln>
+            <a:solidFill>
+              <a:srgbClr val="7030A0"/>
+            </a:solidFill>
+          </a:ln>
+        </p:spPr>
+        <p:style>
+          <a:lnRef idx="2">
+            <a:schemeClr val="accent1">
+              <a:shade val="50000"/>
+            </a:schemeClr>
+          </a:lnRef>
+          <a:fillRef idx="1">
+            <a:schemeClr val="accent1"/>
+          </a:fillRef>
+          <a:effectRef idx="0">
+            <a:schemeClr val="accent1"/>
+          </a:effectRef>
+          <a:fontRef idx="minor">
+            <a:schemeClr val="lt1"/>
+          </a:fontRef>
+        </p:style>
+        <p:txBody>
+          <a:bodyPr rtlCol="0" anchor="ctr"/>
+          <a:lstStyle/>
+          <a:p>
+            <a:pPr algn="ctr"/>
+            <a:endParaRPr lang="ko-KR" altLang="en-US"/>
+          </a:p>
+        </p:txBody>
+      </p:sp>
+      <p:sp>
+        <p:nvSpPr>
+          <p:cNvPr id="24" name="타원 23"/>
+          <p:cNvSpPr/>
+          <p:nvPr/>
+        </p:nvSpPr>
+        <p:spPr>
+          <a:xfrm>
+            <a:off x="7813965" y="3588330"/>
+            <a:ext cx="263237" cy="263237"/>
+          </a:xfrm>
+          <a:prstGeom prst="ellipse">
+            <a:avLst/>
+          </a:prstGeom>
+          <a:ln>
+            <a:solidFill>
+              <a:srgbClr val="7030A0"/>
+            </a:solidFill>
+          </a:ln>
+        </p:spPr>
+        <p:style>
+          <a:lnRef idx="2">
+            <a:schemeClr val="accent1">
+              <a:shade val="50000"/>
+            </a:schemeClr>
+          </a:lnRef>
+          <a:fillRef idx="1">
+            <a:schemeClr val="accent1"/>
+          </a:fillRef>
+          <a:effectRef idx="0">
+            <a:schemeClr val="accent1"/>
+          </a:effectRef>
+          <a:fontRef idx="minor">
+            <a:schemeClr val="lt1"/>
+          </a:fontRef>
+        </p:style>
+        <p:txBody>
+          <a:bodyPr rtlCol="0" anchor="ctr"/>
+          <a:lstStyle/>
+          <a:p>
+            <a:pPr algn="ctr"/>
+            <a:endParaRPr lang="ko-KR" altLang="en-US"/>
+          </a:p>
+        </p:txBody>
+      </p:sp>
+      <p:sp>
+        <p:nvSpPr>
+          <p:cNvPr id="25" name="순서도: 수동 연산 24">
+            <a:extLst>
+              <a:ext uri="{FF2B5EF4-FFF2-40B4-BE49-F238E27FC236}">
+                <a16:creationId xmlns:a16="http://schemas.microsoft.com/office/drawing/2014/main" xmlns="" id="{D96AED85-C938-4947-AE9E-D4F7B696B016}"/>
+              </a:ext>
+            </a:extLst>
+          </p:cNvPr>
+          <p:cNvSpPr/>
+          <p:nvPr/>
+        </p:nvSpPr>
+        <p:spPr>
+          <a:xfrm rot="16200000" flipV="1">
+            <a:off x="6447733" y="227043"/>
+            <a:ext cx="1551710" cy="3840824"/>
+          </a:xfrm>
+          <a:prstGeom prst="flowChartManualOperation">
+            <a:avLst/>
+          </a:prstGeom>
+        </p:spPr>
+        <p:style>
+          <a:lnRef idx="2">
+            <a:schemeClr val="accent1">
+              <a:shade val="50000"/>
+            </a:schemeClr>
+          </a:lnRef>
+          <a:fillRef idx="1">
+            <a:schemeClr val="accent1"/>
+          </a:fillRef>
+          <a:effectRef idx="0">
+            <a:schemeClr val="accent1"/>
+          </a:effectRef>
+          <a:fontRef idx="minor">
+            <a:schemeClr val="lt1"/>
+          </a:fontRef>
+        </p:style>
+        <p:txBody>
+          <a:bodyPr rtlCol="0" anchor="ctr"/>
+          <a:lstStyle/>
+          <a:p>
+            <a:pPr algn="ctr"/>
+            <a:endParaRPr lang="ko-KR" altLang="en-US"/>
+          </a:p>
+        </p:txBody>
+      </p:sp>
+      <p:cxnSp>
+        <p:nvCxnSpPr>
+          <p:cNvPr id="29" name="직선 연결선 28"/>
+          <p:cNvCxnSpPr>
+            <a:stCxn id="17" idx="4"/>
+          </p:cNvCxnSpPr>
+          <p:nvPr/>
+        </p:nvCxnSpPr>
+        <p:spPr>
+          <a:xfrm>
+            <a:off x="5673437" y="1219202"/>
+            <a:ext cx="62345" cy="401780"/>
+          </a:xfrm>
+          <a:prstGeom prst="line">
+            <a:avLst/>
+          </a:prstGeom>
+          <a:ln>
+            <a:solidFill>
+              <a:srgbClr val="FF0000"/>
+            </a:solidFill>
+            <a:prstDash val="dash"/>
+          </a:ln>
+        </p:spPr>
+        <p:style>
+          <a:lnRef idx="1">
+            <a:schemeClr val="accent1"/>
+          </a:lnRef>
+          <a:fillRef idx="0">
+            <a:schemeClr val="accent1"/>
+          </a:fillRef>
+          <a:effectRef idx="0">
+            <a:schemeClr val="accent1"/>
+          </a:effectRef>
+          <a:fontRef idx="minor">
+            <a:schemeClr val="tx1"/>
+          </a:fontRef>
+        </p:style>
+      </p:cxnSp>
+      <p:cxnSp>
+        <p:nvCxnSpPr>
+          <p:cNvPr id="30" name="직선 연결선 29"/>
+          <p:cNvCxnSpPr/>
+          <p:nvPr/>
+        </p:nvCxnSpPr>
+        <p:spPr>
+          <a:xfrm>
+            <a:off x="6823364" y="1094511"/>
+            <a:ext cx="62345" cy="401780"/>
+          </a:xfrm>
+          <a:prstGeom prst="line">
+            <a:avLst/>
+          </a:prstGeom>
+          <a:ln>
+            <a:solidFill>
+              <a:srgbClr val="FF0000"/>
+            </a:solidFill>
+            <a:prstDash val="dash"/>
+          </a:ln>
+        </p:spPr>
+        <p:style>
+          <a:lnRef idx="1">
+            <a:schemeClr val="accent1"/>
+          </a:lnRef>
+          <a:fillRef idx="0">
+            <a:schemeClr val="accent1"/>
+          </a:fillRef>
+          <a:effectRef idx="0">
+            <a:schemeClr val="accent1"/>
+          </a:effectRef>
+          <a:fontRef idx="minor">
+            <a:schemeClr val="tx1"/>
+          </a:fontRef>
+        </p:style>
+      </p:cxnSp>
+      <p:cxnSp>
+        <p:nvCxnSpPr>
+          <p:cNvPr id="31" name="직선 연결선 30"/>
+          <p:cNvCxnSpPr/>
+          <p:nvPr/>
+        </p:nvCxnSpPr>
+        <p:spPr>
+          <a:xfrm>
+            <a:off x="8139546" y="914402"/>
+            <a:ext cx="76199" cy="498762"/>
+          </a:xfrm>
+          <a:prstGeom prst="line">
+            <a:avLst/>
+          </a:prstGeom>
+          <a:ln>
+            <a:solidFill>
+              <a:srgbClr val="FF0000"/>
+            </a:solidFill>
+            <a:prstDash val="dash"/>
+          </a:ln>
+        </p:spPr>
+        <p:style>
+          <a:lnRef idx="1">
+            <a:schemeClr val="accent1"/>
+          </a:lnRef>
+          <a:fillRef idx="0">
+            <a:schemeClr val="accent1"/>
+          </a:fillRef>
+          <a:effectRef idx="0">
+            <a:schemeClr val="accent1"/>
+          </a:effectRef>
+          <a:fontRef idx="minor">
+            <a:schemeClr val="tx1"/>
+          </a:fontRef>
+        </p:style>
+      </p:cxnSp>
+      <p:cxnSp>
+        <p:nvCxnSpPr>
+          <p:cNvPr id="34" name="직선 연결선 33"/>
+          <p:cNvCxnSpPr/>
+          <p:nvPr/>
+        </p:nvCxnSpPr>
+        <p:spPr>
+          <a:xfrm>
+            <a:off x="9067801" y="831275"/>
+            <a:ext cx="76199" cy="568034"/>
+          </a:xfrm>
+          <a:prstGeom prst="line">
+            <a:avLst/>
+          </a:prstGeom>
+          <a:ln>
+            <a:solidFill>
+              <a:srgbClr val="FF0000"/>
+            </a:solidFill>
+            <a:prstDash val="dash"/>
+          </a:ln>
+        </p:spPr>
+        <p:style>
+          <a:lnRef idx="1">
+            <a:schemeClr val="accent1"/>
+          </a:lnRef>
+          <a:fillRef idx="0">
+            <a:schemeClr val="accent1"/>
+          </a:fillRef>
+          <a:effectRef idx="0">
+            <a:schemeClr val="accent1"/>
+          </a:effectRef>
+          <a:fontRef idx="minor">
+            <a:schemeClr val="tx1"/>
+          </a:fontRef>
+        </p:style>
+      </p:cxnSp>
+      <p:sp>
+        <p:nvSpPr>
+          <p:cNvPr id="36" name="순서도: 수동 연산 35">
+            <a:extLst>
+              <a:ext uri="{FF2B5EF4-FFF2-40B4-BE49-F238E27FC236}">
+                <a16:creationId xmlns:a16="http://schemas.microsoft.com/office/drawing/2014/main" xmlns="" id="{D96AED85-C938-4947-AE9E-D4F7B696B016}"/>
+              </a:ext>
+            </a:extLst>
+          </p:cNvPr>
+          <p:cNvSpPr/>
+          <p:nvPr/>
+        </p:nvSpPr>
+        <p:spPr>
+          <a:xfrm rot="16200000" flipV="1">
+            <a:off x="3609110" y="1960418"/>
+            <a:ext cx="1925782" cy="9144001"/>
+          </a:xfrm>
+          <a:prstGeom prst="flowChartManualOperation">
+            <a:avLst/>
+          </a:prstGeom>
+        </p:spPr>
+        <p:style>
+          <a:lnRef idx="2">
+            <a:schemeClr val="accent1">
+              <a:shade val="50000"/>
+            </a:schemeClr>
+          </a:lnRef>
+          <a:fillRef idx="1">
+            <a:schemeClr val="accent1"/>
+          </a:fillRef>
+          <a:effectRef idx="0">
+            <a:schemeClr val="accent1"/>
+          </a:effectRef>
+          <a:fontRef idx="minor">
+            <a:schemeClr val="lt1"/>
+          </a:fontRef>
+        </p:style>
+        <p:txBody>
+          <a:bodyPr rtlCol="0" anchor="ctr"/>
+          <a:lstStyle/>
+          <a:p>
+            <a:pPr algn="ctr"/>
+            <a:endParaRPr lang="ko-KR" altLang="en-US"/>
+          </a:p>
+        </p:txBody>
+      </p:sp>
+      <p:cxnSp>
+        <p:nvCxnSpPr>
+          <p:cNvPr id="42" name="직선 연결선 41"/>
+          <p:cNvCxnSpPr/>
+          <p:nvPr/>
+        </p:nvCxnSpPr>
+        <p:spPr>
+          <a:xfrm flipH="1">
+            <a:off x="900545" y="3796148"/>
+            <a:ext cx="6929" cy="2105888"/>
+          </a:xfrm>
+          <a:prstGeom prst="line">
+            <a:avLst/>
+          </a:prstGeom>
+          <a:ln>
+            <a:solidFill>
+              <a:srgbClr val="FF0000"/>
+            </a:solidFill>
+            <a:prstDash val="dash"/>
+          </a:ln>
+        </p:spPr>
+        <p:style>
+          <a:lnRef idx="1">
+            <a:schemeClr val="accent1"/>
+          </a:lnRef>
+          <a:fillRef idx="0">
+            <a:schemeClr val="accent1"/>
+          </a:fillRef>
+          <a:effectRef idx="0">
+            <a:schemeClr val="accent1"/>
+          </a:effectRef>
+          <a:fontRef idx="minor">
+            <a:schemeClr val="tx1"/>
+          </a:fontRef>
+        </p:style>
+      </p:cxnSp>
+      <p:cxnSp>
+        <p:nvCxnSpPr>
+          <p:cNvPr id="47" name="직선 연결선 46"/>
+          <p:cNvCxnSpPr/>
+          <p:nvPr/>
+        </p:nvCxnSpPr>
+        <p:spPr>
+          <a:xfrm>
+            <a:off x="7917875" y="3823857"/>
+            <a:ext cx="6925" cy="1773379"/>
+          </a:xfrm>
+          <a:prstGeom prst="line">
+            <a:avLst/>
+          </a:prstGeom>
+          <a:ln>
+            <a:solidFill>
+              <a:srgbClr val="FF0000"/>
+            </a:solidFill>
+            <a:prstDash val="dash"/>
+          </a:ln>
+        </p:spPr>
+        <p:style>
+          <a:lnRef idx="1">
+            <a:schemeClr val="accent1"/>
+          </a:lnRef>
+          <a:fillRef idx="0">
+            <a:schemeClr val="accent1"/>
+          </a:fillRef>
+          <a:effectRef idx="0">
+            <a:schemeClr val="accent1"/>
+          </a:effectRef>
+          <a:fontRef idx="minor">
+            <a:schemeClr val="tx1"/>
+          </a:fontRef>
+        </p:style>
+      </p:cxnSp>
+      <p:cxnSp>
+        <p:nvCxnSpPr>
+          <p:cNvPr id="50" name="직선 연결선 49"/>
+          <p:cNvCxnSpPr/>
+          <p:nvPr/>
+        </p:nvCxnSpPr>
+        <p:spPr>
+          <a:xfrm>
+            <a:off x="5493330" y="3865421"/>
+            <a:ext cx="6925" cy="1842652"/>
+          </a:xfrm>
+          <a:prstGeom prst="line">
+            <a:avLst/>
+          </a:prstGeom>
+          <a:ln>
+            <a:solidFill>
+              <a:srgbClr val="FF0000"/>
+            </a:solidFill>
+            <a:prstDash val="dash"/>
+          </a:ln>
+        </p:spPr>
+        <p:style>
+          <a:lnRef idx="1">
+            <a:schemeClr val="accent1"/>
+          </a:lnRef>
+          <a:fillRef idx="0">
+            <a:schemeClr val="accent1"/>
+          </a:fillRef>
+          <a:effectRef idx="0">
+            <a:schemeClr val="accent1"/>
+          </a:effectRef>
+          <a:fontRef idx="minor">
+            <a:schemeClr val="tx1"/>
+          </a:fontRef>
+        </p:style>
+      </p:cxnSp>
+      <p:cxnSp>
+        <p:nvCxnSpPr>
+          <p:cNvPr id="52" name="직선 연결선 51"/>
+          <p:cNvCxnSpPr/>
+          <p:nvPr/>
+        </p:nvCxnSpPr>
+        <p:spPr>
+          <a:xfrm flipH="1">
+            <a:off x="3144982" y="3810002"/>
+            <a:ext cx="6930" cy="1981198"/>
+          </a:xfrm>
+          <a:prstGeom prst="line">
+            <a:avLst/>
+          </a:prstGeom>
+          <a:ln>
+            <a:solidFill>
+              <a:srgbClr val="FF0000"/>
+            </a:solidFill>
+            <a:prstDash val="dash"/>
+          </a:ln>
+        </p:spPr>
+        <p:style>
+          <a:lnRef idx="1">
+            <a:schemeClr val="accent1"/>
+          </a:lnRef>
+          <a:fillRef idx="0">
+            <a:schemeClr val="accent1"/>
+          </a:fillRef>
+          <a:effectRef idx="0">
+            <a:schemeClr val="accent1"/>
+          </a:effectRef>
+          <a:fontRef idx="minor">
+            <a:schemeClr val="tx1"/>
+          </a:fontRef>
+        </p:style>
+      </p:cxnSp>
+      <p:sp>
+        <p:nvSpPr>
+          <p:cNvPr id="54" name="직사각형 53"/>
+          <p:cNvSpPr/>
+          <p:nvPr/>
+        </p:nvSpPr>
+        <p:spPr>
+          <a:xfrm>
+            <a:off x="0" y="-1"/>
+            <a:ext cx="4391891" cy="2867891"/>
+          </a:xfrm>
+          <a:prstGeom prst="rect">
+            <a:avLst/>
+          </a:prstGeom>
+          <a:solidFill>
+            <a:schemeClr val="bg1"/>
+          </a:solidFill>
+          <a:ln>
+            <a:noFill/>
+          </a:ln>
+        </p:spPr>
+        <p:style>
+          <a:lnRef idx="2">
+            <a:schemeClr val="accent1">
+              <a:shade val="50000"/>
+            </a:schemeClr>
+          </a:lnRef>
+          <a:fillRef idx="1">
+            <a:schemeClr val="accent1"/>
+          </a:fillRef>
+          <a:effectRef idx="0">
+            <a:schemeClr val="accent1"/>
+          </a:effectRef>
+          <a:fontRef idx="minor">
+            <a:schemeClr val="lt1"/>
+          </a:fontRef>
+        </p:style>
+        <p:txBody>
+          <a:bodyPr rtlCol="0" anchor="ctr"/>
+          <a:lstStyle/>
+          <a:p>
+            <a:endParaRPr lang="en-US" altLang="ko-KR" dirty="0" smtClean="0">
+              <a:solidFill>
+                <a:schemeClr val="tx1"/>
+              </a:solidFill>
+              <a:latin typeface="210 옴니고딕 030" panose="02020603020101020101" pitchFamily="18" charset="-127"/>
+              <a:ea typeface="210 옴니고딕 030" panose="02020603020101020101" pitchFamily="18" charset="-127"/>
+            </a:endParaRPr>
+          </a:p>
+          <a:p>
+            <a:endParaRPr lang="en-US" altLang="ko-KR" b="1" dirty="0" smtClean="0">
+              <a:solidFill>
+                <a:schemeClr val="tx1"/>
+              </a:solidFill>
+              <a:latin typeface="210 옴니고딕 030" panose="02020603020101020101" pitchFamily="18" charset="-127"/>
+              <a:ea typeface="210 옴니고딕 030" panose="02020603020101020101" pitchFamily="18" charset="-127"/>
+            </a:endParaRPr>
+          </a:p>
+          <a:p>
+            <a:r>
+              <a:rPr lang="ko-KR" altLang="en-US" b="1" dirty="0" smtClean="0">
+                <a:solidFill>
+                  <a:schemeClr val="tx1"/>
+                </a:solidFill>
+                <a:latin typeface="210 옴니고딕 030" panose="02020603020101020101" pitchFamily="18" charset="-127"/>
+                <a:ea typeface="210 옴니고딕 030" panose="02020603020101020101" pitchFamily="18" charset="-127"/>
+              </a:rPr>
+              <a:t>적외선 센서 등 거리를 </a:t>
+            </a:r>
+            <a:r>
+              <a:rPr lang="ko-KR" altLang="en-US" b="1" dirty="0" smtClean="0">
+                <a:solidFill>
+                  <a:schemeClr val="tx1"/>
+                </a:solidFill>
+                <a:latin typeface="210 옴니고딕 030" panose="02020603020101020101" pitchFamily="18" charset="-127"/>
+                <a:ea typeface="210 옴니고딕 030" panose="02020603020101020101" pitchFamily="18" charset="-127"/>
+              </a:rPr>
+              <a:t>감지할 수 있는 센서를 여러 개 레일 옆면에 부착해서</a:t>
+            </a:r>
+            <a:r>
+              <a:rPr lang="en-US" altLang="ko-KR" b="1" dirty="0" smtClean="0">
+                <a:solidFill>
+                  <a:schemeClr val="tx1"/>
+                </a:solidFill>
+                <a:latin typeface="210 옴니고딕 030" panose="02020603020101020101" pitchFamily="18" charset="-127"/>
+                <a:ea typeface="210 옴니고딕 030" panose="02020603020101020101" pitchFamily="18" charset="-127"/>
+              </a:rPr>
+              <a:t>, </a:t>
+            </a:r>
+            <a:r>
+              <a:rPr lang="ko-KR" altLang="en-US" b="1" dirty="0" smtClean="0">
+                <a:solidFill>
+                  <a:schemeClr val="tx1"/>
+                </a:solidFill>
+                <a:latin typeface="210 옴니고딕 030" panose="02020603020101020101" pitchFamily="18" charset="-127"/>
+                <a:ea typeface="210 옴니고딕 030" panose="02020603020101020101" pitchFamily="18" charset="-127"/>
+              </a:rPr>
+              <a:t>레일을 평행하게 맞춤</a:t>
+            </a:r>
+            <a:endParaRPr lang="en-US" altLang="ko-KR" b="1" dirty="0" smtClean="0">
+              <a:solidFill>
+                <a:schemeClr val="tx1"/>
+              </a:solidFill>
+              <a:latin typeface="210 옴니고딕 030" panose="02020603020101020101" pitchFamily="18" charset="-127"/>
+              <a:ea typeface="210 옴니고딕 030" panose="02020603020101020101" pitchFamily="18" charset="-127"/>
+            </a:endParaRPr>
+          </a:p>
+          <a:p>
+            <a:endParaRPr lang="en-US" altLang="ko-KR" b="1" dirty="0" smtClean="0">
+              <a:solidFill>
+                <a:schemeClr val="tx1"/>
+              </a:solidFill>
+              <a:latin typeface="210 옴니고딕 030" panose="02020603020101020101" pitchFamily="18" charset="-127"/>
+              <a:ea typeface="210 옴니고딕 030" panose="02020603020101020101" pitchFamily="18" charset="-127"/>
+            </a:endParaRPr>
+          </a:p>
+          <a:p>
+            <a:r>
+              <a:rPr lang="ko-KR" altLang="en-US" b="1" dirty="0" smtClean="0">
+                <a:solidFill>
+                  <a:schemeClr val="tx1"/>
+                </a:solidFill>
+                <a:latin typeface="210 옴니고딕 030" panose="02020603020101020101" pitchFamily="18" charset="-127"/>
+                <a:ea typeface="210 옴니고딕 030" panose="02020603020101020101" pitchFamily="18" charset="-127"/>
+              </a:rPr>
+              <a:t>모든 </a:t>
+            </a:r>
+            <a:r>
+              <a:rPr lang="ko-KR" altLang="en-US" b="1" dirty="0" err="1" smtClean="0">
+                <a:solidFill>
+                  <a:schemeClr val="tx1"/>
+                </a:solidFill>
+                <a:latin typeface="210 옴니고딕 030" panose="02020603020101020101" pitchFamily="18" charset="-127"/>
+                <a:ea typeface="210 옴니고딕 030" panose="02020603020101020101" pitchFamily="18" charset="-127"/>
+              </a:rPr>
+              <a:t>센서값이</a:t>
+            </a:r>
+            <a:r>
+              <a:rPr lang="ko-KR" altLang="en-US" b="1" dirty="0" smtClean="0">
+                <a:solidFill>
+                  <a:schemeClr val="tx1"/>
+                </a:solidFill>
+                <a:latin typeface="210 옴니고딕 030" panose="02020603020101020101" pitchFamily="18" charset="-127"/>
+                <a:ea typeface="210 옴니고딕 030" panose="02020603020101020101" pitchFamily="18" charset="-127"/>
+              </a:rPr>
+              <a:t> 같으면</a:t>
+            </a:r>
+            <a:r>
+              <a:rPr lang="en-US" altLang="ko-KR" b="1" dirty="0" smtClean="0">
+                <a:solidFill>
+                  <a:schemeClr val="tx1"/>
+                </a:solidFill>
+                <a:latin typeface="210 옴니고딕 030" panose="02020603020101020101" pitchFamily="18" charset="-127"/>
+                <a:ea typeface="210 옴니고딕 030" panose="02020603020101020101" pitchFamily="18" charset="-127"/>
+              </a:rPr>
+              <a:t>, </a:t>
+            </a:r>
+            <a:r>
+              <a:rPr lang="ko-KR" altLang="en-US" b="1" dirty="0" smtClean="0">
+                <a:solidFill>
+                  <a:schemeClr val="tx1"/>
+                </a:solidFill>
+                <a:latin typeface="210 옴니고딕 030" panose="02020603020101020101" pitchFamily="18" charset="-127"/>
+                <a:ea typeface="210 옴니고딕 030" panose="02020603020101020101" pitchFamily="18" charset="-127"/>
+              </a:rPr>
+              <a:t>평행하게 </a:t>
+            </a:r>
+            <a:r>
+              <a:rPr lang="ko-KR" altLang="en-US" b="1" dirty="0" err="1" smtClean="0">
+                <a:solidFill>
+                  <a:schemeClr val="tx1"/>
+                </a:solidFill>
+                <a:latin typeface="210 옴니고딕 030" panose="02020603020101020101" pitchFamily="18" charset="-127"/>
+                <a:ea typeface="210 옴니고딕 030" panose="02020603020101020101" pitchFamily="18" charset="-127"/>
+              </a:rPr>
+              <a:t>맞춘걸로</a:t>
+            </a:r>
+            <a:r>
+              <a:rPr lang="ko-KR" altLang="en-US" b="1" dirty="0" smtClean="0">
+                <a:solidFill>
+                  <a:schemeClr val="tx1"/>
+                </a:solidFill>
+                <a:latin typeface="210 옴니고딕 030" panose="02020603020101020101" pitchFamily="18" charset="-127"/>
+                <a:ea typeface="210 옴니고딕 030" panose="02020603020101020101" pitchFamily="18" charset="-127"/>
+              </a:rPr>
+              <a:t> 간주</a:t>
+            </a:r>
+            <a:endParaRPr lang="en-US" altLang="ko-KR" b="1" dirty="0" smtClean="0">
+              <a:solidFill>
+                <a:schemeClr val="tx1"/>
+              </a:solidFill>
+              <a:latin typeface="210 옴니고딕 030" panose="02020603020101020101" pitchFamily="18" charset="-127"/>
+              <a:ea typeface="210 옴니고딕 030" panose="02020603020101020101" pitchFamily="18" charset="-127"/>
+            </a:endParaRPr>
+          </a:p>
+          <a:p>
+            <a:endParaRPr lang="en-US" altLang="ko-KR" dirty="0" smtClean="0">
+              <a:solidFill>
+                <a:schemeClr val="tx1"/>
+              </a:solidFill>
+              <a:latin typeface="210 옴니고딕 030" panose="02020603020101020101" pitchFamily="18" charset="-127"/>
+              <a:ea typeface="210 옴니고딕 030" panose="02020603020101020101" pitchFamily="18" charset="-127"/>
+            </a:endParaRPr>
+          </a:p>
+          <a:p>
+            <a:r>
+              <a:rPr lang="en-US" altLang="ko-KR" dirty="0" smtClean="0">
+                <a:solidFill>
+                  <a:schemeClr val="tx1"/>
+                </a:solidFill>
+                <a:latin typeface="210 옴니고딕 030" panose="02020603020101020101" pitchFamily="18" charset="-127"/>
+                <a:ea typeface="210 옴니고딕 030" panose="02020603020101020101" pitchFamily="18" charset="-127"/>
+              </a:rPr>
+              <a:t>(</a:t>
+            </a:r>
+            <a:r>
+              <a:rPr lang="ko-KR" altLang="en-US" dirty="0" smtClean="0">
+                <a:solidFill>
+                  <a:schemeClr val="tx1"/>
+                </a:solidFill>
+                <a:latin typeface="210 옴니고딕 030" panose="02020603020101020101" pitchFamily="18" charset="-127"/>
+                <a:ea typeface="210 옴니고딕 030" panose="02020603020101020101" pitchFamily="18" charset="-127"/>
+              </a:rPr>
+              <a:t>실제로는 조금씩 값이 </a:t>
+            </a:r>
+            <a:r>
+              <a:rPr lang="ko-KR" altLang="en-US" dirty="0" err="1" smtClean="0">
+                <a:solidFill>
+                  <a:schemeClr val="tx1"/>
+                </a:solidFill>
+                <a:latin typeface="210 옴니고딕 030" panose="02020603020101020101" pitchFamily="18" charset="-127"/>
+                <a:ea typeface="210 옴니고딕 030" panose="02020603020101020101" pitchFamily="18" charset="-127"/>
+              </a:rPr>
+              <a:t>다를테니</a:t>
+            </a:r>
+            <a:r>
+              <a:rPr lang="ko-KR" altLang="en-US" dirty="0" smtClean="0">
+                <a:solidFill>
+                  <a:schemeClr val="tx1"/>
+                </a:solidFill>
+                <a:latin typeface="210 옴니고딕 030" panose="02020603020101020101" pitchFamily="18" charset="-127"/>
+                <a:ea typeface="210 옴니고딕 030" panose="02020603020101020101" pitchFamily="18" charset="-127"/>
+              </a:rPr>
+              <a:t> 일정 오차범위 내면 레일을 평행하게 </a:t>
+            </a:r>
+            <a:r>
+              <a:rPr lang="ko-KR" altLang="en-US" dirty="0" err="1" smtClean="0">
+                <a:solidFill>
+                  <a:schemeClr val="tx1"/>
+                </a:solidFill>
+                <a:latin typeface="210 옴니고딕 030" panose="02020603020101020101" pitchFamily="18" charset="-127"/>
+                <a:ea typeface="210 옴니고딕 030" panose="02020603020101020101" pitchFamily="18" charset="-127"/>
+              </a:rPr>
+              <a:t>맞춘것으로</a:t>
+            </a:r>
+            <a:r>
+              <a:rPr lang="ko-KR" altLang="en-US" dirty="0" smtClean="0">
+                <a:solidFill>
+                  <a:schemeClr val="tx1"/>
+                </a:solidFill>
+                <a:latin typeface="210 옴니고딕 030" panose="02020603020101020101" pitchFamily="18" charset="-127"/>
+                <a:ea typeface="210 옴니고딕 030" panose="02020603020101020101" pitchFamily="18" charset="-127"/>
+              </a:rPr>
+              <a:t> 간주</a:t>
+            </a:r>
+            <a:r>
+              <a:rPr lang="en-US" altLang="ko-KR" dirty="0" smtClean="0">
+                <a:solidFill>
+                  <a:schemeClr val="tx1"/>
+                </a:solidFill>
+                <a:latin typeface="210 옴니고딕 030" panose="02020603020101020101" pitchFamily="18" charset="-127"/>
+                <a:ea typeface="210 옴니고딕 030" panose="02020603020101020101" pitchFamily="18" charset="-127"/>
+              </a:rPr>
+              <a:t>)</a:t>
+            </a:r>
+          </a:p>
+          <a:p>
+            <a:endParaRPr lang="en-US" altLang="ko-KR" dirty="0" smtClean="0">
+              <a:solidFill>
+                <a:schemeClr val="tx1"/>
+              </a:solidFill>
+              <a:latin typeface="210 옴니고딕 030" panose="02020603020101020101" pitchFamily="18" charset="-127"/>
+              <a:ea typeface="210 옴니고딕 030" panose="02020603020101020101" pitchFamily="18" charset="-127"/>
+            </a:endParaRPr>
+          </a:p>
+          <a:p>
+            <a:endParaRPr lang="ko-KR" altLang="en-US" dirty="0">
+              <a:solidFill>
+                <a:schemeClr val="tx1"/>
+              </a:solidFill>
+              <a:latin typeface="210 옴니고딕 030" panose="02020603020101020101" pitchFamily="18" charset="-127"/>
+              <a:ea typeface="210 옴니고딕 030" panose="02020603020101020101" pitchFamily="18" charset="-127"/>
+            </a:endParaRPr>
+          </a:p>
+        </p:txBody>
+      </p:sp>
+    </p:spTree>
+    <p:extLst>
+      <p:ext uri="{BB962C8B-B14F-4D97-AF65-F5344CB8AC3E}">
+        <p14:creationId xmlns:p14="http://schemas.microsoft.com/office/powerpoint/2010/main" xmlns="" val="2972495675"/>
+      </p:ext>
+    </p:extLst>
+  </p:cSld>
+  <p:clrMapOvr>
+    <a:masterClrMapping/>
+  </p:clrMapOvr>
+</p:sld>
+</file>
+
+<file path=ppt/slides/slide22.xml><?xml version="1.0" encoding="utf-8"?>
+<p:sld xmlns:a="http://schemas.openxmlformats.org/drawingml/2006/main" xmlns:r="http://schemas.openxmlformats.org/officeDocument/2006/relationships" xmlns:p="http://schemas.openxmlformats.org/presentationml/2006/main">
+  <p:cSld>
+    <p:spTree>
+      <p:nvGrpSpPr>
+        <p:cNvPr id="1" name=""/>
+        <p:cNvGrpSpPr/>
+        <p:nvPr/>
+      </p:nvGrpSpPr>
+      <p:grpSpPr>
+        <a:xfrm>
+          <a:off x="0" y="0"/>
+          <a:ext cx="0" cy="0"/>
+          <a:chOff x="0" y="0"/>
+          <a:chExt cx="0" cy="0"/>
+        </a:xfrm>
+      </p:grpSpPr>
+      <p:cxnSp>
+        <p:nvCxnSpPr>
+          <p:cNvPr id="20" name="직선 연결선 19"/>
+          <p:cNvCxnSpPr/>
+          <p:nvPr/>
+        </p:nvCxnSpPr>
+        <p:spPr>
+          <a:xfrm>
+            <a:off x="364803" y="547859"/>
+            <a:ext cx="8406000" cy="0"/>
+          </a:xfrm>
+          <a:prstGeom prst="line">
+            <a:avLst/>
+          </a:prstGeom>
+          <a:ln w="3175">
+            <a:solidFill>
+              <a:schemeClr val="accent4">
+                <a:lumMod val="50000"/>
+              </a:schemeClr>
+            </a:solidFill>
+          </a:ln>
+        </p:spPr>
+        <p:style>
+          <a:lnRef idx="1">
+            <a:schemeClr val="accent1"/>
+          </a:lnRef>
+          <a:fillRef idx="0">
+            <a:schemeClr val="accent1"/>
+          </a:fillRef>
+          <a:effectRef idx="0">
+            <a:schemeClr val="accent1"/>
+          </a:effectRef>
+          <a:fontRef idx="minor">
+            <a:schemeClr val="tx1"/>
+          </a:fontRef>
+        </p:style>
+      </p:cxnSp>
+      <p:sp>
+        <p:nvSpPr>
+          <p:cNvPr id="18" name="슬라이드 번호 개체 틀 17">
+            <a:extLst>
+              <a:ext uri="{FF2B5EF4-FFF2-40B4-BE49-F238E27FC236}">
+                <a16:creationId xmlns:a16="http://schemas.microsoft.com/office/drawing/2014/main" xmlns="" id="{80E74BDD-2288-4955-BCED-8609EFDE5904}"/>
+              </a:ext>
+            </a:extLst>
+          </p:cNvPr>
+          <p:cNvSpPr>
+            <a:spLocks noGrp="1"/>
+          </p:cNvSpPr>
+          <p:nvPr>
+            <p:ph type="sldNum" sz="quarter" idx="12"/>
+          </p:nvPr>
+        </p:nvSpPr>
+        <p:spPr/>
+        <p:txBody>
+          <a:bodyPr/>
+          <a:lstStyle/>
+          <a:p>
+            <a:fld id="{97D217C8-C1B9-4E84-BCEB-D9195FCD889E}" type="slidenum">
+              <a:rPr lang="ko-KR" altLang="en-US" smtClean="0"/>
+              <a:pPr/>
+              <a:t>22</a:t>
+            </a:fld>
+            <a:endParaRPr lang="ko-KR" altLang="en-US"/>
+          </a:p>
+        </p:txBody>
+      </p:sp>
+      <p:sp>
+        <p:nvSpPr>
+          <p:cNvPr id="17" name="내용 개체 틀 2">
+            <a:extLst>
+              <a:ext uri="{FF2B5EF4-FFF2-40B4-BE49-F238E27FC236}">
+                <a16:creationId xmlns:a16="http://schemas.microsoft.com/office/drawing/2014/main" xmlns="" id="{13D30B6A-3884-4EF5-8CB1-6EEB784CF809}"/>
+              </a:ext>
+            </a:extLst>
+          </p:cNvPr>
+          <p:cNvSpPr txBox="1">
+            <a:spLocks/>
+          </p:cNvSpPr>
+          <p:nvPr/>
+        </p:nvSpPr>
+        <p:spPr>
+          <a:xfrm>
+            <a:off x="256544" y="1353645"/>
+            <a:ext cx="8470547" cy="4299010"/>
+          </a:xfrm>
+          <a:prstGeom prst="rect">
+            <a:avLst/>
+          </a:prstGeom>
+        </p:spPr>
+        <p:txBody>
+          <a:bodyPr vert="horz" lIns="91440" tIns="45720" rIns="91440" bIns="45720" rtlCol="0">
+            <a:normAutofit/>
+          </a:bodyPr>
+          <a:lstStyle>
+            <a:lvl1pPr marL="342900" indent="-342900" algn="l" defTabSz="914400" rtl="0" eaLnBrk="1" latinLnBrk="1" hangingPunct="1">
+              <a:spcBef>
+                <a:spcPct val="20000"/>
+              </a:spcBef>
+              <a:buFont typeface="Arial" pitchFamily="34" charset="0"/>
+              <a:buChar char="•"/>
+              <a:defRPr sz="3200" kern="1200">
+                <a:solidFill>
+                  <a:schemeClr val="tx1"/>
+                </a:solidFill>
+                <a:latin typeface="+mn-lt"/>
+                <a:ea typeface="+mn-ea"/>
+                <a:cs typeface="+mn-cs"/>
+              </a:defRPr>
+            </a:lvl1pPr>
+            <a:lvl2pPr marL="742950" indent="-285750" algn="l" defTabSz="914400" rtl="0" eaLnBrk="1" latinLnBrk="1" hangingPunct="1">
+              <a:spcBef>
+                <a:spcPct val="20000"/>
+              </a:spcBef>
+              <a:buFont typeface="Arial" pitchFamily="34" charset="0"/>
+              <a:buChar char="–"/>
+              <a:defRPr sz="2800" kern="1200">
+                <a:solidFill>
+                  <a:schemeClr val="tx1"/>
+                </a:solidFill>
+                <a:latin typeface="+mn-lt"/>
+                <a:ea typeface="+mn-ea"/>
+                <a:cs typeface="+mn-cs"/>
+              </a:defRPr>
+            </a:lvl2pPr>
+            <a:lvl3pPr marL="1143000" indent="-228600" algn="l" defTabSz="914400" rtl="0" eaLnBrk="1" latinLnBrk="1" hangingPunct="1">
+              <a:spcBef>
+                <a:spcPct val="20000"/>
+              </a:spcBef>
+              <a:buFont typeface="Arial" pitchFamily="34" charset="0"/>
+              <a:buChar char="•"/>
+              <a:defRPr sz="2400" kern="1200">
+                <a:solidFill>
+                  <a:schemeClr val="tx1"/>
+                </a:solidFill>
+                <a:latin typeface="+mn-lt"/>
+                <a:ea typeface="+mn-ea"/>
+                <a:cs typeface="+mn-cs"/>
+              </a:defRPr>
+            </a:lvl3pPr>
+            <a:lvl4pPr marL="1600200" indent="-228600" algn="l" defTabSz="914400" rtl="0" eaLnBrk="1" latinLnBrk="1" hangingPunct="1">
+              <a:spcBef>
+                <a:spcPct val="20000"/>
+              </a:spcBef>
+              <a:buFont typeface="Arial" pitchFamily="34" charset="0"/>
+              <a:buChar char="–"/>
+              <a:defRPr sz="2000" kern="1200">
+                <a:solidFill>
+                  <a:schemeClr val="tx1"/>
+                </a:solidFill>
+                <a:latin typeface="+mn-lt"/>
+                <a:ea typeface="+mn-ea"/>
+                <a:cs typeface="+mn-cs"/>
+              </a:defRPr>
+            </a:lvl4pPr>
+            <a:lvl5pPr marL="2057400" indent="-228600" algn="l" defTabSz="914400" rtl="0" eaLnBrk="1" latinLnBrk="1" hangingPunct="1">
+              <a:spcBef>
+                <a:spcPct val="20000"/>
+              </a:spcBef>
+              <a:buFont typeface="Arial" pitchFamily="34" charset="0"/>
+              <a:buChar char="»"/>
+              <a:defRPr sz="2000" kern="1200">
+                <a:solidFill>
+                  <a:schemeClr val="tx1"/>
+                </a:solidFill>
+                <a:latin typeface="+mn-lt"/>
+                <a:ea typeface="+mn-ea"/>
+                <a:cs typeface="+mn-cs"/>
+              </a:defRPr>
+            </a:lvl5pPr>
+            <a:lvl6pPr marL="2514600" indent="-228600" algn="l" defTabSz="914400" rtl="0" eaLnBrk="1" latinLnBrk="1" hangingPunct="1">
+              <a:spcBef>
+                <a:spcPct val="20000"/>
+              </a:spcBef>
+              <a:buFont typeface="Arial" pitchFamily="34" charset="0"/>
+              <a:buChar char="•"/>
+              <a:defRPr sz="2000" kern="1200">
+                <a:solidFill>
+                  <a:schemeClr val="tx1"/>
+                </a:solidFill>
+                <a:latin typeface="+mn-lt"/>
+                <a:ea typeface="+mn-ea"/>
+                <a:cs typeface="+mn-cs"/>
+              </a:defRPr>
+            </a:lvl6pPr>
+            <a:lvl7pPr marL="2971800" indent="-228600" algn="l" defTabSz="914400" rtl="0" eaLnBrk="1" latinLnBrk="1" hangingPunct="1">
+              <a:spcBef>
+                <a:spcPct val="20000"/>
+              </a:spcBef>
+              <a:buFont typeface="Arial" pitchFamily="34" charset="0"/>
+              <a:buChar char="•"/>
+              <a:defRPr sz="2000" kern="1200">
+                <a:solidFill>
+                  <a:schemeClr val="tx1"/>
+                </a:solidFill>
+                <a:latin typeface="+mn-lt"/>
+                <a:ea typeface="+mn-ea"/>
+                <a:cs typeface="+mn-cs"/>
+              </a:defRPr>
+            </a:lvl7pPr>
+            <a:lvl8pPr marL="3429000" indent="-228600" algn="l" defTabSz="914400" rtl="0" eaLnBrk="1" latinLnBrk="1" hangingPunct="1">
+              <a:spcBef>
+                <a:spcPct val="20000"/>
+              </a:spcBef>
+              <a:buFont typeface="Arial" pitchFamily="34" charset="0"/>
+              <a:buChar char="•"/>
+              <a:defRPr sz="2000" kern="1200">
+                <a:solidFill>
+                  <a:schemeClr val="tx1"/>
+                </a:solidFill>
+                <a:latin typeface="+mn-lt"/>
+                <a:ea typeface="+mn-ea"/>
+                <a:cs typeface="+mn-cs"/>
+              </a:defRPr>
+            </a:lvl8pPr>
+            <a:lvl9pPr marL="3886200" indent="-228600" algn="l" defTabSz="914400" rtl="0" eaLnBrk="1" latinLnBrk="1" hangingPunct="1">
+              <a:spcBef>
+                <a:spcPct val="20000"/>
+              </a:spcBef>
+              <a:buFont typeface="Arial" pitchFamily="34" charset="0"/>
+              <a:buChar char="•"/>
+              <a:defRPr sz="2000" kern="1200">
+                <a:solidFill>
+                  <a:schemeClr val="tx1"/>
+                </a:solidFill>
+                <a:latin typeface="+mn-lt"/>
+                <a:ea typeface="+mn-ea"/>
+                <a:cs typeface="+mn-cs"/>
+              </a:defRPr>
+            </a:lvl9pPr>
+          </a:lstStyle>
+          <a:p>
+            <a:pPr marL="0" indent="0">
+              <a:buNone/>
+            </a:pPr>
+            <a:endParaRPr lang="en-US" altLang="ko-KR" sz="2000" b="1" dirty="0">
+              <a:solidFill>
+                <a:srgbClr val="3D3C3E"/>
+              </a:solidFill>
+              <a:latin typeface="210 옴니고딕 030" panose="02020603020101020101" pitchFamily="18" charset="-127"/>
+              <a:ea typeface="210 옴니고딕 030" panose="02020603020101020101" pitchFamily="18" charset="-127"/>
+            </a:endParaRPr>
+          </a:p>
+          <a:p>
+            <a:pPr marL="0" indent="0">
+              <a:buNone/>
+            </a:pPr>
+            <a:r>
+              <a:rPr lang="en-US" altLang="ko-KR" sz="2000" b="1" dirty="0">
+                <a:solidFill>
+                  <a:srgbClr val="3D3C3E"/>
+                </a:solidFill>
+                <a:latin typeface="210 옴니고딕 030" panose="02020603020101020101" pitchFamily="18" charset="-127"/>
+                <a:ea typeface="210 옴니고딕 030" panose="02020603020101020101" pitchFamily="18" charset="-127"/>
+              </a:rPr>
+              <a:t>    </a:t>
+            </a:r>
+          </a:p>
+          <a:p>
+            <a:pPr marL="0" indent="0">
+              <a:buNone/>
+            </a:pPr>
+            <a:r>
+              <a:rPr lang="en-US" altLang="ko-KR" sz="2000" b="1" dirty="0">
+                <a:solidFill>
+                  <a:srgbClr val="3D3C3E"/>
+                </a:solidFill>
+                <a:latin typeface="210 옴니고딕 030" panose="02020603020101020101" pitchFamily="18" charset="-127"/>
+                <a:ea typeface="210 옴니고딕 030" panose="02020603020101020101" pitchFamily="18" charset="-127"/>
+              </a:rPr>
+              <a:t>     </a:t>
+            </a:r>
+          </a:p>
+          <a:p>
+            <a:pPr marL="0" indent="0">
+              <a:buNone/>
+            </a:pPr>
+            <a:r>
+              <a:rPr lang="en-US" altLang="ko-KR" sz="2000" b="1" dirty="0">
+                <a:solidFill>
+                  <a:srgbClr val="3D3C3E"/>
+                </a:solidFill>
+                <a:latin typeface="210 옴니고딕 030" panose="02020603020101020101" pitchFamily="18" charset="-127"/>
+                <a:ea typeface="210 옴니고딕 030" panose="02020603020101020101" pitchFamily="18" charset="-127"/>
+              </a:rPr>
+              <a:t> </a:t>
+            </a:r>
+          </a:p>
+          <a:p>
+            <a:pPr marL="0" indent="0">
+              <a:buNone/>
+            </a:pPr>
+            <a:r>
+              <a:rPr lang="en-US" altLang="ko-KR" sz="2000" b="1" dirty="0">
+                <a:solidFill>
+                  <a:srgbClr val="3D3C3E"/>
+                </a:solidFill>
+                <a:latin typeface="210 옴니고딕 030" panose="02020603020101020101" pitchFamily="18" charset="-127"/>
+                <a:ea typeface="210 옴니고딕 030" panose="02020603020101020101" pitchFamily="18" charset="-127"/>
+              </a:rPr>
+              <a:t> </a:t>
+            </a:r>
+            <a:endParaRPr lang="ko-KR" altLang="en-US" sz="1200" dirty="0">
+              <a:solidFill>
+                <a:srgbClr val="3D3C3E"/>
+              </a:solidFill>
+              <a:latin typeface="210 옴니고딕 030" panose="02020603020101020101" pitchFamily="18" charset="-127"/>
+              <a:ea typeface="210 옴니고딕 030" panose="02020603020101020101" pitchFamily="18" charset="-127"/>
+            </a:endParaRPr>
+          </a:p>
+        </p:txBody>
+      </p:sp>
+      <p:sp>
+        <p:nvSpPr>
+          <p:cNvPr id="16" name="제목 1"/>
+          <p:cNvSpPr txBox="1">
+            <a:spLocks/>
+          </p:cNvSpPr>
+          <p:nvPr/>
+        </p:nvSpPr>
+        <p:spPr>
+          <a:xfrm>
+            <a:off x="48726" y="5618488"/>
+            <a:ext cx="3692001" cy="629911"/>
+          </a:xfrm>
+          <a:prstGeom prst="rect">
+            <a:avLst/>
+          </a:prstGeom>
+        </p:spPr>
+        <p:txBody>
+          <a:bodyPr vert="horz" lIns="91440" tIns="45720" rIns="91440" bIns="45720" rtlCol="0" anchor="ctr">
+            <a:noAutofit/>
+          </a:bodyPr>
+          <a:lstStyle/>
+          <a:p>
+            <a:pPr marL="0" marR="0" lvl="0" indent="0" algn="l" defTabSz="914400" rtl="0" eaLnBrk="1" fontAlgn="auto" latinLnBrk="1" hangingPunct="1">
+              <a:lnSpc>
+                <a:spcPct val="100000"/>
+              </a:lnSpc>
+              <a:spcBef>
+                <a:spcPct val="0"/>
+              </a:spcBef>
+              <a:spcAft>
+                <a:spcPts val="0"/>
+              </a:spcAft>
+              <a:buClrTx/>
+              <a:buSzTx/>
+              <a:buFontTx/>
+              <a:buNone/>
+              <a:tabLst/>
+              <a:defRPr/>
+            </a:pPr>
+            <a:endParaRPr kumimoji="0" lang="ko-KR" altLang="en-US" sz="2800" b="1" i="0" u="none" strike="noStrike" kern="1200" cap="none" spc="-150" normalizeH="0" baseline="0" noProof="0" dirty="0">
+              <a:ln>
+                <a:noFill/>
+              </a:ln>
+              <a:solidFill>
+                <a:schemeClr val="accent4">
+                  <a:lumMod val="50000"/>
+                </a:schemeClr>
+              </a:solidFill>
+              <a:effectLst/>
+              <a:uLnTx/>
+              <a:uFillTx/>
+              <a:latin typeface="210 옴니고딕 030" panose="02020603020101020101" pitchFamily="18" charset="-127"/>
+              <a:ea typeface="210 옴니고딕 030" panose="02020603020101020101" pitchFamily="18" charset="-127"/>
+              <a:cs typeface="+mj-cs"/>
+            </a:endParaRPr>
+          </a:p>
+        </p:txBody>
+      </p:sp>
+      <p:sp>
+        <p:nvSpPr>
+          <p:cNvPr id="10" name="직사각형 9"/>
+          <p:cNvSpPr/>
+          <p:nvPr/>
+        </p:nvSpPr>
+        <p:spPr>
+          <a:xfrm>
+            <a:off x="623456" y="969818"/>
+            <a:ext cx="8021779" cy="734292"/>
+          </a:xfrm>
+          <a:prstGeom prst="rect">
+            <a:avLst/>
+          </a:prstGeom>
+          <a:solidFill>
+            <a:schemeClr val="bg1"/>
+          </a:solidFill>
+          <a:ln>
+            <a:noFill/>
+          </a:ln>
+        </p:spPr>
+        <p:style>
+          <a:lnRef idx="2">
+            <a:schemeClr val="accent1">
+              <a:shade val="50000"/>
+            </a:schemeClr>
+          </a:lnRef>
+          <a:fillRef idx="1">
+            <a:schemeClr val="accent1"/>
+          </a:fillRef>
+          <a:effectRef idx="0">
+            <a:schemeClr val="accent1"/>
+          </a:effectRef>
+          <a:fontRef idx="minor">
+            <a:schemeClr val="lt1"/>
+          </a:fontRef>
+        </p:style>
+        <p:txBody>
+          <a:bodyPr rtlCol="0" anchor="ctr"/>
+          <a:lstStyle/>
+          <a:p>
+            <a:r>
+              <a:rPr lang="ko-KR" altLang="en-US" b="1" dirty="0" smtClean="0">
+                <a:solidFill>
+                  <a:schemeClr val="tx1"/>
+                </a:solidFill>
+                <a:latin typeface="210 옴니고딕 030" panose="02020603020101020101" pitchFamily="18" charset="-127"/>
+                <a:ea typeface="210 옴니고딕 030" panose="02020603020101020101" pitchFamily="18" charset="-127"/>
+              </a:rPr>
+              <a:t>로봇이 이동하면서</a:t>
+            </a:r>
+            <a:r>
+              <a:rPr lang="en-US" altLang="ko-KR" b="1" dirty="0" smtClean="0">
+                <a:solidFill>
+                  <a:schemeClr val="tx1"/>
+                </a:solidFill>
+                <a:latin typeface="210 옴니고딕 030" panose="02020603020101020101" pitchFamily="18" charset="-127"/>
+                <a:ea typeface="210 옴니고딕 030" panose="02020603020101020101" pitchFamily="18" charset="-127"/>
+              </a:rPr>
+              <a:t>, </a:t>
+            </a:r>
+            <a:r>
+              <a:rPr lang="ko-KR" altLang="en-US" b="1" dirty="0" smtClean="0">
+                <a:solidFill>
+                  <a:schemeClr val="tx1"/>
+                </a:solidFill>
+                <a:latin typeface="210 옴니고딕 030" panose="02020603020101020101" pitchFamily="18" charset="-127"/>
+                <a:ea typeface="210 옴니고딕 030" panose="02020603020101020101" pitchFamily="18" charset="-127"/>
+              </a:rPr>
+              <a:t>작업을 하면 </a:t>
+            </a:r>
+            <a:r>
+              <a:rPr lang="en-US" altLang="ko-KR" b="1" dirty="0" smtClean="0">
+                <a:solidFill>
+                  <a:schemeClr val="tx1"/>
+                </a:solidFill>
+                <a:latin typeface="210 옴니고딕 030" panose="02020603020101020101" pitchFamily="18" charset="-127"/>
+                <a:ea typeface="210 옴니고딕 030" panose="02020603020101020101" pitchFamily="18" charset="-127"/>
+              </a:rPr>
+              <a:t>Robot</a:t>
+            </a:r>
+            <a:r>
+              <a:rPr lang="ko-KR" altLang="en-US" b="1" dirty="0" smtClean="0">
+                <a:solidFill>
+                  <a:schemeClr val="tx1"/>
+                </a:solidFill>
+                <a:latin typeface="210 옴니고딕 030" panose="02020603020101020101" pitchFamily="18" charset="-127"/>
+                <a:ea typeface="210 옴니고딕 030" panose="02020603020101020101" pitchFamily="18" charset="-127"/>
+              </a:rPr>
+              <a:t> </a:t>
+            </a:r>
+            <a:r>
+              <a:rPr lang="en-US" altLang="ko-KR" b="1" dirty="0" smtClean="0">
+                <a:solidFill>
+                  <a:schemeClr val="tx1"/>
+                </a:solidFill>
+                <a:latin typeface="210 옴니고딕 030" panose="02020603020101020101" pitchFamily="18" charset="-127"/>
+                <a:ea typeface="210 옴니고딕 030" panose="02020603020101020101" pitchFamily="18" charset="-127"/>
+              </a:rPr>
+              <a:t>Base</a:t>
+            </a:r>
+            <a:r>
+              <a:rPr lang="ko-KR" altLang="en-US" b="1" dirty="0" smtClean="0">
+                <a:solidFill>
+                  <a:schemeClr val="tx1"/>
+                </a:solidFill>
+                <a:latin typeface="210 옴니고딕 030" panose="02020603020101020101" pitchFamily="18" charset="-127"/>
+                <a:ea typeface="210 옴니고딕 030" panose="02020603020101020101" pitchFamily="18" charset="-127"/>
+              </a:rPr>
+              <a:t>와 </a:t>
+            </a:r>
+            <a:r>
+              <a:rPr lang="en-US" altLang="ko-KR" b="1" dirty="0" smtClean="0">
+                <a:solidFill>
+                  <a:schemeClr val="tx1"/>
+                </a:solidFill>
+                <a:latin typeface="210 옴니고딕 030" panose="02020603020101020101" pitchFamily="18" charset="-127"/>
+                <a:ea typeface="210 옴니고딕 030" panose="02020603020101020101" pitchFamily="18" charset="-127"/>
+              </a:rPr>
+              <a:t>Camera </a:t>
+            </a:r>
+            <a:r>
+              <a:rPr lang="ko-KR" altLang="en-US" b="1" dirty="0" smtClean="0">
+                <a:solidFill>
+                  <a:schemeClr val="tx1"/>
+                </a:solidFill>
+                <a:latin typeface="210 옴니고딕 030" panose="02020603020101020101" pitchFamily="18" charset="-127"/>
+                <a:ea typeface="210 옴니고딕 030" panose="02020603020101020101" pitchFamily="18" charset="-127"/>
+              </a:rPr>
+              <a:t>사이의 포지션 </a:t>
+            </a:r>
+            <a:r>
+              <a:rPr lang="en-US" altLang="ko-KR" b="1" dirty="0" smtClean="0">
+                <a:solidFill>
+                  <a:schemeClr val="tx1"/>
+                </a:solidFill>
+                <a:latin typeface="210 옴니고딕 030" panose="02020603020101020101" pitchFamily="18" charset="-127"/>
+                <a:ea typeface="210 옴니고딕 030" panose="02020603020101020101" pitchFamily="18" charset="-127"/>
+              </a:rPr>
+              <a:t>Matrix</a:t>
+            </a:r>
+            <a:r>
+              <a:rPr lang="ko-KR" altLang="en-US" b="1" dirty="0" smtClean="0">
+                <a:solidFill>
+                  <a:schemeClr val="tx1"/>
+                </a:solidFill>
+                <a:latin typeface="210 옴니고딕 030" panose="02020603020101020101" pitchFamily="18" charset="-127"/>
+                <a:ea typeface="210 옴니고딕 030" panose="02020603020101020101" pitchFamily="18" charset="-127"/>
+              </a:rPr>
+              <a:t>가 바뀌기 때문에</a:t>
+            </a:r>
+            <a:r>
+              <a:rPr lang="en-US" altLang="ko-KR" b="1" dirty="0" smtClean="0">
+                <a:solidFill>
+                  <a:schemeClr val="tx1"/>
+                </a:solidFill>
+                <a:latin typeface="210 옴니고딕 030" panose="02020603020101020101" pitchFamily="18" charset="-127"/>
+                <a:ea typeface="210 옴니고딕 030" panose="02020603020101020101" pitchFamily="18" charset="-127"/>
+              </a:rPr>
+              <a:t>, Hand to Eye Calibration</a:t>
+            </a:r>
+            <a:r>
+              <a:rPr lang="ko-KR" altLang="en-US" b="1" dirty="0" smtClean="0">
+                <a:solidFill>
+                  <a:schemeClr val="tx1"/>
+                </a:solidFill>
+                <a:latin typeface="210 옴니고딕 030" panose="02020603020101020101" pitchFamily="18" charset="-127"/>
+                <a:ea typeface="210 옴니고딕 030" panose="02020603020101020101" pitchFamily="18" charset="-127"/>
+              </a:rPr>
+              <a:t>은 사용할 수 없고</a:t>
+            </a:r>
+            <a:r>
+              <a:rPr lang="en-US" altLang="ko-KR" b="1" dirty="0" smtClean="0">
+                <a:solidFill>
+                  <a:schemeClr val="tx1"/>
+                </a:solidFill>
+                <a:latin typeface="210 옴니고딕 030" panose="02020603020101020101" pitchFamily="18" charset="-127"/>
+                <a:ea typeface="210 옴니고딕 030" panose="02020603020101020101" pitchFamily="18" charset="-127"/>
+              </a:rPr>
+              <a:t>, Hand in Eye Calibration</a:t>
+            </a:r>
+            <a:r>
+              <a:rPr lang="ko-KR" altLang="en-US" b="1" dirty="0" smtClean="0">
+                <a:solidFill>
+                  <a:schemeClr val="tx1"/>
+                </a:solidFill>
+                <a:latin typeface="210 옴니고딕 030" panose="02020603020101020101" pitchFamily="18" charset="-127"/>
+                <a:ea typeface="210 옴니고딕 030" panose="02020603020101020101" pitchFamily="18" charset="-127"/>
+              </a:rPr>
+              <a:t>을 사용해야함</a:t>
+            </a:r>
+            <a:endParaRPr lang="ko-KR" altLang="en-US" b="1" dirty="0">
+              <a:solidFill>
+                <a:schemeClr val="tx1"/>
+              </a:solidFill>
+              <a:latin typeface="210 옴니고딕 030" panose="02020603020101020101" pitchFamily="18" charset="-127"/>
+              <a:ea typeface="210 옴니고딕 030" panose="02020603020101020101" pitchFamily="18" charset="-127"/>
+            </a:endParaRPr>
+          </a:p>
+        </p:txBody>
+      </p:sp>
+      <p:pic>
+        <p:nvPicPr>
+          <p:cNvPr id="2051" name="Picture 3" descr="C:\Users\user\Desktop\sefefe.JPG"/>
+          <p:cNvPicPr>
+            <a:picLocks noChangeAspect="1" noChangeArrowheads="1"/>
+          </p:cNvPicPr>
+          <p:nvPr/>
+        </p:nvPicPr>
+        <p:blipFill>
+          <a:blip r:embed="rId3" cstate="print"/>
+          <a:srcRect/>
+          <a:stretch>
+            <a:fillRect/>
+          </a:stretch>
+        </p:blipFill>
+        <p:spPr bwMode="auto">
+          <a:xfrm>
+            <a:off x="1520606" y="2294903"/>
+            <a:ext cx="5589643" cy="4247787"/>
+          </a:xfrm>
+          <a:prstGeom prst="rect">
+            <a:avLst/>
+          </a:prstGeom>
+          <a:noFill/>
+        </p:spPr>
+      </p:pic>
+    </p:spTree>
+    <p:extLst>
+      <p:ext uri="{BB962C8B-B14F-4D97-AF65-F5344CB8AC3E}">
+        <p14:creationId xmlns:p14="http://schemas.microsoft.com/office/powerpoint/2010/main" xmlns="" val="3884278868"/>
+      </p:ext>
+    </p:extLst>
+  </p:cSld>
+  <p:clrMapOvr>
+    <a:masterClrMapping/>
+  </p:clrMapOvr>
+</p:sld>
+</file>
+
+<file path=ppt/slides/slide23.xml><?xml version="1.0" encoding="utf-8"?>
+<p:sld xmlns:a="http://schemas.openxmlformats.org/drawingml/2006/main" xmlns:r="http://schemas.openxmlformats.org/officeDocument/2006/relationships" xmlns:p="http://schemas.openxmlformats.org/presentationml/2006/main">
+  <p:cSld>
+    <p:spTree>
+      <p:nvGrpSpPr>
+        <p:cNvPr id="1" name=""/>
+        <p:cNvGrpSpPr/>
+        <p:nvPr/>
+      </p:nvGrpSpPr>
+      <p:grpSpPr>
+        <a:xfrm>
+          <a:off x="0" y="0"/>
+          <a:ext cx="0" cy="0"/>
+          <a:chOff x="0" y="0"/>
+          <a:chExt cx="0" cy="0"/>
+        </a:xfrm>
+      </p:grpSpPr>
+      <p:sp>
+        <p:nvSpPr>
+          <p:cNvPr id="12" name="직사각형 11"/>
+          <p:cNvSpPr/>
+          <p:nvPr/>
+        </p:nvSpPr>
+        <p:spPr>
+          <a:xfrm>
+            <a:off x="387927" y="581891"/>
+            <a:ext cx="1981200" cy="5971309"/>
+          </a:xfrm>
+          <a:prstGeom prst="rect">
+            <a:avLst/>
+          </a:prstGeom>
+          <a:solidFill>
+            <a:schemeClr val="bg1">
+              <a:lumMod val="75000"/>
+            </a:schemeClr>
+          </a:solidFill>
+          <a:ln>
+            <a:solidFill>
+              <a:schemeClr val="tx2">
+                <a:lumMod val="40000"/>
+                <a:lumOff val="60000"/>
+              </a:schemeClr>
+            </a:solidFill>
+          </a:ln>
+        </p:spPr>
+        <p:style>
+          <a:lnRef idx="2">
+            <a:schemeClr val="accent1">
+              <a:shade val="50000"/>
+            </a:schemeClr>
+          </a:lnRef>
+          <a:fillRef idx="1">
+            <a:schemeClr val="accent1"/>
+          </a:fillRef>
+          <a:effectRef idx="0">
+            <a:schemeClr val="accent1"/>
+          </a:effectRef>
+          <a:fontRef idx="minor">
+            <a:schemeClr val="lt1"/>
+          </a:fontRef>
+        </p:style>
+        <p:txBody>
+          <a:bodyPr rtlCol="0" anchor="ctr"/>
+          <a:lstStyle/>
+          <a:p>
+            <a:pPr algn="ctr"/>
+            <a:endParaRPr lang="ko-KR" altLang="en-US"/>
+          </a:p>
+        </p:txBody>
+      </p:sp>
+      <p:sp>
+        <p:nvSpPr>
+          <p:cNvPr id="4" name="순서도: 수동 연산 3">
+            <a:extLst>
+              <a:ext uri="{FF2B5EF4-FFF2-40B4-BE49-F238E27FC236}">
+                <a16:creationId xmlns:a16="http://schemas.microsoft.com/office/drawing/2014/main" xmlns="" id="{D96AED85-C938-4947-AE9E-D4F7B696B016}"/>
+              </a:ext>
+            </a:extLst>
+          </p:cNvPr>
+          <p:cNvSpPr/>
+          <p:nvPr/>
+        </p:nvSpPr>
+        <p:spPr>
+          <a:xfrm flipV="1">
+            <a:off x="3338310" y="251670"/>
+            <a:ext cx="2508308" cy="6253992"/>
+          </a:xfrm>
+          <a:prstGeom prst="flowChartManualOperation">
+            <a:avLst/>
+          </a:prstGeom>
+        </p:spPr>
+        <p:style>
+          <a:lnRef idx="2">
+            <a:schemeClr val="accent1">
+              <a:shade val="50000"/>
+            </a:schemeClr>
+          </a:lnRef>
+          <a:fillRef idx="1">
+            <a:schemeClr val="accent1"/>
+          </a:fillRef>
+          <a:effectRef idx="0">
+            <a:schemeClr val="accent1"/>
+          </a:effectRef>
+          <a:fontRef idx="minor">
+            <a:schemeClr val="lt1"/>
+          </a:fontRef>
+        </p:style>
+        <p:txBody>
+          <a:bodyPr rtlCol="0" anchor="ctr"/>
+          <a:lstStyle/>
+          <a:p>
+            <a:pPr algn="ctr"/>
+            <a:endParaRPr lang="ko-KR" altLang="en-US"/>
+          </a:p>
+        </p:txBody>
+      </p:sp>
+      <p:sp>
+        <p:nvSpPr>
+          <p:cNvPr id="5" name="사각형: 둥근 모서리 4">
+            <a:extLst>
+              <a:ext uri="{FF2B5EF4-FFF2-40B4-BE49-F238E27FC236}">
+                <a16:creationId xmlns:a16="http://schemas.microsoft.com/office/drawing/2014/main" xmlns="" id="{4B73E27F-FDC7-47E1-9CAF-9A05CFEC8AD7}"/>
+              </a:ext>
+            </a:extLst>
+          </p:cNvPr>
+          <p:cNvSpPr/>
+          <p:nvPr/>
+        </p:nvSpPr>
+        <p:spPr>
+          <a:xfrm>
+            <a:off x="3556424" y="0"/>
+            <a:ext cx="2072080" cy="620785"/>
+          </a:xfrm>
+          <a:prstGeom prst="roundRect">
+            <a:avLst/>
+          </a:prstGeom>
+          <a:noFill/>
+          <a:ln>
+            <a:solidFill>
+              <a:srgbClr val="FF0000"/>
+            </a:solidFill>
+          </a:ln>
+        </p:spPr>
+        <p:style>
+          <a:lnRef idx="2">
+            <a:schemeClr val="accent1">
+              <a:shade val="50000"/>
+            </a:schemeClr>
+          </a:lnRef>
+          <a:fillRef idx="1">
+            <a:schemeClr val="accent1"/>
+          </a:fillRef>
+          <a:effectRef idx="0">
+            <a:schemeClr val="accent1"/>
+          </a:effectRef>
+          <a:fontRef idx="minor">
+            <a:schemeClr val="lt1"/>
+          </a:fontRef>
+        </p:style>
+        <p:txBody>
+          <a:bodyPr rtlCol="0" anchor="ctr"/>
+          <a:lstStyle/>
+          <a:p>
+            <a:pPr algn="ctr"/>
+            <a:endParaRPr lang="ko-KR" altLang="en-US"/>
+          </a:p>
+        </p:txBody>
+      </p:sp>
+      <p:sp>
+        <p:nvSpPr>
+          <p:cNvPr id="6" name="사각형: 둥근 모서리 5">
+            <a:extLst>
+              <a:ext uri="{FF2B5EF4-FFF2-40B4-BE49-F238E27FC236}">
+                <a16:creationId xmlns:a16="http://schemas.microsoft.com/office/drawing/2014/main" xmlns="" id="{F2A883FB-23B0-4EF6-9566-7F06578EEA01}"/>
+              </a:ext>
+            </a:extLst>
+          </p:cNvPr>
+          <p:cNvSpPr/>
+          <p:nvPr/>
+        </p:nvSpPr>
+        <p:spPr>
+          <a:xfrm>
+            <a:off x="2878314" y="6035879"/>
+            <a:ext cx="3203196" cy="620785"/>
+          </a:xfrm>
+          <a:prstGeom prst="roundRect">
+            <a:avLst/>
+          </a:prstGeom>
+          <a:noFill/>
+          <a:ln>
+            <a:solidFill>
+              <a:srgbClr val="FF0000"/>
+            </a:solidFill>
+          </a:ln>
+        </p:spPr>
+        <p:style>
+          <a:lnRef idx="2">
+            <a:schemeClr val="accent1">
+              <a:shade val="50000"/>
+            </a:schemeClr>
+          </a:lnRef>
+          <a:fillRef idx="1">
+            <a:schemeClr val="accent1"/>
+          </a:fillRef>
+          <a:effectRef idx="0">
+            <a:schemeClr val="accent1"/>
+          </a:effectRef>
+          <a:fontRef idx="minor">
+            <a:schemeClr val="lt1"/>
+          </a:fontRef>
+        </p:style>
+        <p:txBody>
+          <a:bodyPr rtlCol="0" anchor="ctr"/>
+          <a:lstStyle/>
+          <a:p>
+            <a:pPr algn="ctr"/>
+            <a:endParaRPr lang="ko-KR" altLang="en-US"/>
+          </a:p>
+        </p:txBody>
+      </p:sp>
+      <p:cxnSp>
+        <p:nvCxnSpPr>
+          <p:cNvPr id="8" name="직선 화살표 연결선 7">
+            <a:extLst>
+              <a:ext uri="{FF2B5EF4-FFF2-40B4-BE49-F238E27FC236}">
+                <a16:creationId xmlns:a16="http://schemas.microsoft.com/office/drawing/2014/main" xmlns="" id="{059EC991-DE08-4B38-8597-FF3677442236}"/>
+              </a:ext>
+            </a:extLst>
+          </p:cNvPr>
+          <p:cNvCxnSpPr/>
+          <p:nvPr/>
+        </p:nvCxnSpPr>
+        <p:spPr>
+          <a:xfrm flipV="1">
+            <a:off x="6120913" y="3643109"/>
+            <a:ext cx="0" cy="1510018"/>
+          </a:xfrm>
+          <a:prstGeom prst="straightConnector1">
+            <a:avLst/>
+          </a:prstGeom>
+          <a:ln>
+            <a:tailEnd type="triangle"/>
+          </a:ln>
+        </p:spPr>
+        <p:style>
+          <a:lnRef idx="1">
+            <a:schemeClr val="dk1"/>
+          </a:lnRef>
+          <a:fillRef idx="0">
+            <a:schemeClr val="dk1"/>
+          </a:fillRef>
+          <a:effectRef idx="0">
+            <a:schemeClr val="dk1"/>
+          </a:effectRef>
+          <a:fontRef idx="minor">
+            <a:schemeClr val="tx1"/>
+          </a:fontRef>
+        </p:style>
+      </p:cxnSp>
+      <p:sp>
+        <p:nvSpPr>
+          <p:cNvPr id="9" name="TextBox 8">
+            <a:extLst>
+              <a:ext uri="{FF2B5EF4-FFF2-40B4-BE49-F238E27FC236}">
+                <a16:creationId xmlns:a16="http://schemas.microsoft.com/office/drawing/2014/main" xmlns="" id="{3B3A1154-C0CD-47FF-9CD8-5506FBE4EC19}"/>
+              </a:ext>
+            </a:extLst>
+          </p:cNvPr>
+          <p:cNvSpPr txBox="1"/>
+          <p:nvPr/>
+        </p:nvSpPr>
+        <p:spPr>
+          <a:xfrm rot="5400000">
+            <a:off x="5642574" y="4281439"/>
+            <a:ext cx="1434517" cy="369332"/>
+          </a:xfrm>
+          <a:prstGeom prst="rect">
+            <a:avLst/>
+          </a:prstGeom>
+          <a:noFill/>
+        </p:spPr>
+        <p:txBody>
+          <a:bodyPr wrap="square" rtlCol="0">
+            <a:spAutoFit/>
+          </a:bodyPr>
+          <a:lstStyle/>
+          <a:p>
+            <a:r>
+              <a:rPr lang="ko-KR" altLang="en-US" dirty="0"/>
+              <a:t>용접방향</a:t>
+            </a:r>
+          </a:p>
+        </p:txBody>
+      </p:sp>
+      <p:cxnSp>
+        <p:nvCxnSpPr>
+          <p:cNvPr id="10" name="직선 연결선 9"/>
+          <p:cNvCxnSpPr/>
+          <p:nvPr/>
+        </p:nvCxnSpPr>
+        <p:spPr>
+          <a:xfrm flipH="1">
+            <a:off x="762000" y="581891"/>
+            <a:ext cx="13855" cy="6012873"/>
+          </a:xfrm>
+          <a:prstGeom prst="line">
+            <a:avLst/>
+          </a:prstGeom>
+          <a:ln>
+            <a:solidFill>
+              <a:schemeClr val="tx1"/>
+            </a:solidFill>
+          </a:ln>
+        </p:spPr>
+        <p:style>
+          <a:lnRef idx="1">
+            <a:schemeClr val="accent1"/>
+          </a:lnRef>
+          <a:fillRef idx="0">
+            <a:schemeClr val="accent1"/>
+          </a:fillRef>
+          <a:effectRef idx="0">
+            <a:schemeClr val="accent1"/>
+          </a:effectRef>
+          <a:fontRef idx="minor">
+            <a:schemeClr val="tx1"/>
+          </a:fontRef>
+        </p:style>
+      </p:cxnSp>
+      <p:cxnSp>
+        <p:nvCxnSpPr>
+          <p:cNvPr id="11" name="직선 연결선 10"/>
+          <p:cNvCxnSpPr/>
+          <p:nvPr/>
+        </p:nvCxnSpPr>
+        <p:spPr>
+          <a:xfrm flipH="1">
+            <a:off x="1925782" y="581891"/>
+            <a:ext cx="27710" cy="5943600"/>
+          </a:xfrm>
+          <a:prstGeom prst="line">
+            <a:avLst/>
+          </a:prstGeom>
+          <a:ln>
+            <a:solidFill>
+              <a:schemeClr val="tx1"/>
+            </a:solidFill>
+          </a:ln>
+        </p:spPr>
+        <p:style>
+          <a:lnRef idx="1">
+            <a:schemeClr val="accent1"/>
+          </a:lnRef>
+          <a:fillRef idx="0">
+            <a:schemeClr val="accent1"/>
+          </a:fillRef>
+          <a:effectRef idx="0">
+            <a:schemeClr val="accent1"/>
+          </a:effectRef>
+          <a:fontRef idx="minor">
+            <a:schemeClr val="tx1"/>
+          </a:fontRef>
+        </p:style>
+      </p:cxnSp>
+      <p:sp>
+        <p:nvSpPr>
+          <p:cNvPr id="28" name="원호 27"/>
+          <p:cNvSpPr/>
+          <p:nvPr/>
+        </p:nvSpPr>
+        <p:spPr>
+          <a:xfrm rot="18866558">
+            <a:off x="249382" y="124692"/>
+            <a:ext cx="2286000" cy="2286000"/>
+          </a:xfrm>
+          <a:prstGeom prst="arc">
+            <a:avLst/>
+          </a:prstGeom>
+          <a:ln>
+            <a:solidFill>
+              <a:schemeClr val="tx1"/>
+            </a:solidFill>
+            <a:headEnd type="triangle"/>
+            <a:tailEnd type="triangle"/>
+          </a:ln>
+        </p:spPr>
+        <p:style>
+          <a:lnRef idx="1">
+            <a:schemeClr val="accent1"/>
+          </a:lnRef>
+          <a:fillRef idx="0">
+            <a:schemeClr val="accent1"/>
+          </a:fillRef>
+          <a:effectRef idx="0">
+            <a:schemeClr val="accent1"/>
+          </a:effectRef>
+          <a:fontRef idx="minor">
+            <a:schemeClr val="tx1"/>
+          </a:fontRef>
+        </p:style>
+        <p:txBody>
+          <a:bodyPr rtlCol="0" anchor="ctr"/>
+          <a:lstStyle/>
+          <a:p>
+            <a:pPr algn="ctr"/>
+            <a:endParaRPr lang="ko-KR" altLang="en-US"/>
+          </a:p>
+        </p:txBody>
+      </p:sp>
+      <p:sp>
+        <p:nvSpPr>
+          <p:cNvPr id="29" name="직사각형 28"/>
+          <p:cNvSpPr/>
+          <p:nvPr/>
+        </p:nvSpPr>
+        <p:spPr>
+          <a:xfrm>
+            <a:off x="6622473" y="1025235"/>
+            <a:ext cx="2521527" cy="4389727"/>
+          </a:xfrm>
+          <a:prstGeom prst="rect">
+            <a:avLst/>
+          </a:prstGeom>
+          <a:solidFill>
+            <a:schemeClr val="bg1"/>
+          </a:solidFill>
+          <a:ln>
+            <a:noFill/>
+          </a:ln>
+        </p:spPr>
+        <p:style>
+          <a:lnRef idx="2">
+            <a:schemeClr val="accent1">
+              <a:shade val="50000"/>
+            </a:schemeClr>
+          </a:lnRef>
+          <a:fillRef idx="1">
+            <a:schemeClr val="accent1"/>
+          </a:fillRef>
+          <a:effectRef idx="0">
+            <a:schemeClr val="accent1"/>
+          </a:effectRef>
+          <a:fontRef idx="minor">
+            <a:schemeClr val="lt1"/>
+          </a:fontRef>
+        </p:style>
+        <p:txBody>
+          <a:bodyPr rtlCol="0" anchor="ctr"/>
+          <a:lstStyle/>
+          <a:p>
+            <a:endParaRPr lang="ko-KR" altLang="en-US" b="1" dirty="0">
+              <a:solidFill>
+                <a:schemeClr val="tx1"/>
+              </a:solidFill>
+              <a:latin typeface="210 옴니고딕 030" panose="02020603020101020101" pitchFamily="18" charset="-127"/>
+              <a:ea typeface="210 옴니고딕 030" panose="02020603020101020101" pitchFamily="18" charset="-127"/>
+            </a:endParaRPr>
+          </a:p>
+        </p:txBody>
+      </p:sp>
+    </p:spTree>
+    <p:extLst>
+      <p:ext uri="{BB962C8B-B14F-4D97-AF65-F5344CB8AC3E}">
+        <p14:creationId xmlns:p14="http://schemas.microsoft.com/office/powerpoint/2010/main" xmlns="" val="2972495675"/>
+      </p:ext>
+    </p:extLst>
+  </p:cSld>
+  <p:clrMapOvr>
+    <a:masterClrMapping/>
+  </p:clrMapOvr>
+</p:sld>
+</file>
+
+<file path=ppt/slides/slide24.xml><?xml version="1.0" encoding="utf-8"?>
+<p:sld xmlns:a="http://schemas.openxmlformats.org/drawingml/2006/main" xmlns:r="http://schemas.openxmlformats.org/officeDocument/2006/relationships" xmlns:p="http://schemas.openxmlformats.org/presentationml/2006/main">
+  <p:cSld>
+    <p:spTree>
+      <p:nvGrpSpPr>
+        <p:cNvPr id="1" name=""/>
+        <p:cNvGrpSpPr/>
+        <p:nvPr/>
+      </p:nvGrpSpPr>
+      <p:grpSpPr>
+        <a:xfrm>
+          <a:off x="0" y="0"/>
+          <a:ext cx="0" cy="0"/>
+          <a:chOff x="0" y="0"/>
+          <a:chExt cx="0" cy="0"/>
+        </a:xfrm>
+      </p:grpSpPr>
+      <p:sp>
+        <p:nvSpPr>
+          <p:cNvPr id="2" name="제목 1"/>
+          <p:cNvSpPr>
+            <a:spLocks noGrp="1"/>
+          </p:cNvSpPr>
+          <p:nvPr>
+            <p:ph type="ctrTitle"/>
+          </p:nvPr>
+        </p:nvSpPr>
+        <p:spPr>
+          <a:xfrm>
+            <a:off x="231054" y="2425349"/>
+            <a:ext cx="3474171" cy="1041751"/>
+          </a:xfrm>
+        </p:spPr>
+        <p:txBody>
+          <a:bodyPr anchor="t">
+            <a:normAutofit/>
+          </a:bodyPr>
+          <a:lstStyle/>
+          <a:p>
+            <a:pPr algn="l"/>
+            <a:r>
+              <a:rPr lang="ko-KR" altLang="en-US" sz="4000" b="1" spc="-250" dirty="0">
+                <a:solidFill>
+                  <a:schemeClr val="accent4">
+                    <a:lumMod val="50000"/>
+                  </a:schemeClr>
+                </a:solidFill>
+                <a:latin typeface="210 옴니고딕 030" panose="02020603020101020101" pitchFamily="18" charset="-127"/>
+                <a:ea typeface="210 옴니고딕 030" panose="02020603020101020101" pitchFamily="18" charset="-127"/>
+              </a:rPr>
+              <a:t>감사합니다</a:t>
+            </a:r>
+          </a:p>
+        </p:txBody>
+      </p:sp>
+      <p:cxnSp>
+        <p:nvCxnSpPr>
+          <p:cNvPr id="10" name="직선 연결선 9"/>
+          <p:cNvCxnSpPr/>
+          <p:nvPr/>
+        </p:nvCxnSpPr>
+        <p:spPr>
+          <a:xfrm>
+            <a:off x="364803" y="3434686"/>
+            <a:ext cx="8406000" cy="0"/>
+          </a:xfrm>
+          <a:prstGeom prst="line">
+            <a:avLst/>
+          </a:prstGeom>
+          <a:ln w="12700">
+            <a:solidFill>
+              <a:schemeClr val="accent4">
+                <a:lumMod val="50000"/>
+              </a:schemeClr>
+            </a:solidFill>
+          </a:ln>
+        </p:spPr>
+        <p:style>
+          <a:lnRef idx="1">
+            <a:schemeClr val="accent1"/>
+          </a:lnRef>
+          <a:fillRef idx="0">
+            <a:schemeClr val="accent1"/>
+          </a:fillRef>
+          <a:effectRef idx="0">
+            <a:schemeClr val="accent1"/>
+          </a:effectRef>
+          <a:fontRef idx="minor">
+            <a:schemeClr val="tx1"/>
+          </a:fontRef>
+        </p:style>
+      </p:cxnSp>
+      <p:pic>
+        <p:nvPicPr>
+          <p:cNvPr id="9" name="그림 8">
+            <a:extLst>
+              <a:ext uri="{FF2B5EF4-FFF2-40B4-BE49-F238E27FC236}">
+                <a16:creationId xmlns:a16="http://schemas.microsoft.com/office/drawing/2014/main" xmlns="" id="{572F4400-072C-4B3D-9BAD-9DA70D8AB449}"/>
+              </a:ext>
+            </a:extLst>
+          </p:cNvPr>
+          <p:cNvPicPr>
+            <a:picLocks noChangeAspect="1"/>
+          </p:cNvPicPr>
+          <p:nvPr/>
+        </p:nvPicPr>
+        <p:blipFill>
+          <a:blip r:embed="rId3" cstate="print">
+            <a:extLst>
+              <a:ext uri="{28A0092B-C50C-407E-A947-70E740481C1C}">
+                <a14:useLocalDpi xmlns:a14="http://schemas.microsoft.com/office/drawing/2010/main" xmlns="" val="0"/>
+              </a:ext>
+            </a:extLst>
+          </a:blip>
+          <a:stretch>
+            <a:fillRect/>
+          </a:stretch>
+        </p:blipFill>
+        <p:spPr>
+          <a:xfrm>
+            <a:off x="5743183" y="5266733"/>
+            <a:ext cx="3136353" cy="1522163"/>
+          </a:xfrm>
+          <a:prstGeom prst="rect">
+            <a:avLst/>
+          </a:prstGeom>
+        </p:spPr>
+      </p:pic>
+      <p:sp>
+        <p:nvSpPr>
+          <p:cNvPr id="3" name="슬라이드 번호 개체 틀 2">
+            <a:extLst>
+              <a:ext uri="{FF2B5EF4-FFF2-40B4-BE49-F238E27FC236}">
+                <a16:creationId xmlns:a16="http://schemas.microsoft.com/office/drawing/2014/main" xmlns="" id="{FABADD19-C0F6-4381-8CB8-B7CBCD7EE44B}"/>
+              </a:ext>
+            </a:extLst>
+          </p:cNvPr>
+          <p:cNvSpPr>
+            <a:spLocks noGrp="1"/>
+          </p:cNvSpPr>
+          <p:nvPr>
+            <p:ph type="sldNum" sz="quarter" idx="12"/>
+          </p:nvPr>
+        </p:nvSpPr>
+        <p:spPr/>
+        <p:txBody>
+          <a:bodyPr/>
+          <a:lstStyle/>
+          <a:p>
+            <a:fld id="{97D217C8-C1B9-4E84-BCEB-D9195FCD889E}" type="slidenum">
+              <a:rPr lang="ko-KR" altLang="en-US" smtClean="0"/>
+              <a:pPr/>
+              <a:t>24</a:t>
+            </a:fld>
+            <a:endParaRPr lang="ko-KR" altLang="en-US"/>
+          </a:p>
+        </p:txBody>
+      </p:sp>
+    </p:spTree>
   </p:cSld>
   <p:clrMapOvr>
     <a:masterClrMapping/>
@@ -9786,7 +13738,7 @@
           <p:cNvPr id="14" name="그림 13">
             <a:extLst>
               <a:ext uri="{FF2B5EF4-FFF2-40B4-BE49-F238E27FC236}">
-                <a16:creationId xmlns:a16="http://schemas.microsoft.com/office/drawing/2014/main" id="{517914D3-CB5E-4C68-8EB4-A506F910E523}"/>
+                <a16:creationId xmlns:a16="http://schemas.microsoft.com/office/drawing/2014/main" xmlns="" id="{517914D3-CB5E-4C68-8EB4-A506F910E523}"/>
               </a:ext>
             </a:extLst>
           </p:cNvPr>
@@ -9799,7 +13751,7 @@
           <a:blip r:embed="rId2" cstate="print">
             <a:extLst>
               <a:ext uri="{28A0092B-C50C-407E-A947-70E740481C1C}">
-                <a14:useLocalDpi xmlns:a14="http://schemas.microsoft.com/office/drawing/2010/main" val="0"/>
+                <a14:useLocalDpi xmlns:a14="http://schemas.microsoft.com/office/drawing/2010/main" xmlns="" val="0"/>
               </a:ext>
             </a:extLst>
           </a:blip>
@@ -9822,7 +13774,7 @@
           <p:cNvPr id="2" name="슬라이드 번호 개체 틀 1">
             <a:extLst>
               <a:ext uri="{FF2B5EF4-FFF2-40B4-BE49-F238E27FC236}">
-                <a16:creationId xmlns:a16="http://schemas.microsoft.com/office/drawing/2014/main" id="{5666C08D-42EF-4B68-9411-371F179260E5}"/>
+                <a16:creationId xmlns:a16="http://schemas.microsoft.com/office/drawing/2014/main" xmlns="" id="{5666C08D-42EF-4B68-9411-371F179260E5}"/>
               </a:ext>
             </a:extLst>
           </p:cNvPr>
@@ -10157,7 +14109,7 @@
           <p:cNvPr id="4" name="TextBox 3">
             <a:extLst>
               <a:ext uri="{FF2B5EF4-FFF2-40B4-BE49-F238E27FC236}">
-                <a16:creationId xmlns:a16="http://schemas.microsoft.com/office/drawing/2014/main" id="{CCF5EA5B-3058-4CA0-B073-66733B1B2758}"/>
+                <a16:creationId xmlns:a16="http://schemas.microsoft.com/office/drawing/2014/main" xmlns="" id="{CCF5EA5B-3058-4CA0-B073-66733B1B2758}"/>
               </a:ext>
             </a:extLst>
           </p:cNvPr>
@@ -10250,7 +14202,7 @@
           <p:cNvPr id="13" name="그림 12">
             <a:extLst>
               <a:ext uri="{FF2B5EF4-FFF2-40B4-BE49-F238E27FC236}">
-                <a16:creationId xmlns:a16="http://schemas.microsoft.com/office/drawing/2014/main" id="{8E687D0E-D682-4D3D-91FF-764C2693AA77}"/>
+                <a16:creationId xmlns:a16="http://schemas.microsoft.com/office/drawing/2014/main" xmlns="" id="{8E687D0E-D682-4D3D-91FF-764C2693AA77}"/>
               </a:ext>
             </a:extLst>
           </p:cNvPr>
@@ -10263,7 +14215,7 @@
           <a:blip r:embed="rId3" cstate="print">
             <a:extLst>
               <a:ext uri="{28A0092B-C50C-407E-A947-70E740481C1C}">
-                <a14:useLocalDpi xmlns:a14="http://schemas.microsoft.com/office/drawing/2010/main" val="0"/>
+                <a14:useLocalDpi xmlns:a14="http://schemas.microsoft.com/office/drawing/2010/main" xmlns="" val="0"/>
               </a:ext>
             </a:extLst>
           </a:blip>
@@ -10286,7 +14238,7 @@
           <p:cNvPr id="18" name="슬라이드 번호 개체 틀 17">
             <a:extLst>
               <a:ext uri="{FF2B5EF4-FFF2-40B4-BE49-F238E27FC236}">
-                <a16:creationId xmlns:a16="http://schemas.microsoft.com/office/drawing/2014/main" id="{80E74BDD-2288-4955-BCED-8609EFDE5904}"/>
+                <a16:creationId xmlns:a16="http://schemas.microsoft.com/office/drawing/2014/main" xmlns="" id="{80E74BDD-2288-4955-BCED-8609EFDE5904}"/>
               </a:ext>
             </a:extLst>
           </p:cNvPr>
@@ -10316,7 +14268,7 @@
           <p:cNvPr id="10" name="TextBox 9">
             <a:extLst>
               <a:ext uri="{FF2B5EF4-FFF2-40B4-BE49-F238E27FC236}">
-                <a16:creationId xmlns:a16="http://schemas.microsoft.com/office/drawing/2014/main" id="{548636CF-E241-4552-AC94-362DFD8F5BBC}"/>
+                <a16:creationId xmlns:a16="http://schemas.microsoft.com/office/drawing/2014/main" xmlns="" id="{548636CF-E241-4552-AC94-362DFD8F5BBC}"/>
               </a:ext>
             </a:extLst>
           </p:cNvPr>
@@ -10563,7 +14515,7 @@
     </p:spTree>
     <p:extLst>
       <p:ext uri="{BB962C8B-B14F-4D97-AF65-F5344CB8AC3E}">
-        <p14:creationId xmlns:p14="http://schemas.microsoft.com/office/powerpoint/2010/main" val="3347032952"/>
+        <p14:creationId xmlns:p14="http://schemas.microsoft.com/office/powerpoint/2010/main" xmlns="" val="3347032952"/>
       </p:ext>
     </p:extLst>
   </p:cSld>
@@ -10875,7 +14827,7 @@
           <p:cNvPr id="4" name="TextBox 3">
             <a:extLst>
               <a:ext uri="{FF2B5EF4-FFF2-40B4-BE49-F238E27FC236}">
-                <a16:creationId xmlns:a16="http://schemas.microsoft.com/office/drawing/2014/main" id="{CCF5EA5B-3058-4CA0-B073-66733B1B2758}"/>
+                <a16:creationId xmlns:a16="http://schemas.microsoft.com/office/drawing/2014/main" xmlns="" id="{CCF5EA5B-3058-4CA0-B073-66733B1B2758}"/>
               </a:ext>
             </a:extLst>
           </p:cNvPr>
@@ -10968,7 +14920,7 @@
           <p:cNvPr id="10" name="그림 9">
             <a:extLst>
               <a:ext uri="{FF2B5EF4-FFF2-40B4-BE49-F238E27FC236}">
-                <a16:creationId xmlns:a16="http://schemas.microsoft.com/office/drawing/2014/main" id="{FD2D1CC6-6C7E-4A42-AEE4-FA9DE60AC81D}"/>
+                <a16:creationId xmlns:a16="http://schemas.microsoft.com/office/drawing/2014/main" xmlns="" id="{FD2D1CC6-6C7E-4A42-AEE4-FA9DE60AC81D}"/>
               </a:ext>
             </a:extLst>
           </p:cNvPr>
@@ -10981,7 +14933,7 @@
           <a:blip r:embed="rId3" cstate="print">
             <a:extLst>
               <a:ext uri="{28A0092B-C50C-407E-A947-70E740481C1C}">
-                <a14:useLocalDpi xmlns:a14="http://schemas.microsoft.com/office/drawing/2010/main" val="0"/>
+                <a14:useLocalDpi xmlns:a14="http://schemas.microsoft.com/office/drawing/2010/main" xmlns="" val="0"/>
               </a:ext>
             </a:extLst>
           </a:blip>
@@ -11004,7 +14956,7 @@
           <p:cNvPr id="6" name="슬라이드 번호 개체 틀 5">
             <a:extLst>
               <a:ext uri="{FF2B5EF4-FFF2-40B4-BE49-F238E27FC236}">
-                <a16:creationId xmlns:a16="http://schemas.microsoft.com/office/drawing/2014/main" id="{6C1F68C3-167E-451C-8815-76D6C10B9C4C}"/>
+                <a16:creationId xmlns:a16="http://schemas.microsoft.com/office/drawing/2014/main" xmlns="" id="{6C1F68C3-167E-451C-8815-76D6C10B9C4C}"/>
               </a:ext>
             </a:extLst>
           </p:cNvPr>
@@ -11034,7 +14986,7 @@
           <p:cNvPr id="11" name="TextBox 10">
             <a:extLst>
               <a:ext uri="{FF2B5EF4-FFF2-40B4-BE49-F238E27FC236}">
-                <a16:creationId xmlns:a16="http://schemas.microsoft.com/office/drawing/2014/main" id="{63C84638-5A84-42E3-BED7-DE914784F396}"/>
+                <a16:creationId xmlns:a16="http://schemas.microsoft.com/office/drawing/2014/main" xmlns="" id="{63C84638-5A84-42E3-BED7-DE914784F396}"/>
               </a:ext>
             </a:extLst>
           </p:cNvPr>
@@ -11281,7 +15233,7 @@
     </p:spTree>
     <p:extLst>
       <p:ext uri="{BB962C8B-B14F-4D97-AF65-F5344CB8AC3E}">
-        <p14:creationId xmlns:p14="http://schemas.microsoft.com/office/powerpoint/2010/main" val="3040925803"/>
+        <p14:creationId xmlns:p14="http://schemas.microsoft.com/office/powerpoint/2010/main" xmlns="" val="3040925803"/>
       </p:ext>
     </p:extLst>
   </p:cSld>
@@ -11593,7 +15545,7 @@
           <p:cNvPr id="4" name="TextBox 3">
             <a:extLst>
               <a:ext uri="{FF2B5EF4-FFF2-40B4-BE49-F238E27FC236}">
-                <a16:creationId xmlns:a16="http://schemas.microsoft.com/office/drawing/2014/main" id="{CCF5EA5B-3058-4CA0-B073-66733B1B2758}"/>
+                <a16:creationId xmlns:a16="http://schemas.microsoft.com/office/drawing/2014/main" xmlns="" id="{CCF5EA5B-3058-4CA0-B073-66733B1B2758}"/>
               </a:ext>
             </a:extLst>
           </p:cNvPr>
@@ -11672,7 +15624,7 @@
           <p:cNvPr id="10" name="그림 9">
             <a:extLst>
               <a:ext uri="{FF2B5EF4-FFF2-40B4-BE49-F238E27FC236}">
-                <a16:creationId xmlns:a16="http://schemas.microsoft.com/office/drawing/2014/main" id="{FD2D1CC6-6C7E-4A42-AEE4-FA9DE60AC81D}"/>
+                <a16:creationId xmlns:a16="http://schemas.microsoft.com/office/drawing/2014/main" xmlns="" id="{FD2D1CC6-6C7E-4A42-AEE4-FA9DE60AC81D}"/>
               </a:ext>
             </a:extLst>
           </p:cNvPr>
@@ -11685,7 +15637,7 @@
           <a:blip r:embed="rId3" cstate="print">
             <a:extLst>
               <a:ext uri="{28A0092B-C50C-407E-A947-70E740481C1C}">
-                <a14:useLocalDpi xmlns:a14="http://schemas.microsoft.com/office/drawing/2010/main" val="0"/>
+                <a14:useLocalDpi xmlns:a14="http://schemas.microsoft.com/office/drawing/2010/main" xmlns="" val="0"/>
               </a:ext>
             </a:extLst>
           </a:blip>
@@ -11708,7 +15660,7 @@
           <p:cNvPr id="6" name="슬라이드 번호 개체 틀 5">
             <a:extLst>
               <a:ext uri="{FF2B5EF4-FFF2-40B4-BE49-F238E27FC236}">
-                <a16:creationId xmlns:a16="http://schemas.microsoft.com/office/drawing/2014/main" id="{6C1F68C3-167E-451C-8815-76D6C10B9C4C}"/>
+                <a16:creationId xmlns:a16="http://schemas.microsoft.com/office/drawing/2014/main" xmlns="" id="{6C1F68C3-167E-451C-8815-76D6C10B9C4C}"/>
               </a:ext>
             </a:extLst>
           </p:cNvPr>
@@ -11736,7 +15688,7 @@
     </p:spTree>
     <p:extLst>
       <p:ext uri="{BB962C8B-B14F-4D97-AF65-F5344CB8AC3E}">
-        <p14:creationId xmlns:p14="http://schemas.microsoft.com/office/powerpoint/2010/main" val="2301804678"/>
+        <p14:creationId xmlns:p14="http://schemas.microsoft.com/office/powerpoint/2010/main" xmlns="" val="2301804678"/>
       </p:ext>
     </p:extLst>
   </p:cSld>
@@ -12048,7 +16000,7 @@
           <p:cNvPr id="4" name="TextBox 3">
             <a:extLst>
               <a:ext uri="{FF2B5EF4-FFF2-40B4-BE49-F238E27FC236}">
-                <a16:creationId xmlns:a16="http://schemas.microsoft.com/office/drawing/2014/main" id="{CCF5EA5B-3058-4CA0-B073-66733B1B2758}"/>
+                <a16:creationId xmlns:a16="http://schemas.microsoft.com/office/drawing/2014/main" xmlns="" id="{CCF5EA5B-3058-4CA0-B073-66733B1B2758}"/>
               </a:ext>
             </a:extLst>
           </p:cNvPr>
@@ -12183,7 +16135,7 @@
           <p:cNvPr id="10" name="그림 9">
             <a:extLst>
               <a:ext uri="{FF2B5EF4-FFF2-40B4-BE49-F238E27FC236}">
-                <a16:creationId xmlns:a16="http://schemas.microsoft.com/office/drawing/2014/main" id="{FD2D1CC6-6C7E-4A42-AEE4-FA9DE60AC81D}"/>
+                <a16:creationId xmlns:a16="http://schemas.microsoft.com/office/drawing/2014/main" xmlns="" id="{FD2D1CC6-6C7E-4A42-AEE4-FA9DE60AC81D}"/>
               </a:ext>
             </a:extLst>
           </p:cNvPr>
@@ -12196,7 +16148,7 @@
           <a:blip r:embed="rId3" cstate="print">
             <a:extLst>
               <a:ext uri="{28A0092B-C50C-407E-A947-70E740481C1C}">
-                <a14:useLocalDpi xmlns:a14="http://schemas.microsoft.com/office/drawing/2010/main" val="0"/>
+                <a14:useLocalDpi xmlns:a14="http://schemas.microsoft.com/office/drawing/2010/main" xmlns="" val="0"/>
               </a:ext>
             </a:extLst>
           </a:blip>
@@ -12219,7 +16171,7 @@
           <p:cNvPr id="6" name="슬라이드 번호 개체 틀 5">
             <a:extLst>
               <a:ext uri="{FF2B5EF4-FFF2-40B4-BE49-F238E27FC236}">
-                <a16:creationId xmlns:a16="http://schemas.microsoft.com/office/drawing/2014/main" id="{6C1F68C3-167E-451C-8815-76D6C10B9C4C}"/>
+                <a16:creationId xmlns:a16="http://schemas.microsoft.com/office/drawing/2014/main" xmlns="" id="{6C1F68C3-167E-451C-8815-76D6C10B9C4C}"/>
               </a:ext>
             </a:extLst>
           </p:cNvPr>
@@ -12247,7 +16199,7 @@
     </p:spTree>
     <p:extLst>
       <p:ext uri="{BB962C8B-B14F-4D97-AF65-F5344CB8AC3E}">
-        <p14:creationId xmlns:p14="http://schemas.microsoft.com/office/powerpoint/2010/main" val="1710599627"/>
+        <p14:creationId xmlns:p14="http://schemas.microsoft.com/office/powerpoint/2010/main" xmlns="" val="1710599627"/>
       </p:ext>
     </p:extLst>
   </p:cSld>
@@ -12279,7 +16231,7 @@
           <p:cNvPr id="2" name="그룹 1">
             <a:extLst>
               <a:ext uri="{FF2B5EF4-FFF2-40B4-BE49-F238E27FC236}">
-                <a16:creationId xmlns:a16="http://schemas.microsoft.com/office/drawing/2014/main" id="{5257EF0A-2959-4F41-A0D7-5FED493DDF9F}"/>
+                <a16:creationId xmlns:a16="http://schemas.microsoft.com/office/drawing/2014/main" xmlns="" id="{5257EF0A-2959-4F41-A0D7-5FED493DDF9F}"/>
               </a:ext>
             </a:extLst>
           </p:cNvPr>
@@ -12299,7 +16251,7 @@
             <p:cNvPr id="9" name="TextBox 8">
               <a:extLst>
                 <a:ext uri="{FF2B5EF4-FFF2-40B4-BE49-F238E27FC236}">
-                  <a16:creationId xmlns:a16="http://schemas.microsoft.com/office/drawing/2014/main" id="{D3947105-6879-445D-B76B-D5EFC8256F29}"/>
+                  <a16:creationId xmlns:a16="http://schemas.microsoft.com/office/drawing/2014/main" xmlns="" id="{D3947105-6879-445D-B76B-D5EFC8256F29}"/>
                 </a:ext>
               </a:extLst>
             </p:cNvPr>
@@ -12360,7 +16312,7 @@
             <p:cNvPr id="14" name="TextBox 13">
               <a:extLst>
                 <a:ext uri="{FF2B5EF4-FFF2-40B4-BE49-F238E27FC236}">
-                  <a16:creationId xmlns:a16="http://schemas.microsoft.com/office/drawing/2014/main" id="{7A9521EC-3235-494C-93F6-585BC9C3B43E}"/>
+                  <a16:creationId xmlns:a16="http://schemas.microsoft.com/office/drawing/2014/main" xmlns="" id="{7A9521EC-3235-494C-93F6-585BC9C3B43E}"/>
                 </a:ext>
               </a:extLst>
             </p:cNvPr>
@@ -12406,7 +16358,7 @@
             <p:cNvPr id="25" name="그룹 24">
               <a:extLst>
                 <a:ext uri="{FF2B5EF4-FFF2-40B4-BE49-F238E27FC236}">
-                  <a16:creationId xmlns:a16="http://schemas.microsoft.com/office/drawing/2014/main" id="{1D2D99A6-C3A5-455C-8184-43DACE6D4904}"/>
+                  <a16:creationId xmlns:a16="http://schemas.microsoft.com/office/drawing/2014/main" xmlns="" id="{1D2D99A6-C3A5-455C-8184-43DACE6D4904}"/>
                 </a:ext>
               </a:extLst>
             </p:cNvPr>
@@ -12426,7 +16378,7 @@
               <p:cNvPr id="5" name="직선 연결선 4">
                 <a:extLst>
                   <a:ext uri="{FF2B5EF4-FFF2-40B4-BE49-F238E27FC236}">
-                    <a16:creationId xmlns:a16="http://schemas.microsoft.com/office/drawing/2014/main" id="{F3920279-48F9-42E9-8322-AE444CC499BF}"/>
+                    <a16:creationId xmlns:a16="http://schemas.microsoft.com/office/drawing/2014/main" xmlns="" id="{F3920279-48F9-42E9-8322-AE444CC499BF}"/>
                   </a:ext>
                 </a:extLst>
               </p:cNvPr>
@@ -12475,7 +16427,7 @@
               <p:cNvPr id="7" name="직사각형 6">
                 <a:extLst>
                   <a:ext uri="{FF2B5EF4-FFF2-40B4-BE49-F238E27FC236}">
-                    <a16:creationId xmlns:a16="http://schemas.microsoft.com/office/drawing/2014/main" id="{54FF5575-BD81-49D6-BF4F-81749C4C22BA}"/>
+                    <a16:creationId xmlns:a16="http://schemas.microsoft.com/office/drawing/2014/main" xmlns="" id="{54FF5575-BD81-49D6-BF4F-81749C4C22BA}"/>
                   </a:ext>
                 </a:extLst>
               </p:cNvPr>
@@ -12534,7 +16486,7 @@
           <p:cNvPr id="11" name="그림 10">
             <a:extLst>
               <a:ext uri="{FF2B5EF4-FFF2-40B4-BE49-F238E27FC236}">
-                <a16:creationId xmlns:a16="http://schemas.microsoft.com/office/drawing/2014/main" id="{63FA9DA7-248E-41A7-8482-CB899B3407EF}"/>
+                <a16:creationId xmlns:a16="http://schemas.microsoft.com/office/drawing/2014/main" xmlns="" id="{63FA9DA7-248E-41A7-8482-CB899B3407EF}"/>
               </a:ext>
             </a:extLst>
           </p:cNvPr>
@@ -12547,7 +16499,7 @@
           <a:blip r:embed="rId3" cstate="print">
             <a:extLst>
               <a:ext uri="{28A0092B-C50C-407E-A947-70E740481C1C}">
-                <a14:useLocalDpi xmlns:a14="http://schemas.microsoft.com/office/drawing/2010/main" val="0"/>
+                <a14:useLocalDpi xmlns:a14="http://schemas.microsoft.com/office/drawing/2010/main" xmlns="" val="0"/>
               </a:ext>
             </a:extLst>
           </a:blip>
@@ -12570,7 +16522,7 @@
           <p:cNvPr id="4" name="슬라이드 번호 개체 틀 3">
             <a:extLst>
               <a:ext uri="{FF2B5EF4-FFF2-40B4-BE49-F238E27FC236}">
-                <a16:creationId xmlns:a16="http://schemas.microsoft.com/office/drawing/2014/main" id="{FB59B2E2-F81E-40F9-BBEB-890FC880B656}"/>
+                <a16:creationId xmlns:a16="http://schemas.microsoft.com/office/drawing/2014/main" xmlns="" id="{FB59B2E2-F81E-40F9-BBEB-890FC880B656}"/>
               </a:ext>
             </a:extLst>
           </p:cNvPr>
@@ -12598,7 +16550,7 @@
     </p:spTree>
     <p:extLst>
       <p:ext uri="{BB962C8B-B14F-4D97-AF65-F5344CB8AC3E}">
-        <p14:creationId xmlns:p14="http://schemas.microsoft.com/office/powerpoint/2010/main" val="3393553001"/>
+        <p14:creationId xmlns:p14="http://schemas.microsoft.com/office/powerpoint/2010/main" xmlns="" val="3393553001"/>
       </p:ext>
     </p:extLst>
   </p:cSld>
@@ -12910,7 +16862,7 @@
           <p:cNvPr id="4" name="TextBox 3">
             <a:extLst>
               <a:ext uri="{FF2B5EF4-FFF2-40B4-BE49-F238E27FC236}">
-                <a16:creationId xmlns:a16="http://schemas.microsoft.com/office/drawing/2014/main" id="{CCF5EA5B-3058-4CA0-B073-66733B1B2758}"/>
+                <a16:creationId xmlns:a16="http://schemas.microsoft.com/office/drawing/2014/main" xmlns="" id="{CCF5EA5B-3058-4CA0-B073-66733B1B2758}"/>
               </a:ext>
             </a:extLst>
           </p:cNvPr>
@@ -13148,7 +17100,7 @@
           <p:cNvPr id="13" name="그림 12">
             <a:extLst>
               <a:ext uri="{FF2B5EF4-FFF2-40B4-BE49-F238E27FC236}">
-                <a16:creationId xmlns:a16="http://schemas.microsoft.com/office/drawing/2014/main" id="{8E687D0E-D682-4D3D-91FF-764C2693AA77}"/>
+                <a16:creationId xmlns:a16="http://schemas.microsoft.com/office/drawing/2014/main" xmlns="" id="{8E687D0E-D682-4D3D-91FF-764C2693AA77}"/>
               </a:ext>
             </a:extLst>
           </p:cNvPr>
@@ -13161,7 +17113,7 @@
           <a:blip r:embed="rId3" cstate="print">
             <a:extLst>
               <a:ext uri="{28A0092B-C50C-407E-A947-70E740481C1C}">
-                <a14:useLocalDpi xmlns:a14="http://schemas.microsoft.com/office/drawing/2010/main" val="0"/>
+                <a14:useLocalDpi xmlns:a14="http://schemas.microsoft.com/office/drawing/2010/main" xmlns="" val="0"/>
               </a:ext>
             </a:extLst>
           </a:blip>
@@ -13184,7 +17136,7 @@
           <p:cNvPr id="18" name="슬라이드 번호 개체 틀 17">
             <a:extLst>
               <a:ext uri="{FF2B5EF4-FFF2-40B4-BE49-F238E27FC236}">
-                <a16:creationId xmlns:a16="http://schemas.microsoft.com/office/drawing/2014/main" id="{80E74BDD-2288-4955-BCED-8609EFDE5904}"/>
+                <a16:creationId xmlns:a16="http://schemas.microsoft.com/office/drawing/2014/main" xmlns="" id="{80E74BDD-2288-4955-BCED-8609EFDE5904}"/>
               </a:ext>
             </a:extLst>
           </p:cNvPr>
@@ -13212,7 +17164,7 @@
     </p:spTree>
     <p:extLst>
       <p:ext uri="{BB962C8B-B14F-4D97-AF65-F5344CB8AC3E}">
-        <p14:creationId xmlns:p14="http://schemas.microsoft.com/office/powerpoint/2010/main" val="2490689708"/>
+        <p14:creationId xmlns:p14="http://schemas.microsoft.com/office/powerpoint/2010/main" xmlns="" val="2490689708"/>
       </p:ext>
     </p:extLst>
   </p:cSld>
